--- a/backend-infrastructure-requirements.pptx
+++ b/backend-infrastructure-requirements.pptx
@@ -243,7 +243,7 @@
           <a:p>
             <a:fld id="{882805C7-747B-4752-9F69-9BC597374324}" type="datetimeFigureOut">
               <a:rPr lang="en-US" smtClean="0"/>
-              <a:t>2021-07-07</a:t>
+              <a:t>2021-07-08</a:t>
             </a:fld>
             <a:endParaRPr lang="en-US"/>
           </a:p>
@@ -413,7 +413,7 @@
           <a:p>
             <a:fld id="{882805C7-747B-4752-9F69-9BC597374324}" type="datetimeFigureOut">
               <a:rPr lang="en-US" smtClean="0"/>
-              <a:t>2021-07-07</a:t>
+              <a:t>2021-07-08</a:t>
             </a:fld>
             <a:endParaRPr lang="en-US"/>
           </a:p>
@@ -593,7 +593,7 @@
           <a:p>
             <a:fld id="{882805C7-747B-4752-9F69-9BC597374324}" type="datetimeFigureOut">
               <a:rPr lang="en-US" smtClean="0"/>
-              <a:t>2021-07-07</a:t>
+              <a:t>2021-07-08</a:t>
             </a:fld>
             <a:endParaRPr lang="en-US"/>
           </a:p>
@@ -763,7 +763,7 @@
           <a:p>
             <a:fld id="{882805C7-747B-4752-9F69-9BC597374324}" type="datetimeFigureOut">
               <a:rPr lang="en-US" smtClean="0"/>
-              <a:t>2021-07-07</a:t>
+              <a:t>2021-07-08</a:t>
             </a:fld>
             <a:endParaRPr lang="en-US"/>
           </a:p>
@@ -1007,7 +1007,7 @@
           <a:p>
             <a:fld id="{882805C7-747B-4752-9F69-9BC597374324}" type="datetimeFigureOut">
               <a:rPr lang="en-US" smtClean="0"/>
-              <a:t>2021-07-07</a:t>
+              <a:t>2021-07-08</a:t>
             </a:fld>
             <a:endParaRPr lang="en-US"/>
           </a:p>
@@ -1239,7 +1239,7 @@
           <a:p>
             <a:fld id="{882805C7-747B-4752-9F69-9BC597374324}" type="datetimeFigureOut">
               <a:rPr lang="en-US" smtClean="0"/>
-              <a:t>2021-07-07</a:t>
+              <a:t>2021-07-08</a:t>
             </a:fld>
             <a:endParaRPr lang="en-US"/>
           </a:p>
@@ -1606,7 +1606,7 @@
           <a:p>
             <a:fld id="{882805C7-747B-4752-9F69-9BC597374324}" type="datetimeFigureOut">
               <a:rPr lang="en-US" smtClean="0"/>
-              <a:t>2021-07-07</a:t>
+              <a:t>2021-07-08</a:t>
             </a:fld>
             <a:endParaRPr lang="en-US"/>
           </a:p>
@@ -1724,7 +1724,7 @@
           <a:p>
             <a:fld id="{882805C7-747B-4752-9F69-9BC597374324}" type="datetimeFigureOut">
               <a:rPr lang="en-US" smtClean="0"/>
-              <a:t>2021-07-07</a:t>
+              <a:t>2021-07-08</a:t>
             </a:fld>
             <a:endParaRPr lang="en-US"/>
           </a:p>
@@ -1819,7 +1819,7 @@
           <a:p>
             <a:fld id="{882805C7-747B-4752-9F69-9BC597374324}" type="datetimeFigureOut">
               <a:rPr lang="en-US" smtClean="0"/>
-              <a:t>2021-07-07</a:t>
+              <a:t>2021-07-08</a:t>
             </a:fld>
             <a:endParaRPr lang="en-US"/>
           </a:p>
@@ -2096,7 +2096,7 @@
           <a:p>
             <a:fld id="{882805C7-747B-4752-9F69-9BC597374324}" type="datetimeFigureOut">
               <a:rPr lang="en-US" smtClean="0"/>
-              <a:t>2021-07-07</a:t>
+              <a:t>2021-07-08</a:t>
             </a:fld>
             <a:endParaRPr lang="en-US"/>
           </a:p>
@@ -2353,7 +2353,7 @@
           <a:p>
             <a:fld id="{882805C7-747B-4752-9F69-9BC597374324}" type="datetimeFigureOut">
               <a:rPr lang="en-US" smtClean="0"/>
-              <a:t>2021-07-07</a:t>
+              <a:t>2021-07-08</a:t>
             </a:fld>
             <a:endParaRPr lang="en-US"/>
           </a:p>
@@ -2566,7 +2566,7 @@
           <a:p>
             <a:fld id="{882805C7-747B-4752-9F69-9BC597374324}" type="datetimeFigureOut">
               <a:rPr lang="en-US" smtClean="0"/>
-              <a:t>2021-07-07</a:t>
+              <a:t>2021-07-08</a:t>
             </a:fld>
             <a:endParaRPr lang="en-US"/>
           </a:p>
@@ -2971,55 +2971,12 @@
           <a:chExt cx="0" cy="0"/>
         </a:xfrm>
       </p:grpSpPr>
-      <p:sp>
-        <p:nvSpPr>
-          <p:cNvPr id="48" name="TextBox 47">
+      <p:cxnSp>
+        <p:nvCxnSpPr>
+          <p:cNvPr id="54" name="Straight Arrow Connector 53">
             <a:extLst>
               <a:ext uri="{FF2B5EF4-FFF2-40B4-BE49-F238E27FC236}">
-                <a16:creationId xmlns:a16="http://schemas.microsoft.com/office/drawing/2014/main" id="{D56E6CDD-D5C1-41C3-B678-88843FD6CFEF}"/>
-              </a:ext>
-            </a:extLst>
-          </p:cNvPr>
-          <p:cNvSpPr txBox="1"/>
-          <p:nvPr/>
-        </p:nvSpPr>
-        <p:spPr>
-          <a:xfrm>
-            <a:off x="262465" y="2391186"/>
-            <a:ext cx="1349905" cy="507831"/>
-          </a:xfrm>
-          <a:prstGeom prst="rect">
-            <a:avLst/>
-          </a:prstGeom>
-          <a:noFill/>
-        </p:spPr>
-        <p:txBody>
-          <a:bodyPr wrap="square" rtlCol="0">
-            <a:spAutoFit/>
-          </a:bodyPr>
-          <a:lstStyle/>
-          <a:p>
-            <a:r>
-              <a:rPr lang="sv-SE" sz="1350" dirty="0"/>
-              <a:t>   User typing</a:t>
-            </a:r>
-            <a:br>
-              <a:rPr lang="sv-SE" sz="1350" dirty="0"/>
-            </a:br>
-            <a:r>
-              <a:rPr lang="sv-SE" sz="1350" dirty="0"/>
-              <a:t>card data details</a:t>
-            </a:r>
-            <a:endParaRPr lang="en-US" sz="1350" dirty="0"/>
-          </a:p>
-        </p:txBody>
-      </p:sp>
-      <p:cxnSp>
-        <p:nvCxnSpPr>
-          <p:cNvPr id="52" name="Straight Arrow Connector 51">
-            <a:extLst>
-              <a:ext uri="{FF2B5EF4-FFF2-40B4-BE49-F238E27FC236}">
-                <a16:creationId xmlns:a16="http://schemas.microsoft.com/office/drawing/2014/main" id="{6661AC1F-6DB1-4A34-BA49-C5468C92B7A9}"/>
+                <a16:creationId xmlns:a16="http://schemas.microsoft.com/office/drawing/2014/main" id="{344F1FE7-6832-4705-BAEA-61CE953A7136}"/>
               </a:ext>
             </a:extLst>
           </p:cNvPr>
@@ -3030,8 +2987,8 @@
         </p:nvCxnSpPr>
         <p:spPr>
           <a:xfrm>
-            <a:off x="2306278" y="6201279"/>
-            <a:ext cx="5535000" cy="0"/>
+            <a:off x="3587745" y="2918123"/>
+            <a:ext cx="2124000" cy="0"/>
           </a:xfrm>
           <a:prstGeom prst="straightConnector1">
             <a:avLst/>
@@ -3057,10 +3014,10 @@
       </p:cxnSp>
       <p:cxnSp>
         <p:nvCxnSpPr>
-          <p:cNvPr id="53" name="Straight Arrow Connector 52">
+          <p:cNvPr id="147" name="Straight Arrow Connector 146">
             <a:extLst>
               <a:ext uri="{FF2B5EF4-FFF2-40B4-BE49-F238E27FC236}">
-                <a16:creationId xmlns:a16="http://schemas.microsoft.com/office/drawing/2014/main" id="{E1B5EA3E-B9ED-4AEF-BE17-A71F64E499E9}"/>
+                <a16:creationId xmlns:a16="http://schemas.microsoft.com/office/drawing/2014/main" id="{A8AEE82B-7CDE-4756-BD1A-0C2E26DBF44D}"/>
               </a:ext>
             </a:extLst>
           </p:cNvPr>
@@ -3071,8 +3028,8 @@
         </p:nvCxnSpPr>
         <p:spPr>
           <a:xfrm>
-            <a:off x="2306278" y="4681515"/>
-            <a:ext cx="5535000" cy="0"/>
+            <a:off x="3587745" y="4485600"/>
+            <a:ext cx="2124000" cy="0"/>
           </a:xfrm>
           <a:prstGeom prst="straightConnector1">
             <a:avLst/>
@@ -3098,10 +3055,10 @@
       </p:cxnSp>
       <p:cxnSp>
         <p:nvCxnSpPr>
-          <p:cNvPr id="54" name="Straight Arrow Connector 53">
+          <p:cNvPr id="149" name="Straight Arrow Connector 148">
             <a:extLst>
               <a:ext uri="{FF2B5EF4-FFF2-40B4-BE49-F238E27FC236}">
-                <a16:creationId xmlns:a16="http://schemas.microsoft.com/office/drawing/2014/main" id="{344F1FE7-6832-4705-BAEA-61CE953A7136}"/>
+                <a16:creationId xmlns:a16="http://schemas.microsoft.com/office/drawing/2014/main" id="{0E410667-E605-43C0-99D2-14DF5CEB396C}"/>
               </a:ext>
             </a:extLst>
           </p:cNvPr>
@@ -3112,8 +3069,8 @@
         </p:nvCxnSpPr>
         <p:spPr>
           <a:xfrm>
-            <a:off x="2306278" y="3115819"/>
-            <a:ext cx="5535000" cy="0"/>
+            <a:off x="3587745" y="6004800"/>
+            <a:ext cx="2124000" cy="0"/>
           </a:xfrm>
           <a:prstGeom prst="straightConnector1">
             <a:avLst/>
@@ -3139,6 +3096,86 @@
       </p:cxnSp>
       <p:sp>
         <p:nvSpPr>
+          <p:cNvPr id="31" name="TextBox 30">
+            <a:extLst>
+              <a:ext uri="{FF2B5EF4-FFF2-40B4-BE49-F238E27FC236}">
+                <a16:creationId xmlns:a16="http://schemas.microsoft.com/office/drawing/2014/main" id="{A3DAB2D7-E757-43D1-BF9B-BBFB08BFB725}"/>
+              </a:ext>
+            </a:extLst>
+          </p:cNvPr>
+          <p:cNvSpPr txBox="1"/>
+          <p:nvPr/>
+        </p:nvSpPr>
+        <p:spPr>
+          <a:xfrm>
+            <a:off x="6312665" y="1517367"/>
+            <a:ext cx="1581075" cy="300082"/>
+          </a:xfrm>
+          <a:prstGeom prst="rect">
+            <a:avLst/>
+          </a:prstGeom>
+          <a:noFill/>
+        </p:spPr>
+        <p:txBody>
+          <a:bodyPr wrap="none" rtlCol="0">
+            <a:spAutoFit/>
+          </a:bodyPr>
+          <a:lstStyle/>
+          <a:p>
+            <a:pPr algn="ctr"/>
+            <a:r>
+              <a:rPr lang="sv-SE" sz="1350" dirty="0"/>
+              <a:t>User authentication</a:t>
+            </a:r>
+            <a:endParaRPr lang="en-US" sz="1350" dirty="0"/>
+          </a:p>
+        </p:txBody>
+      </p:sp>
+      <p:sp>
+        <p:nvSpPr>
+          <p:cNvPr id="48" name="TextBox 47">
+            <a:extLst>
+              <a:ext uri="{FF2B5EF4-FFF2-40B4-BE49-F238E27FC236}">
+                <a16:creationId xmlns:a16="http://schemas.microsoft.com/office/drawing/2014/main" id="{D56E6CDD-D5C1-41C3-B678-88843FD6CFEF}"/>
+              </a:ext>
+            </a:extLst>
+          </p:cNvPr>
+          <p:cNvSpPr txBox="1"/>
+          <p:nvPr/>
+        </p:nvSpPr>
+        <p:spPr>
+          <a:xfrm>
+            <a:off x="1571570" y="3123656"/>
+            <a:ext cx="998607" cy="507831"/>
+          </a:xfrm>
+          <a:prstGeom prst="rect">
+            <a:avLst/>
+          </a:prstGeom>
+          <a:noFill/>
+        </p:spPr>
+        <p:txBody>
+          <a:bodyPr wrap="none" rtlCol="0">
+            <a:spAutoFit/>
+          </a:bodyPr>
+          <a:lstStyle/>
+          <a:p>
+            <a:r>
+              <a:rPr lang="sv-SE" sz="1350" dirty="0"/>
+              <a:t>Types card</a:t>
+            </a:r>
+            <a:br>
+              <a:rPr lang="sv-SE" sz="1350" dirty="0"/>
+            </a:br>
+            <a:r>
+              <a:rPr lang="sv-SE" sz="1350" dirty="0"/>
+              <a:t>data details</a:t>
+            </a:r>
+            <a:endParaRPr lang="en-US" sz="1350" dirty="0"/>
+          </a:p>
+        </p:txBody>
+      </p:sp>
+      <p:sp>
+        <p:nvSpPr>
           <p:cNvPr id="2" name="TextBox 1">
             <a:extLst>
               <a:ext uri="{FF2B5EF4-FFF2-40B4-BE49-F238E27FC236}">
@@ -3151,7 +3188,7 @@
         </p:nvSpPr>
         <p:spPr>
           <a:xfrm>
-            <a:off x="275593" y="3018809"/>
+            <a:off x="275593" y="2821113"/>
             <a:ext cx="1008609" cy="300082"/>
           </a:xfrm>
           <a:prstGeom prst="rect">
@@ -3187,8 +3224,8 @@
         </p:nvSpPr>
         <p:spPr>
           <a:xfrm>
-            <a:off x="275593" y="3329447"/>
-            <a:ext cx="1112933" cy="300082"/>
+            <a:off x="275593" y="3131751"/>
+            <a:ext cx="1124154" cy="300082"/>
           </a:xfrm>
           <a:prstGeom prst="rect">
             <a:avLst/>
@@ -3230,7 +3267,7 @@
         </p:nvSpPr>
         <p:spPr>
           <a:xfrm>
-            <a:off x="275593" y="4174259"/>
+            <a:off x="275593" y="3976563"/>
             <a:ext cx="1376082" cy="300082"/>
           </a:xfrm>
           <a:prstGeom prst="rect">
@@ -3278,7 +3315,7 @@
         </p:nvSpPr>
         <p:spPr>
           <a:xfrm>
-            <a:off x="275594" y="4473837"/>
+            <a:off x="275594" y="4276141"/>
             <a:ext cx="857671" cy="300082"/>
           </a:xfrm>
           <a:prstGeom prst="rect">
@@ -3314,7 +3351,7 @@
         </p:nvSpPr>
         <p:spPr>
           <a:xfrm>
-            <a:off x="275593" y="5944793"/>
+            <a:off x="275593" y="5747097"/>
             <a:ext cx="1261436" cy="507831"/>
           </a:xfrm>
           <a:prstGeom prst="rect">
@@ -3330,14 +3367,14 @@
           <a:p>
             <a:r>
               <a:rPr lang="sv-SE" sz="1350" dirty="0"/>
-              <a:t>FIDO Web Pay: </a:t>
+              <a:t>FIDO Web Pay </a:t>
             </a:r>
             <a:br>
               <a:rPr lang="sv-SE" sz="1350" dirty="0"/>
             </a:br>
             <a:r>
               <a:rPr lang="sv-SE" sz="1350" dirty="0"/>
-              <a:t>Online &amp; PoS</a:t>
+              <a:t>Online &amp; PoS:</a:t>
             </a:r>
             <a:endParaRPr lang="en-US" sz="1350" dirty="0"/>
           </a:p>
@@ -3374,7 +3411,7 @@
         </p:blipFill>
         <p:spPr>
           <a:xfrm>
-            <a:off x="7862231" y="5965537"/>
+            <a:off x="8047579" y="5767841"/>
             <a:ext cx="643500" cy="421200"/>
           </a:xfrm>
           <a:prstGeom prst="rect">
@@ -3413,7 +3450,7 @@
         </p:blipFill>
         <p:spPr>
           <a:xfrm>
-            <a:off x="7862231" y="4450754"/>
+            <a:off x="8047579" y="4253058"/>
             <a:ext cx="643500" cy="421200"/>
           </a:xfrm>
           <a:prstGeom prst="rect">
@@ -3452,7 +3489,7 @@
         </p:blipFill>
         <p:spPr>
           <a:xfrm>
-            <a:off x="7862231" y="2893676"/>
+            <a:off x="8047579" y="2695980"/>
             <a:ext cx="643500" cy="421200"/>
           </a:xfrm>
           <a:prstGeom prst="rect">
@@ -3474,7 +3511,7 @@
         </p:nvSpPr>
         <p:spPr>
           <a:xfrm>
-            <a:off x="3074151" y="2031634"/>
+            <a:off x="4248696" y="1833938"/>
             <a:ext cx="636024" cy="320777"/>
           </a:xfrm>
           <a:prstGeom prst="ellipse">
@@ -3533,7 +3570,19 @@
           <a:lstStyle/>
           <a:p>
             <a:pPr algn="ctr"/>
-            <a:endParaRPr lang="en-US" sz="1350"/>
+            <a:r>
+              <a:rPr lang="sv-SE" sz="1350" dirty="0">
+                <a:solidFill>
+                  <a:schemeClr val="tx1"/>
+                </a:solidFill>
+              </a:rPr>
+              <a:t>DS</a:t>
+            </a:r>
+            <a:endParaRPr lang="en-US" sz="1350" dirty="0">
+              <a:solidFill>
+                <a:schemeClr val="tx1"/>
+              </a:solidFill>
+            </a:endParaRPr>
           </a:p>
         </p:txBody>
       </p:sp>
@@ -3551,7 +3600,7 @@
         </p:nvSpPr>
         <p:spPr>
           <a:xfrm>
-            <a:off x="6379636" y="2031634"/>
+            <a:off x="6788835" y="1833938"/>
             <a:ext cx="636024" cy="320777"/>
           </a:xfrm>
           <a:prstGeom prst="ellipse">
@@ -3606,11 +3655,23 @@
           </a:fontRef>
         </p:style>
         <p:txBody>
-          <a:bodyPr rtlCol="0" anchor="ctr"/>
+          <a:bodyPr lIns="0" rIns="0" rtlCol="0" anchor="ctr"/>
           <a:lstStyle/>
           <a:p>
             <a:pPr algn="ctr"/>
-            <a:endParaRPr lang="en-US" sz="1350"/>
+            <a:r>
+              <a:rPr lang="sv-SE" sz="1350" dirty="0">
+                <a:solidFill>
+                  <a:schemeClr val="tx1"/>
+                </a:solidFill>
+              </a:rPr>
+              <a:t>ACS</a:t>
+            </a:r>
+            <a:endParaRPr lang="en-US" sz="1350" dirty="0">
+              <a:solidFill>
+                <a:schemeClr val="tx1"/>
+              </a:solidFill>
+            </a:endParaRPr>
           </a:p>
         </p:txBody>
       </p:sp>
@@ -3628,8 +3689,8 @@
         </p:nvSpPr>
         <p:spPr>
           <a:xfrm>
-            <a:off x="3723111" y="2049815"/>
-            <a:ext cx="1797461" cy="300082"/>
+            <a:off x="3978764" y="1512039"/>
+            <a:ext cx="1179938" cy="300082"/>
           </a:xfrm>
           <a:prstGeom prst="rect">
             <a:avLst/>
@@ -3637,50 +3698,15 @@
           <a:noFill/>
         </p:spPr>
         <p:txBody>
-          <a:bodyPr wrap="square" rtlCol="0">
+          <a:bodyPr wrap="none" rtlCol="0">
             <a:spAutoFit/>
           </a:bodyPr>
           <a:lstStyle/>
           <a:p>
+            <a:pPr algn="ctr"/>
             <a:r>
               <a:rPr lang="sv-SE" sz="1350" dirty="0"/>
-              <a:t>DS (enrolled cards)</a:t>
-            </a:r>
-            <a:endParaRPr lang="en-US" sz="1350" dirty="0"/>
-          </a:p>
-        </p:txBody>
-      </p:sp>
-      <p:sp>
-        <p:nvSpPr>
-          <p:cNvPr id="31" name="TextBox 30">
-            <a:extLst>
-              <a:ext uri="{FF2B5EF4-FFF2-40B4-BE49-F238E27FC236}">
-                <a16:creationId xmlns:a16="http://schemas.microsoft.com/office/drawing/2014/main" id="{A3DAB2D7-E757-43D1-BF9B-BBFB08BFB725}"/>
-              </a:ext>
-            </a:extLst>
-          </p:cNvPr>
-          <p:cNvSpPr txBox="1"/>
-          <p:nvPr/>
-        </p:nvSpPr>
-        <p:spPr>
-          <a:xfrm>
-            <a:off x="7015660" y="2045284"/>
-            <a:ext cx="2014998" cy="300082"/>
-          </a:xfrm>
-          <a:prstGeom prst="rect">
-            <a:avLst/>
-          </a:prstGeom>
-          <a:noFill/>
-        </p:spPr>
-        <p:txBody>
-          <a:bodyPr wrap="square" rtlCol="0">
-            <a:spAutoFit/>
-          </a:bodyPr>
-          <a:lstStyle/>
-          <a:p>
-            <a:r>
-              <a:rPr lang="sv-SE" sz="1350" dirty="0"/>
-              <a:t>ACS (user authentication)</a:t>
+              <a:t>Enrolled cards</a:t>
             </a:r>
             <a:endParaRPr lang="en-US" sz="1350" dirty="0"/>
           </a:p>
@@ -3717,7 +3743,7 @@
         </p:blipFill>
         <p:spPr>
           <a:xfrm>
-            <a:off x="887716" y="1909526"/>
+            <a:off x="1882953" y="2703645"/>
             <a:ext cx="421200" cy="421200"/>
           </a:xfrm>
           <a:prstGeom prst="rect">
@@ -3725,47 +3751,6 @@
           </a:prstGeom>
         </p:spPr>
       </p:pic>
-      <p:cxnSp>
-        <p:nvCxnSpPr>
-          <p:cNvPr id="34" name="Straight Arrow Connector 33">
-            <a:extLst>
-              <a:ext uri="{FF2B5EF4-FFF2-40B4-BE49-F238E27FC236}">
-                <a16:creationId xmlns:a16="http://schemas.microsoft.com/office/drawing/2014/main" id="{C9E7E349-4B7A-4B10-B355-EF99BB485BAC}"/>
-              </a:ext>
-            </a:extLst>
-          </p:cNvPr>
-          <p:cNvCxnSpPr>
-            <a:cxnSpLocks/>
-          </p:cNvCxnSpPr>
-          <p:nvPr/>
-        </p:nvCxnSpPr>
-        <p:spPr>
-          <a:xfrm>
-            <a:off x="1249680" y="2393557"/>
-            <a:ext cx="468630" cy="453031"/>
-          </a:xfrm>
-          <a:prstGeom prst="straightConnector1">
-            <a:avLst/>
-          </a:prstGeom>
-          <a:ln w="12700">
-            <a:tailEnd type="triangle"/>
-          </a:ln>
-        </p:spPr>
-        <p:style>
-          <a:lnRef idx="1">
-            <a:schemeClr val="accent1"/>
-          </a:lnRef>
-          <a:fillRef idx="0">
-            <a:schemeClr val="accent1"/>
-          </a:fillRef>
-          <a:effectRef idx="0">
-            <a:schemeClr val="accent1"/>
-          </a:effectRef>
-          <a:fontRef idx="minor">
-            <a:schemeClr val="tx1"/>
-          </a:fontRef>
-        </p:style>
-      </p:cxnSp>
       <p:cxnSp>
         <p:nvCxnSpPr>
           <p:cNvPr id="39" name="Straight Arrow Connector 38">
@@ -3782,8 +3767,8 @@
         </p:nvCxnSpPr>
         <p:spPr>
           <a:xfrm flipV="1">
-            <a:off x="2212537" y="2349921"/>
-            <a:ext cx="840611" cy="484775"/>
+            <a:off x="3568065" y="2120562"/>
+            <a:ext cx="708379" cy="570810"/>
           </a:xfrm>
           <a:prstGeom prst="straightConnector1">
             <a:avLst/>
@@ -3824,8 +3809,8 @@
         </p:nvCxnSpPr>
         <p:spPr>
           <a:xfrm flipV="1">
-            <a:off x="2306278" y="2249490"/>
-            <a:ext cx="3993127" cy="712489"/>
+            <a:off x="3600000" y="2050896"/>
+            <a:ext cx="3145605" cy="738982"/>
           </a:xfrm>
           <a:prstGeom prst="straightConnector1">
             <a:avLst/>
@@ -3864,7 +3849,7 @@
         </p:nvSpPr>
         <p:spPr>
           <a:xfrm>
-            <a:off x="5772854" y="3215564"/>
+            <a:off x="6448319" y="3017868"/>
             <a:ext cx="1797461" cy="300082"/>
           </a:xfrm>
           <a:prstGeom prst="rect">
@@ -3900,7 +3885,7 @@
         </p:nvSpPr>
         <p:spPr>
           <a:xfrm>
-            <a:off x="5772854" y="4780018"/>
+            <a:off x="6448319" y="4582322"/>
             <a:ext cx="1797461" cy="300082"/>
           </a:xfrm>
           <a:prstGeom prst="rect">
@@ -3936,7 +3921,7 @@
         </p:nvSpPr>
         <p:spPr>
           <a:xfrm>
-            <a:off x="1090152" y="1195534"/>
+            <a:off x="2345704" y="997838"/>
             <a:ext cx="1797461" cy="369332"/>
           </a:xfrm>
           <a:prstGeom prst="rect">
@@ -3953,7 +3938,7 @@
             <a:pPr algn="ctr"/>
             <a:r>
               <a:rPr lang="sv-SE" dirty="0"/>
-              <a:t>Merchants</a:t>
+              <a:t>Merchant</a:t>
             </a:r>
             <a:endParaRPr lang="en-US" dirty="0"/>
           </a:p>
@@ -3973,7 +3958,7 @@
         </p:nvSpPr>
         <p:spPr>
           <a:xfrm>
-            <a:off x="4840761" y="1195534"/>
+            <a:off x="5516226" y="997838"/>
             <a:ext cx="1094807" cy="369332"/>
           </a:xfrm>
           <a:prstGeom prst="rect">
@@ -3990,7 +3975,7 @@
             <a:pPr algn="ctr"/>
             <a:r>
               <a:rPr lang="sv-SE" dirty="0"/>
-              <a:t>PSPs</a:t>
+              <a:t>PSP</a:t>
             </a:r>
             <a:endParaRPr lang="en-US" dirty="0"/>
           </a:p>
@@ -4010,7 +3995,7 @@
         </p:nvSpPr>
         <p:spPr>
           <a:xfrm>
-            <a:off x="7616919" y="1195534"/>
+            <a:off x="7802267" y="997838"/>
             <a:ext cx="1135196" cy="369332"/>
           </a:xfrm>
           <a:prstGeom prst="rect">
@@ -4027,7 +4012,7 @@
             <a:pPr algn="ctr"/>
             <a:r>
               <a:rPr lang="sv-SE" dirty="0"/>
-              <a:t>Issuers</a:t>
+              <a:t>Issuer</a:t>
             </a:r>
             <a:endParaRPr lang="en-US" dirty="0"/>
           </a:p>
@@ -4084,7 +4069,7 @@
         </p:nvSpPr>
         <p:spPr>
           <a:xfrm>
-            <a:off x="3189006" y="3002855"/>
+            <a:off x="4257987" y="2805159"/>
             <a:ext cx="1019831" cy="216110"/>
           </a:xfrm>
           <a:prstGeom prst="rect">
@@ -4129,7 +4114,7 @@
         </p:nvSpPr>
         <p:spPr>
           <a:xfrm>
-            <a:off x="3189006" y="4570347"/>
+            <a:off x="4257987" y="4372651"/>
             <a:ext cx="1019831" cy="216110"/>
           </a:xfrm>
           <a:prstGeom prst="rect">
@@ -4174,7 +4159,7 @@
         </p:nvSpPr>
         <p:spPr>
           <a:xfrm>
-            <a:off x="3189005" y="6092505"/>
+            <a:off x="4209095" y="5894809"/>
             <a:ext cx="1117614" cy="216110"/>
           </a:xfrm>
           <a:prstGeom prst="rect">
@@ -4221,7 +4206,7 @@
         </p:nvGrpSpPr>
         <p:grpSpPr>
           <a:xfrm>
-            <a:off x="1704765" y="2889068"/>
+            <a:off x="3009745" y="2691372"/>
             <a:ext cx="523971" cy="421200"/>
             <a:chOff x="1619672" y="3068960"/>
             <a:chExt cx="557162" cy="447881"/>
@@ -5449,7 +5434,7 @@
         </p:nvGrpSpPr>
         <p:grpSpPr>
           <a:xfrm>
-            <a:off x="1704765" y="4453626"/>
+            <a:off x="3009745" y="4255930"/>
             <a:ext cx="523971" cy="421200"/>
             <a:chOff x="1619672" y="3068960"/>
             <a:chExt cx="557162" cy="447881"/>
@@ -6677,7 +6662,7 @@
         </p:nvGrpSpPr>
         <p:grpSpPr>
           <a:xfrm>
-            <a:off x="1704765" y="5967730"/>
+            <a:off x="3009745" y="5770034"/>
             <a:ext cx="523971" cy="421200"/>
             <a:chOff x="1619672" y="3068960"/>
             <a:chExt cx="557162" cy="447881"/>
@@ -7918,7 +7903,7 @@
         </p:blipFill>
         <p:spPr>
           <a:xfrm>
-            <a:off x="5123228" y="2907523"/>
+            <a:off x="5798693" y="2709827"/>
             <a:ext cx="421234" cy="421200"/>
           </a:xfrm>
           <a:prstGeom prst="rect">
@@ -7940,7 +7925,7 @@
         </p:nvSpPr>
         <p:spPr>
           <a:xfrm>
-            <a:off x="2567566" y="6536606"/>
+            <a:off x="3840313" y="6536606"/>
             <a:ext cx="3012856" cy="253916"/>
           </a:xfrm>
           <a:prstGeom prst="rect">
@@ -7991,7 +7976,7 @@
         </p:blipFill>
         <p:spPr>
           <a:xfrm>
-            <a:off x="5123228" y="4466974"/>
+            <a:off x="5798693" y="4269278"/>
             <a:ext cx="421234" cy="421200"/>
           </a:xfrm>
           <a:prstGeom prst="rect">
@@ -8028,7 +8013,7 @@
         </p:blipFill>
         <p:spPr>
           <a:xfrm>
-            <a:off x="5123228" y="5990590"/>
+            <a:off x="5798693" y="5792894"/>
             <a:ext cx="421234" cy="421200"/>
           </a:xfrm>
           <a:prstGeom prst="rect">
@@ -8052,7 +8037,7 @@
         </p:nvSpPr>
         <p:spPr>
           <a:xfrm>
-            <a:off x="5402648" y="4799391"/>
+            <a:off x="6078113" y="4601695"/>
             <a:ext cx="382846" cy="252000"/>
           </a:xfrm>
           <a:prstGeom prst="can">
@@ -8131,7 +8116,7 @@
         </p:nvSpPr>
         <p:spPr>
           <a:xfrm>
-            <a:off x="5402648" y="3242313"/>
+            <a:off x="6078113" y="3044617"/>
             <a:ext cx="382846" cy="252000"/>
           </a:xfrm>
           <a:prstGeom prst="can">
@@ -8225,12 +8210,555 @@
             <a:pPr algn="r"/>
             <a:r>
               <a:rPr lang="sv-SE" sz="750" dirty="0"/>
-              <a:t>A.R. 2021-07-07</a:t>
+              <a:t>A.R. 2021-07-08</a:t>
             </a:r>
             <a:endParaRPr lang="en-US" sz="750" dirty="0"/>
           </a:p>
         </p:txBody>
       </p:sp>
+      <p:sp>
+        <p:nvSpPr>
+          <p:cNvPr id="131" name="TextBox 130">
+            <a:extLst>
+              <a:ext uri="{FF2B5EF4-FFF2-40B4-BE49-F238E27FC236}">
+                <a16:creationId xmlns:a16="http://schemas.microsoft.com/office/drawing/2014/main" id="{88B7C6D3-3959-4B88-9162-E3BEEA91397F}"/>
+              </a:ext>
+            </a:extLst>
+          </p:cNvPr>
+          <p:cNvSpPr txBox="1"/>
+          <p:nvPr/>
+        </p:nvSpPr>
+        <p:spPr>
+          <a:xfrm>
+            <a:off x="1114145" y="995774"/>
+            <a:ext cx="1797461" cy="369332"/>
+          </a:xfrm>
+          <a:prstGeom prst="rect">
+            <a:avLst/>
+          </a:prstGeom>
+          <a:noFill/>
+        </p:spPr>
+        <p:txBody>
+          <a:bodyPr wrap="square" rtlCol="0">
+            <a:spAutoFit/>
+          </a:bodyPr>
+          <a:lstStyle/>
+          <a:p>
+            <a:pPr algn="ctr"/>
+            <a:r>
+              <a:rPr lang="sv-SE" dirty="0"/>
+              <a:t>User</a:t>
+            </a:r>
+            <a:endParaRPr lang="en-US" dirty="0"/>
+          </a:p>
+        </p:txBody>
+      </p:sp>
+      <p:cxnSp>
+        <p:nvCxnSpPr>
+          <p:cNvPr id="132" name="Straight Arrow Connector 131">
+            <a:extLst>
+              <a:ext uri="{FF2B5EF4-FFF2-40B4-BE49-F238E27FC236}">
+                <a16:creationId xmlns:a16="http://schemas.microsoft.com/office/drawing/2014/main" id="{2666E4C9-5FED-45B4-8AEC-691DD2A4BCE0}"/>
+              </a:ext>
+            </a:extLst>
+          </p:cNvPr>
+          <p:cNvCxnSpPr>
+            <a:cxnSpLocks/>
+          </p:cNvCxnSpPr>
+          <p:nvPr/>
+        </p:nvCxnSpPr>
+        <p:spPr>
+          <a:xfrm>
+            <a:off x="2358000" y="2917963"/>
+            <a:ext cx="612000" cy="0"/>
+          </a:xfrm>
+          <a:prstGeom prst="straightConnector1">
+            <a:avLst/>
+          </a:prstGeom>
+          <a:ln w="12700">
+            <a:tailEnd type="triangle"/>
+          </a:ln>
+        </p:spPr>
+        <p:style>
+          <a:lnRef idx="1">
+            <a:schemeClr val="accent1"/>
+          </a:lnRef>
+          <a:fillRef idx="0">
+            <a:schemeClr val="accent1"/>
+          </a:fillRef>
+          <a:effectRef idx="0">
+            <a:schemeClr val="accent1"/>
+          </a:effectRef>
+          <a:fontRef idx="minor">
+            <a:schemeClr val="tx1"/>
+          </a:fontRef>
+        </p:style>
+      </p:cxnSp>
+      <p:sp>
+        <p:nvSpPr>
+          <p:cNvPr id="133" name="TextBox 132">
+            <a:extLst>
+              <a:ext uri="{FF2B5EF4-FFF2-40B4-BE49-F238E27FC236}">
+                <a16:creationId xmlns:a16="http://schemas.microsoft.com/office/drawing/2014/main" id="{B7F9C56D-290A-4342-8E62-C94FB06188FD}"/>
+              </a:ext>
+            </a:extLst>
+          </p:cNvPr>
+          <p:cNvSpPr txBox="1"/>
+          <p:nvPr/>
+        </p:nvSpPr>
+        <p:spPr>
+          <a:xfrm>
+            <a:off x="1581868" y="4694714"/>
+            <a:ext cx="1020857" cy="300082"/>
+          </a:xfrm>
+          <a:prstGeom prst="rect">
+            <a:avLst/>
+          </a:prstGeom>
+          <a:noFill/>
+        </p:spPr>
+        <p:txBody>
+          <a:bodyPr wrap="none" rtlCol="0">
+            <a:spAutoFit/>
+          </a:bodyPr>
+          <a:lstStyle/>
+          <a:p>
+            <a:r>
+              <a:rPr lang="sv-SE" sz="1350" dirty="0"/>
+              <a:t>Selects card</a:t>
+            </a:r>
+            <a:endParaRPr lang="en-US" sz="1350" dirty="0"/>
+          </a:p>
+        </p:txBody>
+      </p:sp>
+      <p:pic>
+        <p:nvPicPr>
+          <p:cNvPr id="134" name="Graphic 133">
+            <a:extLst>
+              <a:ext uri="{FF2B5EF4-FFF2-40B4-BE49-F238E27FC236}">
+                <a16:creationId xmlns:a16="http://schemas.microsoft.com/office/drawing/2014/main" id="{2E65035B-DD29-4A16-B312-B153E7C0779D}"/>
+              </a:ext>
+            </a:extLst>
+          </p:cNvPr>
+          <p:cNvPicPr>
+            <a:picLocks noChangeAspect="1"/>
+          </p:cNvPicPr>
+          <p:nvPr/>
+        </p:nvPicPr>
+        <p:blipFill>
+          <a:blip r:embed="rId4">
+            <a:extLst>
+              <a:ext uri="{28A0092B-C50C-407E-A947-70E740481C1C}">
+                <a14:useLocalDpi xmlns:a14="http://schemas.microsoft.com/office/drawing/2010/main" val="0"/>
+              </a:ext>
+              <a:ext uri="{96DAC541-7B7A-43D3-8B79-37D633B846F1}">
+                <asvg:svgBlip xmlns:asvg="http://schemas.microsoft.com/office/drawing/2016/SVG/main" r:embed="rId5"/>
+              </a:ext>
+            </a:extLst>
+          </a:blip>
+          <a:stretch>
+            <a:fillRect/>
+          </a:stretch>
+        </p:blipFill>
+        <p:spPr>
+          <a:xfrm>
+            <a:off x="1882953" y="4270893"/>
+            <a:ext cx="421200" cy="421200"/>
+          </a:xfrm>
+          <a:prstGeom prst="rect">
+            <a:avLst/>
+          </a:prstGeom>
+        </p:spPr>
+      </p:pic>
+      <p:sp>
+        <p:nvSpPr>
+          <p:cNvPr id="135" name="TextBox 134">
+            <a:extLst>
+              <a:ext uri="{FF2B5EF4-FFF2-40B4-BE49-F238E27FC236}">
+                <a16:creationId xmlns:a16="http://schemas.microsoft.com/office/drawing/2014/main" id="{B9E20344-051C-4CAA-9456-A084CB4BE16C}"/>
+              </a:ext>
+            </a:extLst>
+          </p:cNvPr>
+          <p:cNvSpPr txBox="1"/>
+          <p:nvPr/>
+        </p:nvSpPr>
+        <p:spPr>
+          <a:xfrm>
+            <a:off x="1584546" y="6225325"/>
+            <a:ext cx="1020857" cy="300082"/>
+          </a:xfrm>
+          <a:prstGeom prst="rect">
+            <a:avLst/>
+          </a:prstGeom>
+          <a:noFill/>
+        </p:spPr>
+        <p:txBody>
+          <a:bodyPr wrap="none" rtlCol="0">
+            <a:spAutoFit/>
+          </a:bodyPr>
+          <a:lstStyle/>
+          <a:p>
+            <a:r>
+              <a:rPr lang="sv-SE" sz="1350" dirty="0"/>
+              <a:t>Selects card</a:t>
+            </a:r>
+            <a:endParaRPr lang="en-US" sz="1350" dirty="0"/>
+          </a:p>
+        </p:txBody>
+      </p:sp>
+      <p:pic>
+        <p:nvPicPr>
+          <p:cNvPr id="136" name="Graphic 135">
+            <a:extLst>
+              <a:ext uri="{FF2B5EF4-FFF2-40B4-BE49-F238E27FC236}">
+                <a16:creationId xmlns:a16="http://schemas.microsoft.com/office/drawing/2014/main" id="{F3DE91F3-E226-432F-9132-13F5070E7823}"/>
+              </a:ext>
+            </a:extLst>
+          </p:cNvPr>
+          <p:cNvPicPr>
+            <a:picLocks noChangeAspect="1"/>
+          </p:cNvPicPr>
+          <p:nvPr/>
+        </p:nvPicPr>
+        <p:blipFill>
+          <a:blip r:embed="rId4">
+            <a:extLst>
+              <a:ext uri="{28A0092B-C50C-407E-A947-70E740481C1C}">
+                <a14:useLocalDpi xmlns:a14="http://schemas.microsoft.com/office/drawing/2010/main" val="0"/>
+              </a:ext>
+              <a:ext uri="{96DAC541-7B7A-43D3-8B79-37D633B846F1}">
+                <asvg:svgBlip xmlns:asvg="http://schemas.microsoft.com/office/drawing/2016/SVG/main" r:embed="rId5"/>
+              </a:ext>
+            </a:extLst>
+          </a:blip>
+          <a:stretch>
+            <a:fillRect/>
+          </a:stretch>
+        </p:blipFill>
+        <p:spPr>
+          <a:xfrm>
+            <a:off x="1879097" y="5800678"/>
+            <a:ext cx="421200" cy="421200"/>
+          </a:xfrm>
+          <a:prstGeom prst="rect">
+            <a:avLst/>
+          </a:prstGeom>
+        </p:spPr>
+      </p:pic>
+      <p:cxnSp>
+        <p:nvCxnSpPr>
+          <p:cNvPr id="141" name="Straight Arrow Connector 140">
+            <a:extLst>
+              <a:ext uri="{FF2B5EF4-FFF2-40B4-BE49-F238E27FC236}">
+                <a16:creationId xmlns:a16="http://schemas.microsoft.com/office/drawing/2014/main" id="{C23EE83B-D8B4-4BDD-B169-382BD2A49827}"/>
+              </a:ext>
+            </a:extLst>
+          </p:cNvPr>
+          <p:cNvCxnSpPr>
+            <a:cxnSpLocks/>
+          </p:cNvCxnSpPr>
+          <p:nvPr/>
+        </p:nvCxnSpPr>
+        <p:spPr>
+          <a:xfrm>
+            <a:off x="2358000" y="6002285"/>
+            <a:ext cx="612000" cy="0"/>
+          </a:xfrm>
+          <a:prstGeom prst="straightConnector1">
+            <a:avLst/>
+          </a:prstGeom>
+          <a:ln w="12700">
+            <a:prstDash val="dash"/>
+            <a:tailEnd type="triangle"/>
+          </a:ln>
+        </p:spPr>
+        <p:style>
+          <a:lnRef idx="1">
+            <a:schemeClr val="accent1"/>
+          </a:lnRef>
+          <a:fillRef idx="0">
+            <a:schemeClr val="accent1"/>
+          </a:fillRef>
+          <a:effectRef idx="0">
+            <a:schemeClr val="accent1"/>
+          </a:effectRef>
+          <a:fontRef idx="minor">
+            <a:schemeClr val="tx1"/>
+          </a:fontRef>
+        </p:style>
+      </p:cxnSp>
+      <p:cxnSp>
+        <p:nvCxnSpPr>
+          <p:cNvPr id="142" name="Straight Arrow Connector 141">
+            <a:extLst>
+              <a:ext uri="{FF2B5EF4-FFF2-40B4-BE49-F238E27FC236}">
+                <a16:creationId xmlns:a16="http://schemas.microsoft.com/office/drawing/2014/main" id="{0CA6A98C-D98A-4354-A611-A76B954404CF}"/>
+              </a:ext>
+            </a:extLst>
+          </p:cNvPr>
+          <p:cNvCxnSpPr>
+            <a:cxnSpLocks/>
+          </p:cNvCxnSpPr>
+          <p:nvPr/>
+        </p:nvCxnSpPr>
+        <p:spPr>
+          <a:xfrm>
+            <a:off x="2358000" y="4482603"/>
+            <a:ext cx="612000" cy="0"/>
+          </a:xfrm>
+          <a:prstGeom prst="straightConnector1">
+            <a:avLst/>
+          </a:prstGeom>
+          <a:ln w="12700">
+            <a:prstDash val="dash"/>
+            <a:tailEnd type="triangle"/>
+          </a:ln>
+        </p:spPr>
+        <p:style>
+          <a:lnRef idx="1">
+            <a:schemeClr val="accent1"/>
+          </a:lnRef>
+          <a:fillRef idx="0">
+            <a:schemeClr val="accent1"/>
+          </a:fillRef>
+          <a:effectRef idx="0">
+            <a:schemeClr val="accent1"/>
+          </a:effectRef>
+          <a:fontRef idx="minor">
+            <a:schemeClr val="tx1"/>
+          </a:fontRef>
+        </p:style>
+      </p:cxnSp>
+      <p:sp>
+        <p:nvSpPr>
+          <p:cNvPr id="143" name="TextBox 142">
+            <a:extLst>
+              <a:ext uri="{FF2B5EF4-FFF2-40B4-BE49-F238E27FC236}">
+                <a16:creationId xmlns:a16="http://schemas.microsoft.com/office/drawing/2014/main" id="{9A5CAB60-6C76-4DA8-B80E-7824E516EC8F}"/>
+              </a:ext>
+            </a:extLst>
+          </p:cNvPr>
+          <p:cNvSpPr txBox="1"/>
+          <p:nvPr/>
+        </p:nvSpPr>
+        <p:spPr>
+          <a:xfrm>
+            <a:off x="6671127" y="4221071"/>
+            <a:ext cx="941283" cy="253916"/>
+          </a:xfrm>
+          <a:prstGeom prst="rect">
+            <a:avLst/>
+          </a:prstGeom>
+          <a:noFill/>
+        </p:spPr>
+        <p:txBody>
+          <a:bodyPr wrap="none" rtlCol="0">
+            <a:spAutoFit/>
+          </a:bodyPr>
+          <a:lstStyle/>
+          <a:p>
+            <a:r>
+              <a:rPr lang="sv-SE" sz="1050" dirty="0"/>
+              <a:t>Card Network</a:t>
+            </a:r>
+            <a:endParaRPr lang="en-US" sz="1050" dirty="0"/>
+          </a:p>
+        </p:txBody>
+      </p:sp>
+      <p:sp>
+        <p:nvSpPr>
+          <p:cNvPr id="144" name="TextBox 143">
+            <a:extLst>
+              <a:ext uri="{FF2B5EF4-FFF2-40B4-BE49-F238E27FC236}">
+                <a16:creationId xmlns:a16="http://schemas.microsoft.com/office/drawing/2014/main" id="{084C0E19-48F8-434F-BAD5-C7B9EAC4EC1F}"/>
+              </a:ext>
+            </a:extLst>
+          </p:cNvPr>
+          <p:cNvSpPr txBox="1"/>
+          <p:nvPr/>
+        </p:nvSpPr>
+        <p:spPr>
+          <a:xfrm>
+            <a:off x="6367357" y="5747462"/>
+            <a:ext cx="1548822" cy="253916"/>
+          </a:xfrm>
+          <a:prstGeom prst="rect">
+            <a:avLst/>
+          </a:prstGeom>
+          <a:noFill/>
+        </p:spPr>
+        <p:txBody>
+          <a:bodyPr wrap="none" rtlCol="0">
+            <a:spAutoFit/>
+          </a:bodyPr>
+          <a:lstStyle/>
+          <a:p>
+            <a:r>
+              <a:rPr lang="sv-SE" sz="1050" dirty="0"/>
+              <a:t>Card Network, SEPA, etc.</a:t>
+            </a:r>
+            <a:endParaRPr lang="en-US" sz="1050" dirty="0"/>
+          </a:p>
+        </p:txBody>
+      </p:sp>
+      <p:sp>
+        <p:nvSpPr>
+          <p:cNvPr id="145" name="TextBox 144">
+            <a:extLst>
+              <a:ext uri="{FF2B5EF4-FFF2-40B4-BE49-F238E27FC236}">
+                <a16:creationId xmlns:a16="http://schemas.microsoft.com/office/drawing/2014/main" id="{FCBF7B2F-CEF2-4A79-89FB-A22EC42CA4B8}"/>
+              </a:ext>
+            </a:extLst>
+          </p:cNvPr>
+          <p:cNvSpPr txBox="1"/>
+          <p:nvPr/>
+        </p:nvSpPr>
+        <p:spPr>
+          <a:xfrm>
+            <a:off x="6671127" y="2657691"/>
+            <a:ext cx="941283" cy="253916"/>
+          </a:xfrm>
+          <a:prstGeom prst="rect">
+            <a:avLst/>
+          </a:prstGeom>
+          <a:noFill/>
+        </p:spPr>
+        <p:txBody>
+          <a:bodyPr wrap="none" rtlCol="0">
+            <a:spAutoFit/>
+          </a:bodyPr>
+          <a:lstStyle/>
+          <a:p>
+            <a:r>
+              <a:rPr lang="sv-SE" sz="1050" dirty="0"/>
+              <a:t>Card Network</a:t>
+            </a:r>
+            <a:endParaRPr lang="en-US" sz="1050" dirty="0"/>
+          </a:p>
+        </p:txBody>
+      </p:sp>
+      <p:cxnSp>
+        <p:nvCxnSpPr>
+          <p:cNvPr id="146" name="Straight Arrow Connector 145">
+            <a:extLst>
+              <a:ext uri="{FF2B5EF4-FFF2-40B4-BE49-F238E27FC236}">
+                <a16:creationId xmlns:a16="http://schemas.microsoft.com/office/drawing/2014/main" id="{CD01E4B8-1EEA-4787-96CB-2C0ED3C0ACB2}"/>
+              </a:ext>
+            </a:extLst>
+          </p:cNvPr>
+          <p:cNvCxnSpPr>
+            <a:cxnSpLocks/>
+          </p:cNvCxnSpPr>
+          <p:nvPr/>
+        </p:nvCxnSpPr>
+        <p:spPr>
+          <a:xfrm>
+            <a:off x="6306125" y="2919600"/>
+            <a:ext cx="1764000" cy="0"/>
+          </a:xfrm>
+          <a:prstGeom prst="straightConnector1">
+            <a:avLst/>
+          </a:prstGeom>
+          <a:ln w="12700">
+            <a:tailEnd type="triangle"/>
+          </a:ln>
+        </p:spPr>
+        <p:style>
+          <a:lnRef idx="1">
+            <a:schemeClr val="accent1"/>
+          </a:lnRef>
+          <a:fillRef idx="0">
+            <a:schemeClr val="accent1"/>
+          </a:fillRef>
+          <a:effectRef idx="0">
+            <a:schemeClr val="accent1"/>
+          </a:effectRef>
+          <a:fontRef idx="minor">
+            <a:schemeClr val="tx1"/>
+          </a:fontRef>
+        </p:style>
+      </p:cxnSp>
+      <p:cxnSp>
+        <p:nvCxnSpPr>
+          <p:cNvPr id="148" name="Straight Arrow Connector 147">
+            <a:extLst>
+              <a:ext uri="{FF2B5EF4-FFF2-40B4-BE49-F238E27FC236}">
+                <a16:creationId xmlns:a16="http://schemas.microsoft.com/office/drawing/2014/main" id="{656B1EB6-7808-43D3-89E1-37F5AA8F3E76}"/>
+              </a:ext>
+            </a:extLst>
+          </p:cNvPr>
+          <p:cNvCxnSpPr>
+            <a:cxnSpLocks/>
+          </p:cNvCxnSpPr>
+          <p:nvPr/>
+        </p:nvCxnSpPr>
+        <p:spPr>
+          <a:xfrm>
+            <a:off x="6306125" y="4485600"/>
+            <a:ext cx="1764000" cy="0"/>
+          </a:xfrm>
+          <a:prstGeom prst="straightConnector1">
+            <a:avLst/>
+          </a:prstGeom>
+          <a:ln w="12700">
+            <a:tailEnd type="triangle"/>
+          </a:ln>
+        </p:spPr>
+        <p:style>
+          <a:lnRef idx="1">
+            <a:schemeClr val="accent1"/>
+          </a:lnRef>
+          <a:fillRef idx="0">
+            <a:schemeClr val="accent1"/>
+          </a:fillRef>
+          <a:effectRef idx="0">
+            <a:schemeClr val="accent1"/>
+          </a:effectRef>
+          <a:fontRef idx="minor">
+            <a:schemeClr val="tx1"/>
+          </a:fontRef>
+        </p:style>
+      </p:cxnSp>
+      <p:cxnSp>
+        <p:nvCxnSpPr>
+          <p:cNvPr id="150" name="Straight Arrow Connector 149">
+            <a:extLst>
+              <a:ext uri="{FF2B5EF4-FFF2-40B4-BE49-F238E27FC236}">
+                <a16:creationId xmlns:a16="http://schemas.microsoft.com/office/drawing/2014/main" id="{515E07EF-B9AA-401A-BBC1-1667B762548E}"/>
+              </a:ext>
+            </a:extLst>
+          </p:cNvPr>
+          <p:cNvCxnSpPr>
+            <a:cxnSpLocks/>
+          </p:cNvCxnSpPr>
+          <p:nvPr/>
+        </p:nvCxnSpPr>
+        <p:spPr>
+          <a:xfrm>
+            <a:off x="6306125" y="6004800"/>
+            <a:ext cx="1764000" cy="0"/>
+          </a:xfrm>
+          <a:prstGeom prst="straightConnector1">
+            <a:avLst/>
+          </a:prstGeom>
+          <a:ln w="12700">
+            <a:tailEnd type="triangle"/>
+          </a:ln>
+        </p:spPr>
+        <p:style>
+          <a:lnRef idx="1">
+            <a:schemeClr val="accent1"/>
+          </a:lnRef>
+          <a:fillRef idx="0">
+            <a:schemeClr val="accent1"/>
+          </a:fillRef>
+          <a:effectRef idx="0">
+            <a:schemeClr val="accent1"/>
+          </a:effectRef>
+          <a:fontRef idx="minor">
+            <a:schemeClr val="tx1"/>
+          </a:fontRef>
+        </p:style>
+      </p:cxnSp>
     </p:spTree>
     <p:extLst>
       <p:ext uri="{BB962C8B-B14F-4D97-AF65-F5344CB8AC3E}">

--- a/backend-infrastructure-requirements.pptx
+++ b/backend-infrastructure-requirements.pptx
@@ -243,7 +243,7 @@
           <a:p>
             <a:fld id="{882805C7-747B-4752-9F69-9BC597374324}" type="datetimeFigureOut">
               <a:rPr lang="en-US" smtClean="0"/>
-              <a:t>2021-07-08</a:t>
+              <a:t>2021-07-10</a:t>
             </a:fld>
             <a:endParaRPr lang="en-US"/>
           </a:p>
@@ -413,7 +413,7 @@
           <a:p>
             <a:fld id="{882805C7-747B-4752-9F69-9BC597374324}" type="datetimeFigureOut">
               <a:rPr lang="en-US" smtClean="0"/>
-              <a:t>2021-07-08</a:t>
+              <a:t>2021-07-10</a:t>
             </a:fld>
             <a:endParaRPr lang="en-US"/>
           </a:p>
@@ -593,7 +593,7 @@
           <a:p>
             <a:fld id="{882805C7-747B-4752-9F69-9BC597374324}" type="datetimeFigureOut">
               <a:rPr lang="en-US" smtClean="0"/>
-              <a:t>2021-07-08</a:t>
+              <a:t>2021-07-10</a:t>
             </a:fld>
             <a:endParaRPr lang="en-US"/>
           </a:p>
@@ -763,7 +763,7 @@
           <a:p>
             <a:fld id="{882805C7-747B-4752-9F69-9BC597374324}" type="datetimeFigureOut">
               <a:rPr lang="en-US" smtClean="0"/>
-              <a:t>2021-07-08</a:t>
+              <a:t>2021-07-10</a:t>
             </a:fld>
             <a:endParaRPr lang="en-US"/>
           </a:p>
@@ -1007,7 +1007,7 @@
           <a:p>
             <a:fld id="{882805C7-747B-4752-9F69-9BC597374324}" type="datetimeFigureOut">
               <a:rPr lang="en-US" smtClean="0"/>
-              <a:t>2021-07-08</a:t>
+              <a:t>2021-07-10</a:t>
             </a:fld>
             <a:endParaRPr lang="en-US"/>
           </a:p>
@@ -1239,7 +1239,7 @@
           <a:p>
             <a:fld id="{882805C7-747B-4752-9F69-9BC597374324}" type="datetimeFigureOut">
               <a:rPr lang="en-US" smtClean="0"/>
-              <a:t>2021-07-08</a:t>
+              <a:t>2021-07-10</a:t>
             </a:fld>
             <a:endParaRPr lang="en-US"/>
           </a:p>
@@ -1606,7 +1606,7 @@
           <a:p>
             <a:fld id="{882805C7-747B-4752-9F69-9BC597374324}" type="datetimeFigureOut">
               <a:rPr lang="en-US" smtClean="0"/>
-              <a:t>2021-07-08</a:t>
+              <a:t>2021-07-10</a:t>
             </a:fld>
             <a:endParaRPr lang="en-US"/>
           </a:p>
@@ -1724,7 +1724,7 @@
           <a:p>
             <a:fld id="{882805C7-747B-4752-9F69-9BC597374324}" type="datetimeFigureOut">
               <a:rPr lang="en-US" smtClean="0"/>
-              <a:t>2021-07-08</a:t>
+              <a:t>2021-07-10</a:t>
             </a:fld>
             <a:endParaRPr lang="en-US"/>
           </a:p>
@@ -1819,7 +1819,7 @@
           <a:p>
             <a:fld id="{882805C7-747B-4752-9F69-9BC597374324}" type="datetimeFigureOut">
               <a:rPr lang="en-US" smtClean="0"/>
-              <a:t>2021-07-08</a:t>
+              <a:t>2021-07-10</a:t>
             </a:fld>
             <a:endParaRPr lang="en-US"/>
           </a:p>
@@ -2096,7 +2096,7 @@
           <a:p>
             <a:fld id="{882805C7-747B-4752-9F69-9BC597374324}" type="datetimeFigureOut">
               <a:rPr lang="en-US" smtClean="0"/>
-              <a:t>2021-07-08</a:t>
+              <a:t>2021-07-10</a:t>
             </a:fld>
             <a:endParaRPr lang="en-US"/>
           </a:p>
@@ -2353,7 +2353,7 @@
           <a:p>
             <a:fld id="{882805C7-747B-4752-9F69-9BC597374324}" type="datetimeFigureOut">
               <a:rPr lang="en-US" smtClean="0"/>
-              <a:t>2021-07-08</a:t>
+              <a:t>2021-07-10</a:t>
             </a:fld>
             <a:endParaRPr lang="en-US"/>
           </a:p>
@@ -2566,7 +2566,7 @@
           <a:p>
             <a:fld id="{882805C7-747B-4752-9F69-9BC597374324}" type="datetimeFigureOut">
               <a:rPr lang="en-US" smtClean="0"/>
-              <a:t>2021-07-08</a:t>
+              <a:t>2021-07-10</a:t>
             </a:fld>
             <a:endParaRPr lang="en-US"/>
           </a:p>
@@ -8210,7 +8210,7 @@
             <a:pPr algn="r"/>
             <a:r>
               <a:rPr lang="sv-SE" sz="750" dirty="0"/>
-              <a:t>A.R. 2021-07-08</a:t>
+              <a:t>A.R. 2021-07-09</a:t>
             </a:r>
             <a:endParaRPr lang="en-US" sz="750" dirty="0"/>
           </a:p>
@@ -8759,6 +8759,90 @@
           </a:fontRef>
         </p:style>
       </p:cxnSp>
+      <p:sp>
+        <p:nvSpPr>
+          <p:cNvPr id="4" name="Oval 3">
+            <a:extLst>
+              <a:ext uri="{FF2B5EF4-FFF2-40B4-BE49-F238E27FC236}">
+                <a16:creationId xmlns:a16="http://schemas.microsoft.com/office/drawing/2014/main" id="{A420A355-87B9-4A57-B9F6-D9616F05A6A2}"/>
+              </a:ext>
+            </a:extLst>
+          </p:cNvPr>
+          <p:cNvSpPr/>
+          <p:nvPr/>
+        </p:nvSpPr>
+        <p:spPr>
+          <a:xfrm rot="20224996">
+            <a:off x="3721736" y="2418749"/>
+            <a:ext cx="205688" cy="386973"/>
+          </a:xfrm>
+          <a:prstGeom prst="ellipse">
+            <a:avLst/>
+          </a:prstGeom>
+          <a:noFill/>
+        </p:spPr>
+        <p:style>
+          <a:lnRef idx="2">
+            <a:schemeClr val="accent1">
+              <a:shade val="50000"/>
+            </a:schemeClr>
+          </a:lnRef>
+          <a:fillRef idx="1">
+            <a:schemeClr val="accent1"/>
+          </a:fillRef>
+          <a:effectRef idx="0">
+            <a:schemeClr val="accent1"/>
+          </a:effectRef>
+          <a:fontRef idx="minor">
+            <a:schemeClr val="lt1"/>
+          </a:fontRef>
+        </p:style>
+        <p:txBody>
+          <a:bodyPr rtlCol="0" anchor="ctr"/>
+          <a:lstStyle/>
+          <a:p>
+            <a:pPr algn="ctr"/>
+            <a:endParaRPr lang="en-US"/>
+          </a:p>
+        </p:txBody>
+      </p:sp>
+      <p:sp>
+        <p:nvSpPr>
+          <p:cNvPr id="151" name="TextBox 150">
+            <a:extLst>
+              <a:ext uri="{FF2B5EF4-FFF2-40B4-BE49-F238E27FC236}">
+                <a16:creationId xmlns:a16="http://schemas.microsoft.com/office/drawing/2014/main" id="{88176C0D-EA9B-44DB-9B7B-64618B063668}"/>
+              </a:ext>
+            </a:extLst>
+          </p:cNvPr>
+          <p:cNvSpPr txBox="1"/>
+          <p:nvPr/>
+        </p:nvSpPr>
+        <p:spPr>
+          <a:xfrm>
+            <a:off x="1973483" y="2250950"/>
+            <a:ext cx="1797461" cy="300082"/>
+          </a:xfrm>
+          <a:prstGeom prst="rect">
+            <a:avLst/>
+          </a:prstGeom>
+          <a:noFill/>
+        </p:spPr>
+        <p:txBody>
+          <a:bodyPr wrap="square" rtlCol="0">
+            <a:spAutoFit/>
+          </a:bodyPr>
+          <a:lstStyle/>
+          <a:p>
+            <a:pPr algn="r"/>
+            <a:r>
+              <a:rPr lang="sv-SE" sz="1350" dirty="0"/>
+              <a:t>Certified SDK</a:t>
+            </a:r>
+            <a:endParaRPr lang="en-US" sz="1350" dirty="0"/>
+          </a:p>
+        </p:txBody>
+      </p:sp>
     </p:spTree>
     <p:extLst>
       <p:ext uri="{BB962C8B-B14F-4D97-AF65-F5344CB8AC3E}">

--- a/backend-infrastructure-requirements.pptx
+++ b/backend-infrastructure-requirements.pptx
@@ -8772,14 +8772,20 @@
           <p:nvPr/>
         </p:nvSpPr>
         <p:spPr>
-          <a:xfrm rot="20224996">
-            <a:off x="3721736" y="2418749"/>
-            <a:ext cx="205688" cy="386973"/>
+          <a:xfrm rot="19917555">
+            <a:off x="3723268" y="2432482"/>
+            <a:ext cx="166882" cy="386973"/>
           </a:xfrm>
           <a:prstGeom prst="ellipse">
             <a:avLst/>
           </a:prstGeom>
           <a:noFill/>
+          <a:ln w="6350">
+            <a:solidFill>
+              <a:schemeClr val="tx1"/>
+            </a:solidFill>
+            <a:prstDash val="sysDash"/>
+          </a:ln>
         </p:spPr>
         <p:style>
           <a:lnRef idx="2">
@@ -8820,7 +8826,7 @@
         </p:nvSpPr>
         <p:spPr>
           <a:xfrm>
-            <a:off x="1973483" y="2250950"/>
+            <a:off x="1948771" y="2250950"/>
             <a:ext cx="1797461" cy="300082"/>
           </a:xfrm>
           <a:prstGeom prst="rect">

--- a/backend-infrastructure-requirements.pptx
+++ b/backend-infrastructure-requirements.pptx
@@ -243,7 +243,7 @@
           <a:p>
             <a:fld id="{882805C7-747B-4752-9F69-9BC597374324}" type="datetimeFigureOut">
               <a:rPr lang="en-US" smtClean="0"/>
-              <a:t>2021-07-10</a:t>
+              <a:t>2021-07-12</a:t>
             </a:fld>
             <a:endParaRPr lang="en-US"/>
           </a:p>
@@ -413,7 +413,7 @@
           <a:p>
             <a:fld id="{882805C7-747B-4752-9F69-9BC597374324}" type="datetimeFigureOut">
               <a:rPr lang="en-US" smtClean="0"/>
-              <a:t>2021-07-10</a:t>
+              <a:t>2021-07-12</a:t>
             </a:fld>
             <a:endParaRPr lang="en-US"/>
           </a:p>
@@ -593,7 +593,7 @@
           <a:p>
             <a:fld id="{882805C7-747B-4752-9F69-9BC597374324}" type="datetimeFigureOut">
               <a:rPr lang="en-US" smtClean="0"/>
-              <a:t>2021-07-10</a:t>
+              <a:t>2021-07-12</a:t>
             </a:fld>
             <a:endParaRPr lang="en-US"/>
           </a:p>
@@ -763,7 +763,7 @@
           <a:p>
             <a:fld id="{882805C7-747B-4752-9F69-9BC597374324}" type="datetimeFigureOut">
               <a:rPr lang="en-US" smtClean="0"/>
-              <a:t>2021-07-10</a:t>
+              <a:t>2021-07-12</a:t>
             </a:fld>
             <a:endParaRPr lang="en-US"/>
           </a:p>
@@ -1007,7 +1007,7 @@
           <a:p>
             <a:fld id="{882805C7-747B-4752-9F69-9BC597374324}" type="datetimeFigureOut">
               <a:rPr lang="en-US" smtClean="0"/>
-              <a:t>2021-07-10</a:t>
+              <a:t>2021-07-12</a:t>
             </a:fld>
             <a:endParaRPr lang="en-US"/>
           </a:p>
@@ -1239,7 +1239,7 @@
           <a:p>
             <a:fld id="{882805C7-747B-4752-9F69-9BC597374324}" type="datetimeFigureOut">
               <a:rPr lang="en-US" smtClean="0"/>
-              <a:t>2021-07-10</a:t>
+              <a:t>2021-07-12</a:t>
             </a:fld>
             <a:endParaRPr lang="en-US"/>
           </a:p>
@@ -1606,7 +1606,7 @@
           <a:p>
             <a:fld id="{882805C7-747B-4752-9F69-9BC597374324}" type="datetimeFigureOut">
               <a:rPr lang="en-US" smtClean="0"/>
-              <a:t>2021-07-10</a:t>
+              <a:t>2021-07-12</a:t>
             </a:fld>
             <a:endParaRPr lang="en-US"/>
           </a:p>
@@ -1724,7 +1724,7 @@
           <a:p>
             <a:fld id="{882805C7-747B-4752-9F69-9BC597374324}" type="datetimeFigureOut">
               <a:rPr lang="en-US" smtClean="0"/>
-              <a:t>2021-07-10</a:t>
+              <a:t>2021-07-12</a:t>
             </a:fld>
             <a:endParaRPr lang="en-US"/>
           </a:p>
@@ -1819,7 +1819,7 @@
           <a:p>
             <a:fld id="{882805C7-747B-4752-9F69-9BC597374324}" type="datetimeFigureOut">
               <a:rPr lang="en-US" smtClean="0"/>
-              <a:t>2021-07-10</a:t>
+              <a:t>2021-07-12</a:t>
             </a:fld>
             <a:endParaRPr lang="en-US"/>
           </a:p>
@@ -2096,7 +2096,7 @@
           <a:p>
             <a:fld id="{882805C7-747B-4752-9F69-9BC597374324}" type="datetimeFigureOut">
               <a:rPr lang="en-US" smtClean="0"/>
-              <a:t>2021-07-10</a:t>
+              <a:t>2021-07-12</a:t>
             </a:fld>
             <a:endParaRPr lang="en-US"/>
           </a:p>
@@ -2353,7 +2353,7 @@
           <a:p>
             <a:fld id="{882805C7-747B-4752-9F69-9BC597374324}" type="datetimeFigureOut">
               <a:rPr lang="en-US" smtClean="0"/>
-              <a:t>2021-07-10</a:t>
+              <a:t>2021-07-12</a:t>
             </a:fld>
             <a:endParaRPr lang="en-US"/>
           </a:p>
@@ -2566,7 +2566,7 @@
           <a:p>
             <a:fld id="{882805C7-747B-4752-9F69-9BC597374324}" type="datetimeFigureOut">
               <a:rPr lang="en-US" smtClean="0"/>
-              <a:t>2021-07-10</a:t>
+              <a:t>2021-07-12</a:t>
             </a:fld>
             <a:endParaRPr lang="en-US"/>
           </a:p>
@@ -2987,7 +2987,7 @@
         </p:nvCxnSpPr>
         <p:spPr>
           <a:xfrm>
-            <a:off x="3587745" y="2918123"/>
+            <a:off x="3587745" y="2798653"/>
             <a:ext cx="2124000" cy="0"/>
           </a:xfrm>
           <a:prstGeom prst="straightConnector1">
@@ -3028,7 +3028,7 @@
         </p:nvCxnSpPr>
         <p:spPr>
           <a:xfrm>
-            <a:off x="3587745" y="4485600"/>
+            <a:off x="3587745" y="4366130"/>
             <a:ext cx="2124000" cy="0"/>
           </a:xfrm>
           <a:prstGeom prst="straightConnector1">
@@ -3069,7 +3069,7 @@
         </p:nvCxnSpPr>
         <p:spPr>
           <a:xfrm>
-            <a:off x="3587745" y="6004800"/>
+            <a:off x="3587745" y="5885330"/>
             <a:ext cx="2124000" cy="0"/>
           </a:xfrm>
           <a:prstGeom prst="straightConnector1">
@@ -3108,7 +3108,7 @@
         </p:nvSpPr>
         <p:spPr>
           <a:xfrm>
-            <a:off x="6312665" y="1517367"/>
+            <a:off x="6312665" y="1397897"/>
             <a:ext cx="1581075" cy="300082"/>
           </a:xfrm>
           <a:prstGeom prst="rect">
@@ -3145,7 +3145,7 @@
         </p:nvSpPr>
         <p:spPr>
           <a:xfrm>
-            <a:off x="1571570" y="3123656"/>
+            <a:off x="1603890" y="3004186"/>
             <a:ext cx="998607" cy="507831"/>
           </a:xfrm>
           <a:prstGeom prst="rect">
@@ -3159,6 +3159,7 @@
           </a:bodyPr>
           <a:lstStyle/>
           <a:p>
+            <a:pPr algn="ctr"/>
             <a:r>
               <a:rPr lang="sv-SE" sz="1350" dirty="0"/>
               <a:t>Types card</a:t>
@@ -3188,7 +3189,7 @@
         </p:nvSpPr>
         <p:spPr>
           <a:xfrm>
-            <a:off x="275593" y="2821113"/>
+            <a:off x="275593" y="2701643"/>
             <a:ext cx="1008609" cy="300082"/>
           </a:xfrm>
           <a:prstGeom prst="rect">
@@ -3224,7 +3225,7 @@
         </p:nvSpPr>
         <p:spPr>
           <a:xfrm>
-            <a:off x="275593" y="3131751"/>
+            <a:off x="275593" y="3012281"/>
             <a:ext cx="1124154" cy="300082"/>
           </a:xfrm>
           <a:prstGeom prst="rect">
@@ -3267,7 +3268,7 @@
         </p:nvSpPr>
         <p:spPr>
           <a:xfrm>
-            <a:off x="275593" y="3976563"/>
+            <a:off x="275593" y="3857093"/>
             <a:ext cx="1376082" cy="300082"/>
           </a:xfrm>
           <a:prstGeom prst="rect">
@@ -3315,7 +3316,7 @@
         </p:nvSpPr>
         <p:spPr>
           <a:xfrm>
-            <a:off x="275594" y="4276141"/>
+            <a:off x="275594" y="4156671"/>
             <a:ext cx="857671" cy="300082"/>
           </a:xfrm>
           <a:prstGeom prst="rect">
@@ -3351,7 +3352,7 @@
         </p:nvSpPr>
         <p:spPr>
           <a:xfrm>
-            <a:off x="275593" y="5747097"/>
+            <a:off x="275593" y="5627627"/>
             <a:ext cx="1261436" cy="507831"/>
           </a:xfrm>
           <a:prstGeom prst="rect">
@@ -3411,7 +3412,7 @@
         </p:blipFill>
         <p:spPr>
           <a:xfrm>
-            <a:off x="8047579" y="5767841"/>
+            <a:off x="8047579" y="5648371"/>
             <a:ext cx="643500" cy="421200"/>
           </a:xfrm>
           <a:prstGeom prst="rect">
@@ -3450,7 +3451,7 @@
         </p:blipFill>
         <p:spPr>
           <a:xfrm>
-            <a:off x="8047579" y="4253058"/>
+            <a:off x="8047579" y="4133588"/>
             <a:ext cx="643500" cy="421200"/>
           </a:xfrm>
           <a:prstGeom prst="rect">
@@ -3489,7 +3490,7 @@
         </p:blipFill>
         <p:spPr>
           <a:xfrm>
-            <a:off x="8047579" y="2695980"/>
+            <a:off x="8047579" y="2576510"/>
             <a:ext cx="643500" cy="421200"/>
           </a:xfrm>
           <a:prstGeom prst="rect">
@@ -3511,7 +3512,7 @@
         </p:nvSpPr>
         <p:spPr>
           <a:xfrm>
-            <a:off x="4248696" y="1833938"/>
+            <a:off x="4248696" y="1714468"/>
             <a:ext cx="636024" cy="320777"/>
           </a:xfrm>
           <a:prstGeom prst="ellipse">
@@ -3600,7 +3601,7 @@
         </p:nvSpPr>
         <p:spPr>
           <a:xfrm>
-            <a:off x="6788835" y="1833938"/>
+            <a:off x="6788835" y="1714468"/>
             <a:ext cx="636024" cy="320777"/>
           </a:xfrm>
           <a:prstGeom prst="ellipse">
@@ -3689,7 +3690,7 @@
         </p:nvSpPr>
         <p:spPr>
           <a:xfrm>
-            <a:off x="3978764" y="1512039"/>
+            <a:off x="3978764" y="1392569"/>
             <a:ext cx="1179938" cy="300082"/>
           </a:xfrm>
           <a:prstGeom prst="rect">
@@ -3743,7 +3744,7 @@
         </p:blipFill>
         <p:spPr>
           <a:xfrm>
-            <a:off x="1882953" y="2703645"/>
+            <a:off x="1882953" y="2584175"/>
             <a:ext cx="421200" cy="421200"/>
           </a:xfrm>
           <a:prstGeom prst="rect">
@@ -3767,7 +3768,7 @@
         </p:nvCxnSpPr>
         <p:spPr>
           <a:xfrm flipV="1">
-            <a:off x="3568065" y="2120562"/>
+            <a:off x="3568065" y="2001092"/>
             <a:ext cx="708379" cy="570810"/>
           </a:xfrm>
           <a:prstGeom prst="straightConnector1">
@@ -3809,7 +3810,7 @@
         </p:nvCxnSpPr>
         <p:spPr>
           <a:xfrm flipV="1">
-            <a:off x="3600000" y="2050896"/>
+            <a:off x="3600000" y="1931426"/>
             <a:ext cx="3145605" cy="738982"/>
           </a:xfrm>
           <a:prstGeom prst="straightConnector1">
@@ -3849,7 +3850,7 @@
         </p:nvSpPr>
         <p:spPr>
           <a:xfrm>
-            <a:off x="6448319" y="3017868"/>
+            <a:off x="6448319" y="2898398"/>
             <a:ext cx="1797461" cy="300082"/>
           </a:xfrm>
           <a:prstGeom prst="rect">
@@ -3885,7 +3886,7 @@
         </p:nvSpPr>
         <p:spPr>
           <a:xfrm>
-            <a:off x="6448319" y="4582322"/>
+            <a:off x="6448319" y="4462852"/>
             <a:ext cx="1797461" cy="300082"/>
           </a:xfrm>
           <a:prstGeom prst="rect">
@@ -3921,7 +3922,7 @@
         </p:nvSpPr>
         <p:spPr>
           <a:xfrm>
-            <a:off x="2345704" y="997838"/>
+            <a:off x="2345704" y="878368"/>
             <a:ext cx="1797461" cy="369332"/>
           </a:xfrm>
           <a:prstGeom prst="rect">
@@ -3958,7 +3959,7 @@
         </p:nvSpPr>
         <p:spPr>
           <a:xfrm>
-            <a:off x="5516226" y="997838"/>
+            <a:off x="5516226" y="878368"/>
             <a:ext cx="1094807" cy="369332"/>
           </a:xfrm>
           <a:prstGeom prst="rect">
@@ -3995,7 +3996,7 @@
         </p:nvSpPr>
         <p:spPr>
           <a:xfrm>
-            <a:off x="7802267" y="997838"/>
+            <a:off x="7802267" y="878368"/>
             <a:ext cx="1135196" cy="369332"/>
           </a:xfrm>
           <a:prstGeom prst="rect">
@@ -4032,7 +4033,7 @@
         </p:nvSpPr>
         <p:spPr>
           <a:xfrm>
-            <a:off x="2089697" y="352272"/>
+            <a:off x="2089697" y="232802"/>
             <a:ext cx="4958094" cy="415498"/>
           </a:xfrm>
           <a:prstGeom prst="rect">
@@ -4069,7 +4070,7 @@
         </p:nvSpPr>
         <p:spPr>
           <a:xfrm>
-            <a:off x="4257987" y="2805159"/>
+            <a:off x="4257987" y="2685689"/>
             <a:ext cx="1019831" cy="216110"/>
           </a:xfrm>
           <a:prstGeom prst="rect">
@@ -4114,7 +4115,7 @@
         </p:nvSpPr>
         <p:spPr>
           <a:xfrm>
-            <a:off x="4257987" y="4372651"/>
+            <a:off x="4257987" y="4253181"/>
             <a:ext cx="1019831" cy="216110"/>
           </a:xfrm>
           <a:prstGeom prst="rect">
@@ -4159,7 +4160,7 @@
         </p:nvSpPr>
         <p:spPr>
           <a:xfrm>
-            <a:off x="4209095" y="5894809"/>
+            <a:off x="4209095" y="5775339"/>
             <a:ext cx="1117614" cy="216110"/>
           </a:xfrm>
           <a:prstGeom prst="rect">
@@ -4206,7 +4207,7 @@
         </p:nvGrpSpPr>
         <p:grpSpPr>
           <a:xfrm>
-            <a:off x="3009745" y="2691372"/>
+            <a:off x="3009745" y="2571902"/>
             <a:ext cx="523971" cy="421200"/>
             <a:chOff x="1619672" y="3068960"/>
             <a:chExt cx="557162" cy="447881"/>
@@ -5434,7 +5435,7 @@
         </p:nvGrpSpPr>
         <p:grpSpPr>
           <a:xfrm>
-            <a:off x="3009745" y="4255930"/>
+            <a:off x="3009745" y="4136460"/>
             <a:ext cx="523971" cy="421200"/>
             <a:chOff x="1619672" y="3068960"/>
             <a:chExt cx="557162" cy="447881"/>
@@ -6662,7 +6663,7 @@
         </p:nvGrpSpPr>
         <p:grpSpPr>
           <a:xfrm>
-            <a:off x="3009745" y="5770034"/>
+            <a:off x="3009745" y="5650564"/>
             <a:ext cx="523971" cy="421200"/>
             <a:chOff x="1619672" y="3068960"/>
             <a:chExt cx="557162" cy="447881"/>
@@ -7903,7 +7904,7 @@
         </p:blipFill>
         <p:spPr>
           <a:xfrm>
-            <a:off x="5798693" y="2709827"/>
+            <a:off x="5798693" y="2590357"/>
             <a:ext cx="421234" cy="421200"/>
           </a:xfrm>
           <a:prstGeom prst="rect">
@@ -7976,7 +7977,7 @@
         </p:blipFill>
         <p:spPr>
           <a:xfrm>
-            <a:off x="5798693" y="4269278"/>
+            <a:off x="5798693" y="4149808"/>
             <a:ext cx="421234" cy="421200"/>
           </a:xfrm>
           <a:prstGeom prst="rect">
@@ -8013,7 +8014,7 @@
         </p:blipFill>
         <p:spPr>
           <a:xfrm>
-            <a:off x="5798693" y="5792894"/>
+            <a:off x="5798693" y="5673424"/>
             <a:ext cx="421234" cy="421200"/>
           </a:xfrm>
           <a:prstGeom prst="rect">
@@ -8037,7 +8038,7 @@
         </p:nvSpPr>
         <p:spPr>
           <a:xfrm>
-            <a:off x="6078113" y="4601695"/>
+            <a:off x="6078113" y="4482225"/>
             <a:ext cx="382846" cy="252000"/>
           </a:xfrm>
           <a:prstGeom prst="can">
@@ -8116,7 +8117,7 @@
         </p:nvSpPr>
         <p:spPr>
           <a:xfrm>
-            <a:off x="6078113" y="3044617"/>
+            <a:off x="6078113" y="2925147"/>
             <a:ext cx="382846" cy="252000"/>
           </a:xfrm>
           <a:prstGeom prst="can">
@@ -8210,7 +8211,7 @@
             <a:pPr algn="r"/>
             <a:r>
               <a:rPr lang="sv-SE" sz="750" dirty="0"/>
-              <a:t>A.R. 2021-07-09</a:t>
+              <a:t>A.R. 2021-07-12</a:t>
             </a:r>
             <a:endParaRPr lang="en-US" sz="750" dirty="0"/>
           </a:p>
@@ -8230,7 +8231,7 @@
         </p:nvSpPr>
         <p:spPr>
           <a:xfrm>
-            <a:off x="1114145" y="995774"/>
+            <a:off x="1160095" y="876304"/>
             <a:ext cx="1797461" cy="369332"/>
           </a:xfrm>
           <a:prstGeom prst="rect">
@@ -8269,7 +8270,7 @@
         </p:nvCxnSpPr>
         <p:spPr>
           <a:xfrm>
-            <a:off x="2358000" y="2917963"/>
+            <a:off x="2358000" y="2798493"/>
             <a:ext cx="612000" cy="0"/>
           </a:xfrm>
           <a:prstGeom prst="straightConnector1">
@@ -8308,8 +8309,8 @@
         </p:nvSpPr>
         <p:spPr>
           <a:xfrm>
-            <a:off x="1581868" y="4694714"/>
-            <a:ext cx="1020857" cy="300082"/>
+            <a:off x="1446316" y="4575244"/>
+            <a:ext cx="1313757" cy="715581"/>
           </a:xfrm>
           <a:prstGeom prst="rect">
             <a:avLst/>
@@ -8322,9 +8323,24 @@
           </a:bodyPr>
           <a:lstStyle/>
           <a:p>
+            <a:pPr algn="ctr"/>
             <a:r>
               <a:rPr lang="sv-SE" sz="1350" dirty="0"/>
               <a:t>Selects card</a:t>
+            </a:r>
+            <a:br>
+              <a:rPr lang="sv-SE" sz="1350" dirty="0"/>
+            </a:br>
+            <a:r>
+              <a:rPr lang="sv-SE" sz="1350" dirty="0"/>
+              <a:t>from physical or</a:t>
+            </a:r>
+            <a:br>
+              <a:rPr lang="sv-SE" sz="1350" dirty="0"/>
+            </a:br>
+            <a:r>
+              <a:rPr lang="sv-SE" sz="1350" dirty="0"/>
+              <a:t>virtual wallet</a:t>
             </a:r>
             <a:endParaRPr lang="en-US" sz="1350" dirty="0"/>
           </a:p>
@@ -8361,7 +8377,7 @@
         </p:blipFill>
         <p:spPr>
           <a:xfrm>
-            <a:off x="1882953" y="4270893"/>
+            <a:off x="1882953" y="4151423"/>
             <a:ext cx="421200" cy="421200"/>
           </a:xfrm>
           <a:prstGeom prst="rect">
@@ -8383,8 +8399,8 @@
         </p:nvSpPr>
         <p:spPr>
           <a:xfrm>
-            <a:off x="1584546" y="6225325"/>
-            <a:ext cx="1020857" cy="300082"/>
+            <a:off x="1362093" y="6105855"/>
+            <a:ext cx="1482201" cy="507831"/>
           </a:xfrm>
           <a:prstGeom prst="rect">
             <a:avLst/>
@@ -8397,9 +8413,17 @@
           </a:bodyPr>
           <a:lstStyle/>
           <a:p>
+            <a:pPr algn="ctr"/>
             <a:r>
               <a:rPr lang="sv-SE" sz="1350" dirty="0"/>
               <a:t>Selects card</a:t>
+            </a:r>
+            <a:br>
+              <a:rPr lang="sv-SE" sz="1350" dirty="0"/>
+            </a:br>
+            <a:r>
+              <a:rPr lang="sv-SE" sz="1350" dirty="0"/>
+              <a:t>from virtual wallet</a:t>
             </a:r>
             <a:endParaRPr lang="en-US" sz="1350" dirty="0"/>
           </a:p>
@@ -8436,7 +8460,7 @@
         </p:blipFill>
         <p:spPr>
           <a:xfrm>
-            <a:off x="1879097" y="5800678"/>
+            <a:off x="1879097" y="5681208"/>
             <a:ext cx="421200" cy="421200"/>
           </a:xfrm>
           <a:prstGeom prst="rect">
@@ -8460,7 +8484,7 @@
         </p:nvCxnSpPr>
         <p:spPr>
           <a:xfrm>
-            <a:off x="2358000" y="6002285"/>
+            <a:off x="2358000" y="5882815"/>
             <a:ext cx="612000" cy="0"/>
           </a:xfrm>
           <a:prstGeom prst="straightConnector1">
@@ -8502,7 +8526,7 @@
         </p:nvCxnSpPr>
         <p:spPr>
           <a:xfrm>
-            <a:off x="2358000" y="4482603"/>
+            <a:off x="2358000" y="4363133"/>
             <a:ext cx="612000" cy="0"/>
           </a:xfrm>
           <a:prstGeom prst="straightConnector1">
@@ -8542,7 +8566,7 @@
         </p:nvSpPr>
         <p:spPr>
           <a:xfrm>
-            <a:off x="6671127" y="4221071"/>
+            <a:off x="6671127" y="4101601"/>
             <a:ext cx="941283" cy="253916"/>
           </a:xfrm>
           <a:prstGeom prst="rect">
@@ -8578,7 +8602,7 @@
         </p:nvSpPr>
         <p:spPr>
           <a:xfrm>
-            <a:off x="6367357" y="5747462"/>
+            <a:off x="6367357" y="5627992"/>
             <a:ext cx="1548822" cy="253916"/>
           </a:xfrm>
           <a:prstGeom prst="rect">
@@ -8614,7 +8638,7 @@
         </p:nvSpPr>
         <p:spPr>
           <a:xfrm>
-            <a:off x="6671127" y="2657691"/>
+            <a:off x="6671127" y="2538221"/>
             <a:ext cx="941283" cy="253916"/>
           </a:xfrm>
           <a:prstGeom prst="rect">
@@ -8652,7 +8676,7 @@
         </p:nvCxnSpPr>
         <p:spPr>
           <a:xfrm>
-            <a:off x="6306125" y="2919600"/>
+            <a:off x="6306125" y="2800130"/>
             <a:ext cx="1764000" cy="0"/>
           </a:xfrm>
           <a:prstGeom prst="straightConnector1">
@@ -8693,7 +8717,7 @@
         </p:nvCxnSpPr>
         <p:spPr>
           <a:xfrm>
-            <a:off x="6306125" y="4485600"/>
+            <a:off x="6306125" y="4366130"/>
             <a:ext cx="1764000" cy="0"/>
           </a:xfrm>
           <a:prstGeom prst="straightConnector1">
@@ -8734,7 +8758,7 @@
         </p:nvCxnSpPr>
         <p:spPr>
           <a:xfrm>
-            <a:off x="6306125" y="6004800"/>
+            <a:off x="6306125" y="5885330"/>
             <a:ext cx="1764000" cy="0"/>
           </a:xfrm>
           <a:prstGeom prst="straightConnector1">
@@ -8773,7 +8797,7 @@
         </p:nvSpPr>
         <p:spPr>
           <a:xfrm rot="19917555">
-            <a:off x="3723268" y="2432482"/>
+            <a:off x="3723268" y="2313012"/>
             <a:ext cx="166882" cy="386973"/>
           </a:xfrm>
           <a:prstGeom prst="ellipse">
@@ -8826,7 +8850,7 @@
         </p:nvSpPr>
         <p:spPr>
           <a:xfrm>
-            <a:off x="1948771" y="2250950"/>
+            <a:off x="1948771" y="2131480"/>
             <a:ext cx="1797461" cy="300082"/>
           </a:xfrm>
           <a:prstGeom prst="rect">

--- a/backend-infrastructure-requirements.pptx
+++ b/backend-infrastructure-requirements.pptx
@@ -243,7 +243,7 @@
           <a:p>
             <a:fld id="{882805C7-747B-4752-9F69-9BC597374324}" type="datetimeFigureOut">
               <a:rPr lang="en-US" smtClean="0"/>
-              <a:t>2021-07-12</a:t>
+              <a:t>2021-07-19</a:t>
             </a:fld>
             <a:endParaRPr lang="en-US"/>
           </a:p>
@@ -413,7 +413,7 @@
           <a:p>
             <a:fld id="{882805C7-747B-4752-9F69-9BC597374324}" type="datetimeFigureOut">
               <a:rPr lang="en-US" smtClean="0"/>
-              <a:t>2021-07-12</a:t>
+              <a:t>2021-07-19</a:t>
             </a:fld>
             <a:endParaRPr lang="en-US"/>
           </a:p>
@@ -593,7 +593,7 @@
           <a:p>
             <a:fld id="{882805C7-747B-4752-9F69-9BC597374324}" type="datetimeFigureOut">
               <a:rPr lang="en-US" smtClean="0"/>
-              <a:t>2021-07-12</a:t>
+              <a:t>2021-07-19</a:t>
             </a:fld>
             <a:endParaRPr lang="en-US"/>
           </a:p>
@@ -763,7 +763,7 @@
           <a:p>
             <a:fld id="{882805C7-747B-4752-9F69-9BC597374324}" type="datetimeFigureOut">
               <a:rPr lang="en-US" smtClean="0"/>
-              <a:t>2021-07-12</a:t>
+              <a:t>2021-07-19</a:t>
             </a:fld>
             <a:endParaRPr lang="en-US"/>
           </a:p>
@@ -1007,7 +1007,7 @@
           <a:p>
             <a:fld id="{882805C7-747B-4752-9F69-9BC597374324}" type="datetimeFigureOut">
               <a:rPr lang="en-US" smtClean="0"/>
-              <a:t>2021-07-12</a:t>
+              <a:t>2021-07-19</a:t>
             </a:fld>
             <a:endParaRPr lang="en-US"/>
           </a:p>
@@ -1239,7 +1239,7 @@
           <a:p>
             <a:fld id="{882805C7-747B-4752-9F69-9BC597374324}" type="datetimeFigureOut">
               <a:rPr lang="en-US" smtClean="0"/>
-              <a:t>2021-07-12</a:t>
+              <a:t>2021-07-19</a:t>
             </a:fld>
             <a:endParaRPr lang="en-US"/>
           </a:p>
@@ -1606,7 +1606,7 @@
           <a:p>
             <a:fld id="{882805C7-747B-4752-9F69-9BC597374324}" type="datetimeFigureOut">
               <a:rPr lang="en-US" smtClean="0"/>
-              <a:t>2021-07-12</a:t>
+              <a:t>2021-07-19</a:t>
             </a:fld>
             <a:endParaRPr lang="en-US"/>
           </a:p>
@@ -1724,7 +1724,7 @@
           <a:p>
             <a:fld id="{882805C7-747B-4752-9F69-9BC597374324}" type="datetimeFigureOut">
               <a:rPr lang="en-US" smtClean="0"/>
-              <a:t>2021-07-12</a:t>
+              <a:t>2021-07-19</a:t>
             </a:fld>
             <a:endParaRPr lang="en-US"/>
           </a:p>
@@ -1819,7 +1819,7 @@
           <a:p>
             <a:fld id="{882805C7-747B-4752-9F69-9BC597374324}" type="datetimeFigureOut">
               <a:rPr lang="en-US" smtClean="0"/>
-              <a:t>2021-07-12</a:t>
+              <a:t>2021-07-19</a:t>
             </a:fld>
             <a:endParaRPr lang="en-US"/>
           </a:p>
@@ -2096,7 +2096,7 @@
           <a:p>
             <a:fld id="{882805C7-747B-4752-9F69-9BC597374324}" type="datetimeFigureOut">
               <a:rPr lang="en-US" smtClean="0"/>
-              <a:t>2021-07-12</a:t>
+              <a:t>2021-07-19</a:t>
             </a:fld>
             <a:endParaRPr lang="en-US"/>
           </a:p>
@@ -2353,7 +2353,7 @@
           <a:p>
             <a:fld id="{882805C7-747B-4752-9F69-9BC597374324}" type="datetimeFigureOut">
               <a:rPr lang="en-US" smtClean="0"/>
-              <a:t>2021-07-12</a:t>
+              <a:t>2021-07-19</a:t>
             </a:fld>
             <a:endParaRPr lang="en-US"/>
           </a:p>
@@ -2566,7 +2566,7 @@
           <a:p>
             <a:fld id="{882805C7-747B-4752-9F69-9BC597374324}" type="datetimeFigureOut">
               <a:rPr lang="en-US" smtClean="0"/>
-              <a:t>2021-07-12</a:t>
+              <a:t>2021-07-19</a:t>
             </a:fld>
             <a:endParaRPr lang="en-US"/>
           </a:p>
@@ -3108,8 +3108,8 @@
         </p:nvSpPr>
         <p:spPr>
           <a:xfrm>
-            <a:off x="6312665" y="1397897"/>
-            <a:ext cx="1581075" cy="300082"/>
+            <a:off x="6304650" y="1397897"/>
+            <a:ext cx="1597104" cy="300082"/>
           </a:xfrm>
           <a:prstGeom prst="rect">
             <a:avLst/>
@@ -3125,7 +3125,7 @@
             <a:pPr algn="ctr"/>
             <a:r>
               <a:rPr lang="sv-SE" sz="1350" dirty="0"/>
-              <a:t>User authentication</a:t>
+              <a:t>User Authentication</a:t>
             </a:r>
             <a:endParaRPr lang="en-US" sz="1350" dirty="0"/>
           </a:p>
@@ -3690,8 +3690,8 @@
         </p:nvSpPr>
         <p:spPr>
           <a:xfrm>
-            <a:off x="3978764" y="1392569"/>
-            <a:ext cx="1179938" cy="300082"/>
+            <a:off x="3968440" y="1392569"/>
+            <a:ext cx="1200586" cy="300082"/>
           </a:xfrm>
           <a:prstGeom prst="rect">
             <a:avLst/>
@@ -3707,7 +3707,7 @@
             <a:pPr algn="ctr"/>
             <a:r>
               <a:rPr lang="sv-SE" sz="1350" dirty="0"/>
-              <a:t>Enrolled cards</a:t>
+              <a:t>Enrolled Cards</a:t>
             </a:r>
             <a:endParaRPr lang="en-US" sz="1350" dirty="0"/>
           </a:p>
@@ -3866,7 +3866,7 @@
           <a:p>
             <a:r>
               <a:rPr lang="sv-SE" sz="1350" dirty="0"/>
-              <a:t>BIN database</a:t>
+              <a:t>BIN Database</a:t>
             </a:r>
             <a:endParaRPr lang="en-US" sz="1350" dirty="0"/>
           </a:p>
@@ -3902,7 +3902,7 @@
           <a:p>
             <a:r>
               <a:rPr lang="sv-SE" sz="1350" dirty="0"/>
-              <a:t>BIN database</a:t>
+              <a:t>BIN Database</a:t>
             </a:r>
             <a:endParaRPr lang="en-US" sz="1350" dirty="0"/>
           </a:p>
@@ -7926,8 +7926,8 @@
         </p:nvSpPr>
         <p:spPr>
           <a:xfrm>
-            <a:off x="3840313" y="6536606"/>
-            <a:ext cx="3012856" cy="253916"/>
+            <a:off x="3067396" y="6536709"/>
+            <a:ext cx="3516242" cy="253916"/>
           </a:xfrm>
           <a:prstGeom prst="rect">
             <a:avLst/>
@@ -7940,9 +7940,18 @@
           </a:bodyPr>
           <a:lstStyle/>
           <a:p>
+            <a:pPr algn="ctr"/>
             <a:r>
               <a:rPr lang="sv-SE" sz="1050" dirty="0"/>
-              <a:t>* including tokenized user authorization</a:t>
+              <a:t>* including </a:t>
+            </a:r>
+            <a:r>
+              <a:rPr lang="sv-SE" sz="1050" i="1" dirty="0"/>
+              <a:t>wallet-generated</a:t>
+            </a:r>
+            <a:r>
+              <a:rPr lang="sv-SE" sz="1050" dirty="0"/>
+              <a:t> tokenized user authorization</a:t>
             </a:r>
             <a:endParaRPr lang="en-US" sz="1050" dirty="0"/>
           </a:p>
@@ -8211,7 +8220,7 @@
             <a:pPr algn="r"/>
             <a:r>
               <a:rPr lang="sv-SE" sz="750" dirty="0"/>
-              <a:t>A.R. 2021-07-12</a:t>
+              <a:t>A.R. 2021-07-19</a:t>
             </a:r>
             <a:endParaRPr lang="en-US" sz="750" dirty="0"/>
           </a:p>
@@ -8850,8 +8859,8 @@
         </p:nvSpPr>
         <p:spPr>
           <a:xfrm>
-            <a:off x="1948771" y="2131480"/>
-            <a:ext cx="1797461" cy="300082"/>
+            <a:off x="2374388" y="2075878"/>
+            <a:ext cx="1797461" cy="507831"/>
           </a:xfrm>
           <a:prstGeom prst="rect">
             <a:avLst/>
@@ -8864,10 +8873,312 @@
           </a:bodyPr>
           <a:lstStyle/>
           <a:p>
-            <a:pPr algn="r"/>
+            <a:pPr algn="ctr"/>
             <a:r>
               <a:rPr lang="sv-SE" sz="1350" dirty="0"/>
-              <a:t>Certified SDK</a:t>
+              <a:t>Certified</a:t>
+            </a:r>
+            <a:br>
+              <a:rPr lang="sv-SE" sz="1350" dirty="0"/>
+            </a:br>
+            <a:r>
+              <a:rPr lang="sv-SE" sz="1350" dirty="0"/>
+              <a:t>SDK</a:t>
+            </a:r>
+            <a:endParaRPr lang="en-US" sz="1350" dirty="0"/>
+          </a:p>
+        </p:txBody>
+      </p:sp>
+      <p:sp>
+        <p:nvSpPr>
+          <p:cNvPr id="152" name="Oval 151">
+            <a:extLst>
+              <a:ext uri="{FF2B5EF4-FFF2-40B4-BE49-F238E27FC236}">
+                <a16:creationId xmlns:a16="http://schemas.microsoft.com/office/drawing/2014/main" id="{C6658E9C-C32D-4BA3-ADF2-12C26496A18A}"/>
+              </a:ext>
+            </a:extLst>
+          </p:cNvPr>
+          <p:cNvSpPr/>
+          <p:nvPr/>
+        </p:nvSpPr>
+        <p:spPr>
+          <a:xfrm>
+            <a:off x="4437856" y="3746223"/>
+            <a:ext cx="636024" cy="320777"/>
+          </a:xfrm>
+          <a:prstGeom prst="ellipse">
+            <a:avLst/>
+          </a:prstGeom>
+          <a:gradFill flip="none" rotWithShape="1">
+            <a:gsLst>
+              <a:gs pos="0">
+                <a:schemeClr val="accent5">
+                  <a:lumMod val="5000"/>
+                  <a:lumOff val="95000"/>
+                </a:schemeClr>
+              </a:gs>
+              <a:gs pos="74000">
+                <a:schemeClr val="accent5">
+                  <a:lumMod val="45000"/>
+                  <a:lumOff val="55000"/>
+                </a:schemeClr>
+              </a:gs>
+              <a:gs pos="83000">
+                <a:schemeClr val="accent5">
+                  <a:lumMod val="45000"/>
+                  <a:lumOff val="55000"/>
+                </a:schemeClr>
+              </a:gs>
+              <a:gs pos="100000">
+                <a:schemeClr val="accent5">
+                  <a:lumMod val="30000"/>
+                  <a:lumOff val="70000"/>
+                </a:schemeClr>
+              </a:gs>
+            </a:gsLst>
+            <a:lin ang="3000000" scaled="0"/>
+            <a:tileRect/>
+          </a:gradFill>
+          <a:ln w="6350"/>
+        </p:spPr>
+        <p:style>
+          <a:lnRef idx="2">
+            <a:schemeClr val="accent1">
+              <a:shade val="50000"/>
+            </a:schemeClr>
+          </a:lnRef>
+          <a:fillRef idx="1">
+            <a:schemeClr val="accent1"/>
+          </a:fillRef>
+          <a:effectRef idx="0">
+            <a:schemeClr val="accent1"/>
+          </a:effectRef>
+          <a:fontRef idx="minor">
+            <a:schemeClr val="lt1"/>
+          </a:fontRef>
+        </p:style>
+        <p:txBody>
+          <a:bodyPr rtlCol="0" anchor="ctr"/>
+          <a:lstStyle/>
+          <a:p>
+            <a:pPr algn="ctr"/>
+            <a:r>
+              <a:rPr lang="sv-SE" sz="1350" dirty="0">
+                <a:solidFill>
+                  <a:schemeClr val="tx1"/>
+                </a:solidFill>
+              </a:rPr>
+              <a:t>TS</a:t>
+            </a:r>
+            <a:endParaRPr lang="en-US" sz="1350" dirty="0">
+              <a:solidFill>
+                <a:schemeClr val="tx1"/>
+              </a:solidFill>
+            </a:endParaRPr>
+          </a:p>
+        </p:txBody>
+      </p:sp>
+      <p:sp>
+        <p:nvSpPr>
+          <p:cNvPr id="153" name="TextBox 152">
+            <a:extLst>
+              <a:ext uri="{FF2B5EF4-FFF2-40B4-BE49-F238E27FC236}">
+                <a16:creationId xmlns:a16="http://schemas.microsoft.com/office/drawing/2014/main" id="{794F6CC6-8A39-4548-A42E-ADACF0F6572D}"/>
+              </a:ext>
+            </a:extLst>
+          </p:cNvPr>
+          <p:cNvSpPr txBox="1"/>
+          <p:nvPr/>
+        </p:nvSpPr>
+        <p:spPr>
+          <a:xfrm>
+            <a:off x="3630528" y="3442704"/>
+            <a:ext cx="2245551" cy="300082"/>
+          </a:xfrm>
+          <a:prstGeom prst="rect">
+            <a:avLst/>
+          </a:prstGeom>
+          <a:noFill/>
+        </p:spPr>
+        <p:txBody>
+          <a:bodyPr wrap="none" rtlCol="0">
+            <a:spAutoFit/>
+          </a:bodyPr>
+          <a:lstStyle/>
+          <a:p>
+            <a:pPr algn="ctr"/>
+            <a:r>
+              <a:rPr lang="sv-SE" sz="1350" i="1" dirty="0"/>
+              <a:t>Optional</a:t>
+            </a:r>
+            <a:r>
+              <a:rPr lang="sv-SE" sz="1350" dirty="0"/>
+              <a:t> Tokenization Service</a:t>
+            </a:r>
+            <a:endParaRPr lang="en-US" sz="1350" dirty="0"/>
+          </a:p>
+        </p:txBody>
+      </p:sp>
+      <p:cxnSp>
+        <p:nvCxnSpPr>
+          <p:cNvPr id="154" name="Straight Arrow Connector 153">
+            <a:extLst>
+              <a:ext uri="{FF2B5EF4-FFF2-40B4-BE49-F238E27FC236}">
+                <a16:creationId xmlns:a16="http://schemas.microsoft.com/office/drawing/2014/main" id="{E17B49ED-4CEE-41F2-B2DE-0CD85D89BAAE}"/>
+              </a:ext>
+            </a:extLst>
+          </p:cNvPr>
+          <p:cNvCxnSpPr>
+            <a:cxnSpLocks/>
+          </p:cNvCxnSpPr>
+          <p:nvPr/>
+        </p:nvCxnSpPr>
+        <p:spPr>
+          <a:xfrm flipV="1">
+            <a:off x="3582000" y="3960000"/>
+            <a:ext cx="810000" cy="288000"/>
+          </a:xfrm>
+          <a:prstGeom prst="straightConnector1">
+            <a:avLst/>
+          </a:prstGeom>
+          <a:ln w="12700">
+            <a:headEnd type="triangle"/>
+            <a:tailEnd type="triangle"/>
+          </a:ln>
+        </p:spPr>
+        <p:style>
+          <a:lnRef idx="1">
+            <a:schemeClr val="accent1"/>
+          </a:lnRef>
+          <a:fillRef idx="0">
+            <a:schemeClr val="accent1"/>
+          </a:fillRef>
+          <a:effectRef idx="0">
+            <a:schemeClr val="accent1"/>
+          </a:effectRef>
+          <a:fontRef idx="minor">
+            <a:schemeClr val="tx1"/>
+          </a:fontRef>
+        </p:style>
+      </p:cxnSp>
+      <p:cxnSp>
+        <p:nvCxnSpPr>
+          <p:cNvPr id="155" name="Straight Arrow Connector 154">
+            <a:extLst>
+              <a:ext uri="{FF2B5EF4-FFF2-40B4-BE49-F238E27FC236}">
+                <a16:creationId xmlns:a16="http://schemas.microsoft.com/office/drawing/2014/main" id="{FDEE7CAD-6163-4A6B-A166-C1A216A1250A}"/>
+              </a:ext>
+            </a:extLst>
+          </p:cNvPr>
+          <p:cNvCxnSpPr>
+            <a:cxnSpLocks/>
+          </p:cNvCxnSpPr>
+          <p:nvPr/>
+        </p:nvCxnSpPr>
+        <p:spPr>
+          <a:xfrm>
+            <a:off x="5076000" y="3996000"/>
+            <a:ext cx="630000" cy="252000"/>
+          </a:xfrm>
+          <a:prstGeom prst="straightConnector1">
+            <a:avLst/>
+          </a:prstGeom>
+          <a:ln w="12700">
+            <a:headEnd type="triangle"/>
+            <a:tailEnd type="triangle"/>
+          </a:ln>
+        </p:spPr>
+        <p:style>
+          <a:lnRef idx="1">
+            <a:schemeClr val="accent1"/>
+          </a:lnRef>
+          <a:fillRef idx="0">
+            <a:schemeClr val="accent1"/>
+          </a:fillRef>
+          <a:effectRef idx="0">
+            <a:schemeClr val="accent1"/>
+          </a:effectRef>
+          <a:fontRef idx="minor">
+            <a:schemeClr val="tx1"/>
+          </a:fontRef>
+        </p:style>
+      </p:cxnSp>
+      <p:sp>
+        <p:nvSpPr>
+          <p:cNvPr id="156" name="TextBox 155">
+            <a:extLst>
+              <a:ext uri="{FF2B5EF4-FFF2-40B4-BE49-F238E27FC236}">
+                <a16:creationId xmlns:a16="http://schemas.microsoft.com/office/drawing/2014/main" id="{42F0B7FD-F2CA-4DE7-92A9-AA3912D54AB1}"/>
+              </a:ext>
+            </a:extLst>
+          </p:cNvPr>
+          <p:cNvSpPr txBox="1"/>
+          <p:nvPr/>
+        </p:nvSpPr>
+        <p:spPr>
+          <a:xfrm>
+            <a:off x="2179068" y="3649304"/>
+            <a:ext cx="2188101" cy="507831"/>
+          </a:xfrm>
+          <a:prstGeom prst="rect">
+            <a:avLst/>
+          </a:prstGeom>
+          <a:noFill/>
+        </p:spPr>
+        <p:txBody>
+          <a:bodyPr wrap="square" rtlCol="0">
+            <a:spAutoFit/>
+          </a:bodyPr>
+          <a:lstStyle/>
+          <a:p>
+            <a:pPr algn="ctr"/>
+            <a:r>
+              <a:rPr lang="sv-SE" sz="1350" dirty="0"/>
+              <a:t>PCI Compliant</a:t>
+            </a:r>
+            <a:br>
+              <a:rPr lang="sv-SE" sz="1350" dirty="0"/>
+            </a:br>
+            <a:r>
+              <a:rPr lang="sv-SE" sz="1350" dirty="0"/>
+              <a:t>Terminal</a:t>
+            </a:r>
+            <a:endParaRPr lang="en-US" sz="1350" dirty="0"/>
+          </a:p>
+        </p:txBody>
+      </p:sp>
+      <p:sp>
+        <p:nvSpPr>
+          <p:cNvPr id="157" name="TextBox 156">
+            <a:extLst>
+              <a:ext uri="{FF2B5EF4-FFF2-40B4-BE49-F238E27FC236}">
+                <a16:creationId xmlns:a16="http://schemas.microsoft.com/office/drawing/2014/main" id="{4E481283-1FAD-4F77-8927-77A5B9002D86}"/>
+              </a:ext>
+            </a:extLst>
+          </p:cNvPr>
+          <p:cNvSpPr txBox="1"/>
+          <p:nvPr/>
+        </p:nvSpPr>
+        <p:spPr>
+          <a:xfrm>
+            <a:off x="2179068" y="5352471"/>
+            <a:ext cx="2188101" cy="300082"/>
+          </a:xfrm>
+          <a:prstGeom prst="rect">
+            <a:avLst/>
+          </a:prstGeom>
+          <a:noFill/>
+        </p:spPr>
+        <p:txBody>
+          <a:bodyPr wrap="square" rtlCol="0">
+            <a:spAutoFit/>
+          </a:bodyPr>
+          <a:lstStyle/>
+          <a:p>
+            <a:pPr algn="ctr"/>
+            <a:r>
+              <a:rPr lang="sv-SE" sz="1350" dirty="0"/>
+              <a:t>Web App</a:t>
             </a:r>
             <a:endParaRPr lang="en-US" sz="1350" dirty="0"/>
           </a:p>

--- a/backend-infrastructure-requirements.pptx
+++ b/backend-infrastructure-requirements.pptx
@@ -243,7 +243,7 @@
           <a:p>
             <a:fld id="{882805C7-747B-4752-9F69-9BC597374324}" type="datetimeFigureOut">
               <a:rPr lang="en-US" smtClean="0"/>
-              <a:t>2021-07-19</a:t>
+              <a:t>2021-07-24</a:t>
             </a:fld>
             <a:endParaRPr lang="en-US"/>
           </a:p>
@@ -413,7 +413,7 @@
           <a:p>
             <a:fld id="{882805C7-747B-4752-9F69-9BC597374324}" type="datetimeFigureOut">
               <a:rPr lang="en-US" smtClean="0"/>
-              <a:t>2021-07-19</a:t>
+              <a:t>2021-07-24</a:t>
             </a:fld>
             <a:endParaRPr lang="en-US"/>
           </a:p>
@@ -593,7 +593,7 @@
           <a:p>
             <a:fld id="{882805C7-747B-4752-9F69-9BC597374324}" type="datetimeFigureOut">
               <a:rPr lang="en-US" smtClean="0"/>
-              <a:t>2021-07-19</a:t>
+              <a:t>2021-07-24</a:t>
             </a:fld>
             <a:endParaRPr lang="en-US"/>
           </a:p>
@@ -763,7 +763,7 @@
           <a:p>
             <a:fld id="{882805C7-747B-4752-9F69-9BC597374324}" type="datetimeFigureOut">
               <a:rPr lang="en-US" smtClean="0"/>
-              <a:t>2021-07-19</a:t>
+              <a:t>2021-07-24</a:t>
             </a:fld>
             <a:endParaRPr lang="en-US"/>
           </a:p>
@@ -1007,7 +1007,7 @@
           <a:p>
             <a:fld id="{882805C7-747B-4752-9F69-9BC597374324}" type="datetimeFigureOut">
               <a:rPr lang="en-US" smtClean="0"/>
-              <a:t>2021-07-19</a:t>
+              <a:t>2021-07-24</a:t>
             </a:fld>
             <a:endParaRPr lang="en-US"/>
           </a:p>
@@ -1239,7 +1239,7 @@
           <a:p>
             <a:fld id="{882805C7-747B-4752-9F69-9BC597374324}" type="datetimeFigureOut">
               <a:rPr lang="en-US" smtClean="0"/>
-              <a:t>2021-07-19</a:t>
+              <a:t>2021-07-24</a:t>
             </a:fld>
             <a:endParaRPr lang="en-US"/>
           </a:p>
@@ -1606,7 +1606,7 @@
           <a:p>
             <a:fld id="{882805C7-747B-4752-9F69-9BC597374324}" type="datetimeFigureOut">
               <a:rPr lang="en-US" smtClean="0"/>
-              <a:t>2021-07-19</a:t>
+              <a:t>2021-07-24</a:t>
             </a:fld>
             <a:endParaRPr lang="en-US"/>
           </a:p>
@@ -1724,7 +1724,7 @@
           <a:p>
             <a:fld id="{882805C7-747B-4752-9F69-9BC597374324}" type="datetimeFigureOut">
               <a:rPr lang="en-US" smtClean="0"/>
-              <a:t>2021-07-19</a:t>
+              <a:t>2021-07-24</a:t>
             </a:fld>
             <a:endParaRPr lang="en-US"/>
           </a:p>
@@ -1819,7 +1819,7 @@
           <a:p>
             <a:fld id="{882805C7-747B-4752-9F69-9BC597374324}" type="datetimeFigureOut">
               <a:rPr lang="en-US" smtClean="0"/>
-              <a:t>2021-07-19</a:t>
+              <a:t>2021-07-24</a:t>
             </a:fld>
             <a:endParaRPr lang="en-US"/>
           </a:p>
@@ -2096,7 +2096,7 @@
           <a:p>
             <a:fld id="{882805C7-747B-4752-9F69-9BC597374324}" type="datetimeFigureOut">
               <a:rPr lang="en-US" smtClean="0"/>
-              <a:t>2021-07-19</a:t>
+              <a:t>2021-07-24</a:t>
             </a:fld>
             <a:endParaRPr lang="en-US"/>
           </a:p>
@@ -2353,7 +2353,7 @@
           <a:p>
             <a:fld id="{882805C7-747B-4752-9F69-9BC597374324}" type="datetimeFigureOut">
               <a:rPr lang="en-US" smtClean="0"/>
-              <a:t>2021-07-19</a:t>
+              <a:t>2021-07-24</a:t>
             </a:fld>
             <a:endParaRPr lang="en-US"/>
           </a:p>
@@ -2566,7 +2566,7 @@
           <a:p>
             <a:fld id="{882805C7-747B-4752-9F69-9BC597374324}" type="datetimeFigureOut">
               <a:rPr lang="en-US" smtClean="0"/>
-              <a:t>2021-07-19</a:t>
+              <a:t>2021-07-24</a:t>
             </a:fld>
             <a:endParaRPr lang="en-US"/>
           </a:p>
@@ -2987,7 +2987,7 @@
         </p:nvCxnSpPr>
         <p:spPr>
           <a:xfrm>
-            <a:off x="3587745" y="2798653"/>
+            <a:off x="3587745" y="2576245"/>
             <a:ext cx="2124000" cy="0"/>
           </a:xfrm>
           <a:prstGeom prst="straightConnector1">
@@ -3028,7 +3028,7 @@
         </p:nvCxnSpPr>
         <p:spPr>
           <a:xfrm>
-            <a:off x="3587745" y="4366130"/>
+            <a:off x="3587745" y="4291994"/>
             <a:ext cx="2124000" cy="0"/>
           </a:xfrm>
           <a:prstGeom prst="straightConnector1">
@@ -3108,7 +3108,7 @@
         </p:nvSpPr>
         <p:spPr>
           <a:xfrm>
-            <a:off x="6304650" y="1397897"/>
+            <a:off x="6304650" y="1175489"/>
             <a:ext cx="1597104" cy="300082"/>
           </a:xfrm>
           <a:prstGeom prst="rect">
@@ -3145,8 +3145,8 @@
         </p:nvSpPr>
         <p:spPr>
           <a:xfrm>
-            <a:off x="1603890" y="3004186"/>
-            <a:ext cx="998607" cy="507831"/>
+            <a:off x="1138668" y="2781778"/>
+            <a:ext cx="1929054" cy="507831"/>
           </a:xfrm>
           <a:prstGeom prst="rect">
             <a:avLst/>
@@ -3161,15 +3161,15 @@
           <a:p>
             <a:pPr algn="ctr"/>
             <a:r>
-              <a:rPr lang="sv-SE" sz="1350" dirty="0"/>
-              <a:t>Types card</a:t>
+              <a:rPr lang="sv-SE" sz="1350" i="1" dirty="0"/>
+              <a:t>Types card data</a:t>
             </a:r>
             <a:br>
               <a:rPr lang="sv-SE" sz="1350" dirty="0"/>
             </a:br>
             <a:r>
               <a:rPr lang="sv-SE" sz="1350" dirty="0"/>
-              <a:t>data details</a:t>
+              <a:t>(card not present - CNP)</a:t>
             </a:r>
             <a:endParaRPr lang="en-US" sz="1350" dirty="0"/>
           </a:p>
@@ -3189,7 +3189,7 @@
         </p:nvSpPr>
         <p:spPr>
           <a:xfrm>
-            <a:off x="275593" y="2701643"/>
+            <a:off x="275593" y="2368029"/>
             <a:ext cx="1008609" cy="300082"/>
           </a:xfrm>
           <a:prstGeom prst="rect">
@@ -3225,7 +3225,7 @@
         </p:nvSpPr>
         <p:spPr>
           <a:xfrm>
-            <a:off x="275593" y="3012281"/>
+            <a:off x="275593" y="2067013"/>
             <a:ext cx="1124154" cy="300082"/>
           </a:xfrm>
           <a:prstGeom prst="rect">
@@ -3268,7 +3268,7 @@
         </p:nvSpPr>
         <p:spPr>
           <a:xfrm>
-            <a:off x="275593" y="3857093"/>
+            <a:off x="275593" y="3782957"/>
             <a:ext cx="1376082" cy="300082"/>
           </a:xfrm>
           <a:prstGeom prst="rect">
@@ -3316,7 +3316,7 @@
         </p:nvSpPr>
         <p:spPr>
           <a:xfrm>
-            <a:off x="275594" y="4156671"/>
+            <a:off x="275594" y="4082535"/>
             <a:ext cx="857671" cy="300082"/>
           </a:xfrm>
           <a:prstGeom prst="rect">
@@ -3451,7 +3451,7 @@
         </p:blipFill>
         <p:spPr>
           <a:xfrm>
-            <a:off x="8047579" y="4133588"/>
+            <a:off x="8047579" y="4059452"/>
             <a:ext cx="643500" cy="421200"/>
           </a:xfrm>
           <a:prstGeom prst="rect">
@@ -3490,7 +3490,7 @@
         </p:blipFill>
         <p:spPr>
           <a:xfrm>
-            <a:off x="8047579" y="2576510"/>
+            <a:off x="8047579" y="2354102"/>
             <a:ext cx="643500" cy="421200"/>
           </a:xfrm>
           <a:prstGeom prst="rect">
@@ -3512,7 +3512,7 @@
         </p:nvSpPr>
         <p:spPr>
           <a:xfrm>
-            <a:off x="4248696" y="1714468"/>
+            <a:off x="4248696" y="1492060"/>
             <a:ext cx="636024" cy="320777"/>
           </a:xfrm>
           <a:prstGeom prst="ellipse">
@@ -3601,7 +3601,7 @@
         </p:nvSpPr>
         <p:spPr>
           <a:xfrm>
-            <a:off x="6788835" y="1714468"/>
+            <a:off x="6788835" y="1492060"/>
             <a:ext cx="636024" cy="320777"/>
           </a:xfrm>
           <a:prstGeom prst="ellipse">
@@ -3690,7 +3690,7 @@
         </p:nvSpPr>
         <p:spPr>
           <a:xfrm>
-            <a:off x="3968440" y="1392569"/>
+            <a:off x="3968440" y="1170161"/>
             <a:ext cx="1200586" cy="300082"/>
           </a:xfrm>
           <a:prstGeom prst="rect">
@@ -3744,7 +3744,7 @@
         </p:blipFill>
         <p:spPr>
           <a:xfrm>
-            <a:off x="1882953" y="2584175"/>
+            <a:off x="1882953" y="2361767"/>
             <a:ext cx="421200" cy="421200"/>
           </a:xfrm>
           <a:prstGeom prst="rect">
@@ -3768,7 +3768,7 @@
         </p:nvCxnSpPr>
         <p:spPr>
           <a:xfrm flipV="1">
-            <a:off x="3568065" y="2001092"/>
+            <a:off x="3568065" y="1778684"/>
             <a:ext cx="708379" cy="570810"/>
           </a:xfrm>
           <a:prstGeom prst="straightConnector1">
@@ -3810,7 +3810,7 @@
         </p:nvCxnSpPr>
         <p:spPr>
           <a:xfrm flipV="1">
-            <a:off x="3600000" y="1931426"/>
+            <a:off x="3600000" y="1709018"/>
             <a:ext cx="3145605" cy="738982"/>
           </a:xfrm>
           <a:prstGeom prst="straightConnector1">
@@ -3850,7 +3850,7 @@
         </p:nvSpPr>
         <p:spPr>
           <a:xfrm>
-            <a:off x="6448319" y="2898398"/>
+            <a:off x="6448319" y="2675990"/>
             <a:ext cx="1797461" cy="300082"/>
           </a:xfrm>
           <a:prstGeom prst="rect">
@@ -3886,7 +3886,7 @@
         </p:nvSpPr>
         <p:spPr>
           <a:xfrm>
-            <a:off x="6448319" y="4462852"/>
+            <a:off x="6448319" y="4388716"/>
             <a:ext cx="1797461" cy="300082"/>
           </a:xfrm>
           <a:prstGeom prst="rect">
@@ -3922,7 +3922,7 @@
         </p:nvSpPr>
         <p:spPr>
           <a:xfrm>
-            <a:off x="2345704" y="878368"/>
+            <a:off x="2345704" y="736274"/>
             <a:ext cx="1797461" cy="369332"/>
           </a:xfrm>
           <a:prstGeom prst="rect">
@@ -3959,7 +3959,7 @@
         </p:nvSpPr>
         <p:spPr>
           <a:xfrm>
-            <a:off x="5516226" y="878368"/>
+            <a:off x="5516226" y="736274"/>
             <a:ext cx="1094807" cy="369332"/>
           </a:xfrm>
           <a:prstGeom prst="rect">
@@ -3996,7 +3996,7 @@
         </p:nvSpPr>
         <p:spPr>
           <a:xfrm>
-            <a:off x="7802267" y="878368"/>
+            <a:off x="7802267" y="736274"/>
             <a:ext cx="1135196" cy="369332"/>
           </a:xfrm>
           <a:prstGeom prst="rect">
@@ -4033,7 +4033,7 @@
         </p:nvSpPr>
         <p:spPr>
           <a:xfrm>
-            <a:off x="2089697" y="232802"/>
+            <a:off x="2089697" y="201912"/>
             <a:ext cx="4958094" cy="415498"/>
           </a:xfrm>
           <a:prstGeom prst="rect">
@@ -4070,7 +4070,7 @@
         </p:nvSpPr>
         <p:spPr>
           <a:xfrm>
-            <a:off x="4257987" y="2685689"/>
+            <a:off x="4257987" y="2463281"/>
             <a:ext cx="1019831" cy="216110"/>
           </a:xfrm>
           <a:prstGeom prst="rect">
@@ -4115,7 +4115,7 @@
         </p:nvSpPr>
         <p:spPr>
           <a:xfrm>
-            <a:off x="4257987" y="4253181"/>
+            <a:off x="4257987" y="4179045"/>
             <a:ext cx="1019831" cy="216110"/>
           </a:xfrm>
           <a:prstGeom prst="rect">
@@ -4207,7 +4207,7 @@
         </p:nvGrpSpPr>
         <p:grpSpPr>
           <a:xfrm>
-            <a:off x="3009745" y="2571902"/>
+            <a:off x="3009745" y="2349494"/>
             <a:ext cx="523971" cy="421200"/>
             <a:chOff x="1619672" y="3068960"/>
             <a:chExt cx="557162" cy="447881"/>
@@ -5435,7 +5435,7 @@
         </p:nvGrpSpPr>
         <p:grpSpPr>
           <a:xfrm>
-            <a:off x="3009745" y="4136460"/>
+            <a:off x="3009745" y="4062324"/>
             <a:ext cx="523971" cy="421200"/>
             <a:chOff x="1619672" y="3068960"/>
             <a:chExt cx="557162" cy="447881"/>
@@ -7904,7 +7904,7 @@
         </p:blipFill>
         <p:spPr>
           <a:xfrm>
-            <a:off x="5798693" y="2590357"/>
+            <a:off x="5798693" y="2367949"/>
             <a:ext cx="421234" cy="421200"/>
           </a:xfrm>
           <a:prstGeom prst="rect">
@@ -7986,7 +7986,7 @@
         </p:blipFill>
         <p:spPr>
           <a:xfrm>
-            <a:off x="5798693" y="4149808"/>
+            <a:off x="5798693" y="4075672"/>
             <a:ext cx="421234" cy="421200"/>
           </a:xfrm>
           <a:prstGeom prst="rect">
@@ -8047,7 +8047,7 @@
         </p:nvSpPr>
         <p:spPr>
           <a:xfrm>
-            <a:off x="6078113" y="4482225"/>
+            <a:off x="6078113" y="4408089"/>
             <a:ext cx="382846" cy="252000"/>
           </a:xfrm>
           <a:prstGeom prst="can">
@@ -8126,7 +8126,7 @@
         </p:nvSpPr>
         <p:spPr>
           <a:xfrm>
-            <a:off x="6078113" y="2925147"/>
+            <a:off x="6078113" y="2702739"/>
             <a:ext cx="382846" cy="252000"/>
           </a:xfrm>
           <a:prstGeom prst="can">
@@ -8240,7 +8240,7 @@
         </p:nvSpPr>
         <p:spPr>
           <a:xfrm>
-            <a:off x="1160095" y="876304"/>
+            <a:off x="1160095" y="734210"/>
             <a:ext cx="1797461" cy="369332"/>
           </a:xfrm>
           <a:prstGeom prst="rect">
@@ -8279,7 +8279,7 @@
         </p:nvCxnSpPr>
         <p:spPr>
           <a:xfrm>
-            <a:off x="2358000" y="2798493"/>
+            <a:off x="2358000" y="2576085"/>
             <a:ext cx="612000" cy="0"/>
           </a:xfrm>
           <a:prstGeom prst="straightConnector1">
@@ -8318,7 +8318,7 @@
         </p:nvSpPr>
         <p:spPr>
           <a:xfrm>
-            <a:off x="1446316" y="4575244"/>
+            <a:off x="1446316" y="4501108"/>
             <a:ext cx="1313757" cy="715581"/>
           </a:xfrm>
           <a:prstGeom prst="rect">
@@ -8334,7 +8334,7 @@
           <a:p>
             <a:pPr algn="ctr"/>
             <a:r>
-              <a:rPr lang="sv-SE" sz="1350" dirty="0"/>
+              <a:rPr lang="sv-SE" sz="1350" i="1" dirty="0"/>
               <a:t>Selects card</a:t>
             </a:r>
             <a:br>
@@ -8386,7 +8386,7 @@
         </p:blipFill>
         <p:spPr>
           <a:xfrm>
-            <a:off x="1882953" y="4151423"/>
+            <a:off x="1882953" y="4077287"/>
             <a:ext cx="421200" cy="421200"/>
           </a:xfrm>
           <a:prstGeom prst="rect">
@@ -8424,7 +8424,7 @@
           <a:p>
             <a:pPr algn="ctr"/>
             <a:r>
-              <a:rPr lang="sv-SE" sz="1350" dirty="0"/>
+              <a:rPr lang="sv-SE" sz="1350" i="1" dirty="0"/>
               <a:t>Selects card</a:t>
             </a:r>
             <a:br>
@@ -8535,7 +8535,7 @@
         </p:nvCxnSpPr>
         <p:spPr>
           <a:xfrm>
-            <a:off x="2358000" y="4363133"/>
+            <a:off x="2358000" y="4288997"/>
             <a:ext cx="612000" cy="0"/>
           </a:xfrm>
           <a:prstGeom prst="straightConnector1">
@@ -8575,7 +8575,7 @@
         </p:nvSpPr>
         <p:spPr>
           <a:xfrm>
-            <a:off x="6671127" y="4101601"/>
+            <a:off x="6671127" y="4027465"/>
             <a:ext cx="941283" cy="253916"/>
           </a:xfrm>
           <a:prstGeom prst="rect">
@@ -8647,7 +8647,7 @@
         </p:nvSpPr>
         <p:spPr>
           <a:xfrm>
-            <a:off x="6671127" y="2538221"/>
+            <a:off x="6671127" y="2315813"/>
             <a:ext cx="941283" cy="253916"/>
           </a:xfrm>
           <a:prstGeom prst="rect">
@@ -8685,7 +8685,7 @@
         </p:nvCxnSpPr>
         <p:spPr>
           <a:xfrm>
-            <a:off x="6306125" y="2800130"/>
+            <a:off x="6306125" y="2577722"/>
             <a:ext cx="1764000" cy="0"/>
           </a:xfrm>
           <a:prstGeom prst="straightConnector1">
@@ -8726,7 +8726,7 @@
         </p:nvCxnSpPr>
         <p:spPr>
           <a:xfrm>
-            <a:off x="6306125" y="4366130"/>
+            <a:off x="6306125" y="4291994"/>
             <a:ext cx="1764000" cy="0"/>
           </a:xfrm>
           <a:prstGeom prst="straightConnector1">
@@ -8806,7 +8806,7 @@
         </p:nvSpPr>
         <p:spPr>
           <a:xfrm rot="19917555">
-            <a:off x="3723268" y="2313012"/>
+            <a:off x="3723268" y="2090604"/>
             <a:ext cx="166882" cy="386973"/>
           </a:xfrm>
           <a:prstGeom prst="ellipse">
@@ -8859,7 +8859,7 @@
         </p:nvSpPr>
         <p:spPr>
           <a:xfrm>
-            <a:off x="2374388" y="2075878"/>
+            <a:off x="2374388" y="1853470"/>
             <a:ext cx="1797461" cy="507831"/>
           </a:xfrm>
           <a:prstGeom prst="rect">
@@ -8903,7 +8903,7 @@
         </p:nvSpPr>
         <p:spPr>
           <a:xfrm>
-            <a:off x="4437856" y="3746223"/>
+            <a:off x="4437856" y="3672087"/>
             <a:ext cx="636024" cy="320777"/>
           </a:xfrm>
           <a:prstGeom prst="ellipse">
@@ -8992,7 +8992,7 @@
         </p:nvSpPr>
         <p:spPr>
           <a:xfrm>
-            <a:off x="3630528" y="3442704"/>
+            <a:off x="3630528" y="3368568"/>
             <a:ext cx="2245551" cy="300082"/>
           </a:xfrm>
           <a:prstGeom prst="rect">
@@ -9035,13 +9035,14 @@
         </p:nvCxnSpPr>
         <p:spPr>
           <a:xfrm flipV="1">
-            <a:off x="3582000" y="3960000"/>
+            <a:off x="3582000" y="3885864"/>
             <a:ext cx="810000" cy="288000"/>
           </a:xfrm>
           <a:prstGeom prst="straightConnector1">
             <a:avLst/>
           </a:prstGeom>
           <a:ln w="12700">
+            <a:prstDash val="sysDash"/>
             <a:headEnd type="triangle"/>
             <a:tailEnd type="triangle"/>
           </a:ln>
@@ -9077,13 +9078,14 @@
         </p:nvCxnSpPr>
         <p:spPr>
           <a:xfrm>
-            <a:off x="5076000" y="3996000"/>
+            <a:off x="5076000" y="3921864"/>
             <a:ext cx="630000" cy="252000"/>
           </a:xfrm>
           <a:prstGeom prst="straightConnector1">
             <a:avLst/>
           </a:prstGeom>
           <a:ln w="12700">
+            <a:prstDash val="sysDash"/>
             <a:headEnd type="triangle"/>
             <a:tailEnd type="triangle"/>
           </a:ln>
@@ -9117,7 +9119,7 @@
         </p:nvSpPr>
         <p:spPr>
           <a:xfrm>
-            <a:off x="2179068" y="3649304"/>
+            <a:off x="2179068" y="3575168"/>
             <a:ext cx="2188101" cy="507831"/>
           </a:xfrm>
           <a:prstGeom prst="rect">

--- a/backend-infrastructure-requirements.pptx
+++ b/backend-infrastructure-requirements.pptx
@@ -243,7 +243,7 @@
           <a:p>
             <a:fld id="{882805C7-747B-4752-9F69-9BC597374324}" type="datetimeFigureOut">
               <a:rPr lang="en-US" smtClean="0"/>
-              <a:t>2021-07-24</a:t>
+              <a:t>2021-08-09</a:t>
             </a:fld>
             <a:endParaRPr lang="en-US"/>
           </a:p>
@@ -413,7 +413,7 @@
           <a:p>
             <a:fld id="{882805C7-747B-4752-9F69-9BC597374324}" type="datetimeFigureOut">
               <a:rPr lang="en-US" smtClean="0"/>
-              <a:t>2021-07-24</a:t>
+              <a:t>2021-08-09</a:t>
             </a:fld>
             <a:endParaRPr lang="en-US"/>
           </a:p>
@@ -593,7 +593,7 @@
           <a:p>
             <a:fld id="{882805C7-747B-4752-9F69-9BC597374324}" type="datetimeFigureOut">
               <a:rPr lang="en-US" smtClean="0"/>
-              <a:t>2021-07-24</a:t>
+              <a:t>2021-08-09</a:t>
             </a:fld>
             <a:endParaRPr lang="en-US"/>
           </a:p>
@@ -763,7 +763,7 @@
           <a:p>
             <a:fld id="{882805C7-747B-4752-9F69-9BC597374324}" type="datetimeFigureOut">
               <a:rPr lang="en-US" smtClean="0"/>
-              <a:t>2021-07-24</a:t>
+              <a:t>2021-08-09</a:t>
             </a:fld>
             <a:endParaRPr lang="en-US"/>
           </a:p>
@@ -1007,7 +1007,7 @@
           <a:p>
             <a:fld id="{882805C7-747B-4752-9F69-9BC597374324}" type="datetimeFigureOut">
               <a:rPr lang="en-US" smtClean="0"/>
-              <a:t>2021-07-24</a:t>
+              <a:t>2021-08-09</a:t>
             </a:fld>
             <a:endParaRPr lang="en-US"/>
           </a:p>
@@ -1239,7 +1239,7 @@
           <a:p>
             <a:fld id="{882805C7-747B-4752-9F69-9BC597374324}" type="datetimeFigureOut">
               <a:rPr lang="en-US" smtClean="0"/>
-              <a:t>2021-07-24</a:t>
+              <a:t>2021-08-09</a:t>
             </a:fld>
             <a:endParaRPr lang="en-US"/>
           </a:p>
@@ -1606,7 +1606,7 @@
           <a:p>
             <a:fld id="{882805C7-747B-4752-9F69-9BC597374324}" type="datetimeFigureOut">
               <a:rPr lang="en-US" smtClean="0"/>
-              <a:t>2021-07-24</a:t>
+              <a:t>2021-08-09</a:t>
             </a:fld>
             <a:endParaRPr lang="en-US"/>
           </a:p>
@@ -1724,7 +1724,7 @@
           <a:p>
             <a:fld id="{882805C7-747B-4752-9F69-9BC597374324}" type="datetimeFigureOut">
               <a:rPr lang="en-US" smtClean="0"/>
-              <a:t>2021-07-24</a:t>
+              <a:t>2021-08-09</a:t>
             </a:fld>
             <a:endParaRPr lang="en-US"/>
           </a:p>
@@ -1819,7 +1819,7 @@
           <a:p>
             <a:fld id="{882805C7-747B-4752-9F69-9BC597374324}" type="datetimeFigureOut">
               <a:rPr lang="en-US" smtClean="0"/>
-              <a:t>2021-07-24</a:t>
+              <a:t>2021-08-09</a:t>
             </a:fld>
             <a:endParaRPr lang="en-US"/>
           </a:p>
@@ -2096,7 +2096,7 @@
           <a:p>
             <a:fld id="{882805C7-747B-4752-9F69-9BC597374324}" type="datetimeFigureOut">
               <a:rPr lang="en-US" smtClean="0"/>
-              <a:t>2021-07-24</a:t>
+              <a:t>2021-08-09</a:t>
             </a:fld>
             <a:endParaRPr lang="en-US"/>
           </a:p>
@@ -2353,7 +2353,7 @@
           <a:p>
             <a:fld id="{882805C7-747B-4752-9F69-9BC597374324}" type="datetimeFigureOut">
               <a:rPr lang="en-US" smtClean="0"/>
-              <a:t>2021-07-24</a:t>
+              <a:t>2021-08-09</a:t>
             </a:fld>
             <a:endParaRPr lang="en-US"/>
           </a:p>
@@ -2566,7 +2566,7 @@
           <a:p>
             <a:fld id="{882805C7-747B-4752-9F69-9BC597374324}" type="datetimeFigureOut">
               <a:rPr lang="en-US" smtClean="0"/>
-              <a:t>2021-07-24</a:t>
+              <a:t>2021-08-09</a:t>
             </a:fld>
             <a:endParaRPr lang="en-US"/>
           </a:p>
@@ -3512,7 +3512,7 @@
         </p:nvSpPr>
         <p:spPr>
           <a:xfrm>
-            <a:off x="4248696" y="1492060"/>
+            <a:off x="4853307" y="1473680"/>
             <a:ext cx="636024" cy="320777"/>
           </a:xfrm>
           <a:prstGeom prst="ellipse">
@@ -3690,7 +3690,7 @@
         </p:nvSpPr>
         <p:spPr>
           <a:xfrm>
-            <a:off x="3968440" y="1170161"/>
+            <a:off x="4538751" y="1170161"/>
             <a:ext cx="1200586" cy="300082"/>
           </a:xfrm>
           <a:prstGeom prst="rect">
@@ -3768,8 +3768,8 @@
         </p:nvCxnSpPr>
         <p:spPr>
           <a:xfrm flipV="1">
-            <a:off x="3568065" y="1778684"/>
-            <a:ext cx="708379" cy="570810"/>
+            <a:off x="3568065" y="1724025"/>
+            <a:ext cx="1268730" cy="625470"/>
           </a:xfrm>
           <a:prstGeom prst="straightConnector1">
             <a:avLst/>
@@ -3959,7 +3959,7 @@
         </p:nvSpPr>
         <p:spPr>
           <a:xfrm>
-            <a:off x="5516226" y="736274"/>
+            <a:off x="5469096" y="736274"/>
             <a:ext cx="1094807" cy="369332"/>
           </a:xfrm>
           <a:prstGeom prst="rect">
@@ -8220,7 +8220,7 @@
             <a:pPr algn="r"/>
             <a:r>
               <a:rPr lang="sv-SE" sz="750" dirty="0"/>
-              <a:t>A.R. 2021-07-19</a:t>
+              <a:t>A.R. 2021-08-09</a:t>
             </a:r>
             <a:endParaRPr lang="en-US" sz="750" dirty="0"/>
           </a:p>
@@ -8806,8 +8806,8 @@
         </p:nvSpPr>
         <p:spPr>
           <a:xfrm rot="19917555">
-            <a:off x="3723268" y="2090604"/>
-            <a:ext cx="166882" cy="386973"/>
+            <a:off x="3977228" y="1954897"/>
+            <a:ext cx="204775" cy="499216"/>
           </a:xfrm>
           <a:prstGeom prst="ellipse">
             <a:avLst/>
@@ -8859,8 +8859,8 @@
         </p:nvSpPr>
         <p:spPr>
           <a:xfrm>
-            <a:off x="2374388" y="1853470"/>
-            <a:ext cx="1797461" cy="507831"/>
+            <a:off x="2071167" y="1983671"/>
+            <a:ext cx="1633717" cy="300082"/>
           </a:xfrm>
           <a:prstGeom prst="rect">
             <a:avLst/>
@@ -8868,22 +8868,15 @@
           <a:noFill/>
         </p:spPr>
         <p:txBody>
-          <a:bodyPr wrap="square" rtlCol="0">
+          <a:bodyPr wrap="none" rtlCol="0">
             <a:spAutoFit/>
           </a:bodyPr>
           <a:lstStyle/>
           <a:p>
-            <a:pPr algn="ctr"/>
+            <a:pPr algn="r"/>
             <a:r>
               <a:rPr lang="sv-SE" sz="1350" dirty="0"/>
-              <a:t>Certified</a:t>
-            </a:r>
-            <a:br>
-              <a:rPr lang="sv-SE" sz="1350" dirty="0"/>
-            </a:br>
-            <a:r>
-              <a:rPr lang="sv-SE" sz="1350" dirty="0"/>
-              <a:t>SDK</a:t>
+              <a:t>TLS Client Certificate</a:t>
             </a:r>
             <a:endParaRPr lang="en-US" sz="1350" dirty="0"/>
           </a:p>
@@ -9181,6 +9174,165 @@
             <a:r>
               <a:rPr lang="sv-SE" sz="1350" dirty="0"/>
               <a:t>Web App</a:t>
+            </a:r>
+            <a:endParaRPr lang="en-US" sz="1350" dirty="0"/>
+          </a:p>
+        </p:txBody>
+      </p:sp>
+      <p:grpSp>
+        <p:nvGrpSpPr>
+          <p:cNvPr id="158" name="Group 157">
+            <a:extLst>
+              <a:ext uri="{FF2B5EF4-FFF2-40B4-BE49-F238E27FC236}">
+                <a16:creationId xmlns:a16="http://schemas.microsoft.com/office/drawing/2014/main" id="{07F6AAD4-5F2A-42FF-9097-9A71B829F298}"/>
+              </a:ext>
+            </a:extLst>
+          </p:cNvPr>
+          <p:cNvGrpSpPr/>
+          <p:nvPr/>
+        </p:nvGrpSpPr>
+        <p:grpSpPr>
+          <a:xfrm>
+            <a:off x="3689610" y="2138266"/>
+            <a:ext cx="330919" cy="364551"/>
+            <a:chOff x="7439528" y="2941466"/>
+            <a:chExt cx="216024" cy="262996"/>
+          </a:xfrm>
+          <a:effectLst/>
+        </p:grpSpPr>
+        <p:sp>
+          <p:nvSpPr>
+            <p:cNvPr id="159" name="Rectangle 158">
+              <a:extLst>
+                <a:ext uri="{FF2B5EF4-FFF2-40B4-BE49-F238E27FC236}">
+                  <a16:creationId xmlns:a16="http://schemas.microsoft.com/office/drawing/2014/main" id="{00802FD0-81E5-4A26-A813-7E09DF636E72}"/>
+                </a:ext>
+              </a:extLst>
+            </p:cNvPr>
+            <p:cNvSpPr/>
+            <p:nvPr/>
+          </p:nvSpPr>
+          <p:spPr>
+            <a:xfrm>
+              <a:off x="7468660" y="2947270"/>
+              <a:ext cx="148780" cy="79280"/>
+            </a:xfrm>
+            <a:prstGeom prst="rect">
+              <a:avLst/>
+            </a:prstGeom>
+            <a:solidFill>
+              <a:schemeClr val="bg1"/>
+            </a:solidFill>
+            <a:ln w="38100">
+              <a:noFill/>
+              <a:headEnd type="triangle"/>
+            </a:ln>
+          </p:spPr>
+          <p:style>
+            <a:lnRef idx="2">
+              <a:schemeClr val="accent1">
+                <a:shade val="50000"/>
+              </a:schemeClr>
+            </a:lnRef>
+            <a:fillRef idx="1">
+              <a:schemeClr val="accent1"/>
+            </a:fillRef>
+            <a:effectRef idx="0">
+              <a:schemeClr val="accent1"/>
+            </a:effectRef>
+            <a:fontRef idx="minor">
+              <a:schemeClr val="lt1"/>
+            </a:fontRef>
+          </p:style>
+          <p:txBody>
+            <a:bodyPr rtlCol="0" anchor="ctr"/>
+            <a:lstStyle/>
+            <a:p>
+              <a:pPr algn="ctr"/>
+              <a:endParaRPr lang="en-US"/>
+            </a:p>
+          </p:txBody>
+        </p:sp>
+        <p:pic>
+          <p:nvPicPr>
+            <p:cNvPr id="160" name="Picture 159">
+              <a:extLst>
+                <a:ext uri="{FF2B5EF4-FFF2-40B4-BE49-F238E27FC236}">
+                  <a16:creationId xmlns:a16="http://schemas.microsoft.com/office/drawing/2014/main" id="{46FA4AD0-967A-4419-AD33-1CA21F9B9330}"/>
+                </a:ext>
+              </a:extLst>
+            </p:cNvPr>
+            <p:cNvPicPr>
+              <a:picLocks noChangeAspect="1" noChangeArrowheads="1"/>
+            </p:cNvPicPr>
+            <p:nvPr/>
+          </p:nvPicPr>
+          <p:blipFill>
+            <a:blip r:embed="rId7" cstate="print">
+              <a:extLst>
+                <a:ext uri="{28A0092B-C50C-407E-A947-70E740481C1C}">
+                  <a14:useLocalDpi xmlns:a14="http://schemas.microsoft.com/office/drawing/2010/main" val="0"/>
+                </a:ext>
+              </a:extLst>
+            </a:blip>
+            <a:srcRect/>
+            <a:stretch>
+              <a:fillRect/>
+            </a:stretch>
+          </p:blipFill>
+          <p:spPr bwMode="auto">
+            <a:xfrm>
+              <a:off x="7439528" y="2941466"/>
+              <a:ext cx="216024" cy="262996"/>
+            </a:xfrm>
+            <a:prstGeom prst="rect">
+              <a:avLst/>
+            </a:prstGeom>
+            <a:noFill/>
+            <a:extLst>
+              <a:ext uri="{909E8E84-426E-40DD-AFC4-6F175D3DCCD1}">
+                <a14:hiddenFill xmlns:a14="http://schemas.microsoft.com/office/drawing/2010/main">
+                  <a:solidFill>
+                    <a:srgbClr val="FFFFFF"/>
+                  </a:solidFill>
+                </a14:hiddenFill>
+              </a:ext>
+            </a:extLst>
+          </p:spPr>
+        </p:pic>
+      </p:grpSp>
+      <p:sp>
+        <p:nvSpPr>
+          <p:cNvPr id="161" name="TextBox 160">
+            <a:extLst>
+              <a:ext uri="{FF2B5EF4-FFF2-40B4-BE49-F238E27FC236}">
+                <a16:creationId xmlns:a16="http://schemas.microsoft.com/office/drawing/2014/main" id="{A786FDE3-A0A7-47F6-9482-E1FD7BF6114B}"/>
+              </a:ext>
+            </a:extLst>
+          </p:cNvPr>
+          <p:cNvSpPr txBox="1"/>
+          <p:nvPr/>
+        </p:nvSpPr>
+        <p:spPr>
+          <a:xfrm>
+            <a:off x="2426154" y="1762141"/>
+            <a:ext cx="1553630" cy="300082"/>
+          </a:xfrm>
+          <a:prstGeom prst="rect">
+            <a:avLst/>
+          </a:prstGeom>
+          <a:noFill/>
+        </p:spPr>
+        <p:txBody>
+          <a:bodyPr wrap="none" rtlCol="0">
+            <a:spAutoFit/>
+          </a:bodyPr>
+          <a:lstStyle/>
+          <a:p>
+            <a:pPr algn="r"/>
+            <a:r>
+              <a:rPr lang="sv-SE" sz="1350" dirty="0"/>
+              <a:t>Certified Client SDK</a:t>
             </a:r>
             <a:endParaRPr lang="en-US" sz="1350" dirty="0"/>
           </a:p>

--- a/backend-infrastructure-requirements.pptx
+++ b/backend-infrastructure-requirements.pptx
@@ -243,7 +243,7 @@
           <a:p>
             <a:fld id="{882805C7-747B-4752-9F69-9BC597374324}" type="datetimeFigureOut">
               <a:rPr lang="en-US" smtClean="0"/>
-              <a:t>2021-08-09</a:t>
+              <a:t>2021-08-12</a:t>
             </a:fld>
             <a:endParaRPr lang="en-US"/>
           </a:p>
@@ -413,7 +413,7 @@
           <a:p>
             <a:fld id="{882805C7-747B-4752-9F69-9BC597374324}" type="datetimeFigureOut">
               <a:rPr lang="en-US" smtClean="0"/>
-              <a:t>2021-08-09</a:t>
+              <a:t>2021-08-12</a:t>
             </a:fld>
             <a:endParaRPr lang="en-US"/>
           </a:p>
@@ -593,7 +593,7 @@
           <a:p>
             <a:fld id="{882805C7-747B-4752-9F69-9BC597374324}" type="datetimeFigureOut">
               <a:rPr lang="en-US" smtClean="0"/>
-              <a:t>2021-08-09</a:t>
+              <a:t>2021-08-12</a:t>
             </a:fld>
             <a:endParaRPr lang="en-US"/>
           </a:p>
@@ -763,7 +763,7 @@
           <a:p>
             <a:fld id="{882805C7-747B-4752-9F69-9BC597374324}" type="datetimeFigureOut">
               <a:rPr lang="en-US" smtClean="0"/>
-              <a:t>2021-08-09</a:t>
+              <a:t>2021-08-12</a:t>
             </a:fld>
             <a:endParaRPr lang="en-US"/>
           </a:p>
@@ -1007,7 +1007,7 @@
           <a:p>
             <a:fld id="{882805C7-747B-4752-9F69-9BC597374324}" type="datetimeFigureOut">
               <a:rPr lang="en-US" smtClean="0"/>
-              <a:t>2021-08-09</a:t>
+              <a:t>2021-08-12</a:t>
             </a:fld>
             <a:endParaRPr lang="en-US"/>
           </a:p>
@@ -1239,7 +1239,7 @@
           <a:p>
             <a:fld id="{882805C7-747B-4752-9F69-9BC597374324}" type="datetimeFigureOut">
               <a:rPr lang="en-US" smtClean="0"/>
-              <a:t>2021-08-09</a:t>
+              <a:t>2021-08-12</a:t>
             </a:fld>
             <a:endParaRPr lang="en-US"/>
           </a:p>
@@ -1606,7 +1606,7 @@
           <a:p>
             <a:fld id="{882805C7-747B-4752-9F69-9BC597374324}" type="datetimeFigureOut">
               <a:rPr lang="en-US" smtClean="0"/>
-              <a:t>2021-08-09</a:t>
+              <a:t>2021-08-12</a:t>
             </a:fld>
             <a:endParaRPr lang="en-US"/>
           </a:p>
@@ -1724,7 +1724,7 @@
           <a:p>
             <a:fld id="{882805C7-747B-4752-9F69-9BC597374324}" type="datetimeFigureOut">
               <a:rPr lang="en-US" smtClean="0"/>
-              <a:t>2021-08-09</a:t>
+              <a:t>2021-08-12</a:t>
             </a:fld>
             <a:endParaRPr lang="en-US"/>
           </a:p>
@@ -1819,7 +1819,7 @@
           <a:p>
             <a:fld id="{882805C7-747B-4752-9F69-9BC597374324}" type="datetimeFigureOut">
               <a:rPr lang="en-US" smtClean="0"/>
-              <a:t>2021-08-09</a:t>
+              <a:t>2021-08-12</a:t>
             </a:fld>
             <a:endParaRPr lang="en-US"/>
           </a:p>
@@ -2096,7 +2096,7 @@
           <a:p>
             <a:fld id="{882805C7-747B-4752-9F69-9BC597374324}" type="datetimeFigureOut">
               <a:rPr lang="en-US" smtClean="0"/>
-              <a:t>2021-08-09</a:t>
+              <a:t>2021-08-12</a:t>
             </a:fld>
             <a:endParaRPr lang="en-US"/>
           </a:p>
@@ -2353,7 +2353,7 @@
           <a:p>
             <a:fld id="{882805C7-747B-4752-9F69-9BC597374324}" type="datetimeFigureOut">
               <a:rPr lang="en-US" smtClean="0"/>
-              <a:t>2021-08-09</a:t>
+              <a:t>2021-08-12</a:t>
             </a:fld>
             <a:endParaRPr lang="en-US"/>
           </a:p>
@@ -2566,7 +2566,7 @@
           <a:p>
             <a:fld id="{882805C7-747B-4752-9F69-9BC597374324}" type="datetimeFigureOut">
               <a:rPr lang="en-US" smtClean="0"/>
-              <a:t>2021-08-09</a:t>
+              <a:t>2021-08-12</a:t>
             </a:fld>
             <a:endParaRPr lang="en-US"/>
           </a:p>
@@ -2987,48 +2987,7 @@
         </p:nvCxnSpPr>
         <p:spPr>
           <a:xfrm>
-            <a:off x="3587745" y="2576245"/>
-            <a:ext cx="2124000" cy="0"/>
-          </a:xfrm>
-          <a:prstGeom prst="straightConnector1">
-            <a:avLst/>
-          </a:prstGeom>
-          <a:ln w="12700">
-            <a:tailEnd type="triangle"/>
-          </a:ln>
-        </p:spPr>
-        <p:style>
-          <a:lnRef idx="1">
-            <a:schemeClr val="accent1"/>
-          </a:lnRef>
-          <a:fillRef idx="0">
-            <a:schemeClr val="accent1"/>
-          </a:fillRef>
-          <a:effectRef idx="0">
-            <a:schemeClr val="accent1"/>
-          </a:effectRef>
-          <a:fontRef idx="minor">
-            <a:schemeClr val="tx1"/>
-          </a:fontRef>
-        </p:style>
-      </p:cxnSp>
-      <p:cxnSp>
-        <p:nvCxnSpPr>
-          <p:cNvPr id="147" name="Straight Arrow Connector 146">
-            <a:extLst>
-              <a:ext uri="{FF2B5EF4-FFF2-40B4-BE49-F238E27FC236}">
-                <a16:creationId xmlns:a16="http://schemas.microsoft.com/office/drawing/2014/main" id="{A8AEE82B-7CDE-4756-BD1A-0C2E26DBF44D}"/>
-              </a:ext>
-            </a:extLst>
-          </p:cNvPr>
-          <p:cNvCxnSpPr>
-            <a:cxnSpLocks/>
-          </p:cNvCxnSpPr>
-          <p:nvPr/>
-        </p:nvCxnSpPr>
-        <p:spPr>
-          <a:xfrm>
-            <a:off x="3587745" y="4291994"/>
+            <a:off x="3587745" y="2453700"/>
             <a:ext cx="2124000" cy="0"/>
           </a:xfrm>
           <a:prstGeom prst="straightConnector1">
@@ -3108,7 +3067,7 @@
         </p:nvSpPr>
         <p:spPr>
           <a:xfrm>
-            <a:off x="6304650" y="1175489"/>
+            <a:off x="6304650" y="1052944"/>
             <a:ext cx="1597104" cy="300082"/>
           </a:xfrm>
           <a:prstGeom prst="rect">
@@ -3145,7 +3104,7 @@
         </p:nvSpPr>
         <p:spPr>
           <a:xfrm>
-            <a:off x="1138668" y="2781778"/>
+            <a:off x="1138668" y="2659233"/>
             <a:ext cx="1929054" cy="507831"/>
           </a:xfrm>
           <a:prstGeom prst="rect">
@@ -3189,7 +3148,7 @@
         </p:nvSpPr>
         <p:spPr>
           <a:xfrm>
-            <a:off x="275593" y="2368029"/>
+            <a:off x="275593" y="2245487"/>
             <a:ext cx="1008609" cy="300082"/>
           </a:xfrm>
           <a:prstGeom prst="rect">
@@ -3225,7 +3184,7 @@
         </p:nvSpPr>
         <p:spPr>
           <a:xfrm>
-            <a:off x="275593" y="2067013"/>
+            <a:off x="275593" y="1944471"/>
             <a:ext cx="1124154" cy="300082"/>
           </a:xfrm>
           <a:prstGeom prst="rect">
@@ -3251,90 +3210,6 @@
               </a:rPr>
               <a:t>N/A</a:t>
             </a:r>
-          </a:p>
-        </p:txBody>
-      </p:sp>
-      <p:sp>
-        <p:nvSpPr>
-          <p:cNvPr id="7" name="TextBox 6">
-            <a:extLst>
-              <a:ext uri="{FF2B5EF4-FFF2-40B4-BE49-F238E27FC236}">
-                <a16:creationId xmlns:a16="http://schemas.microsoft.com/office/drawing/2014/main" id="{91F739BA-B0BB-43E2-AF11-9BCAFF7D75AB}"/>
-              </a:ext>
-            </a:extLst>
-          </p:cNvPr>
-          <p:cNvSpPr txBox="1"/>
-          <p:nvPr/>
-        </p:nvSpPr>
-        <p:spPr>
-          <a:xfrm>
-            <a:off x="275593" y="3782957"/>
-            <a:ext cx="1376082" cy="300082"/>
-          </a:xfrm>
-          <a:prstGeom prst="rect">
-            <a:avLst/>
-          </a:prstGeom>
-          <a:noFill/>
-        </p:spPr>
-        <p:txBody>
-          <a:bodyPr wrap="none" rtlCol="0">
-            <a:spAutoFit/>
-          </a:bodyPr>
-          <a:lstStyle/>
-          <a:p>
-            <a:r>
-              <a:rPr lang="sv-SE" sz="1350" dirty="0"/>
-              <a:t>EMV Online: </a:t>
-            </a:r>
-            <a:r>
-              <a:rPr lang="sv-SE" sz="1350" dirty="0">
-                <a:solidFill>
-                  <a:srgbClr val="C00000"/>
-                </a:solidFill>
-              </a:rPr>
-              <a:t>N/A</a:t>
-            </a:r>
-            <a:endParaRPr lang="en-US" sz="1350" dirty="0">
-              <a:solidFill>
-                <a:srgbClr val="C00000"/>
-              </a:solidFill>
-            </a:endParaRPr>
-          </a:p>
-        </p:txBody>
-      </p:sp>
-      <p:sp>
-        <p:nvSpPr>
-          <p:cNvPr id="8" name="TextBox 7">
-            <a:extLst>
-              <a:ext uri="{FF2B5EF4-FFF2-40B4-BE49-F238E27FC236}">
-                <a16:creationId xmlns:a16="http://schemas.microsoft.com/office/drawing/2014/main" id="{6FD53AAC-BCC3-45AC-B74F-7E5419343BD1}"/>
-              </a:ext>
-            </a:extLst>
-          </p:cNvPr>
-          <p:cNvSpPr txBox="1"/>
-          <p:nvPr/>
-        </p:nvSpPr>
-        <p:spPr>
-          <a:xfrm>
-            <a:off x="275594" y="4082535"/>
-            <a:ext cx="857671" cy="300082"/>
-          </a:xfrm>
-          <a:prstGeom prst="rect">
-            <a:avLst/>
-          </a:prstGeom>
-          <a:noFill/>
-        </p:spPr>
-        <p:txBody>
-          <a:bodyPr wrap="none" rtlCol="0">
-            <a:spAutoFit/>
-          </a:bodyPr>
-          <a:lstStyle/>
-          <a:p>
-            <a:r>
-              <a:rPr lang="sv-SE" sz="1350" dirty="0"/>
-              <a:t>EMV PoS:</a:t>
-            </a:r>
-            <a:endParaRPr lang="en-US" sz="1350" dirty="0"/>
           </a:p>
         </p:txBody>
       </p:sp>
@@ -3422,45 +3297,6 @@
       </p:pic>
       <p:pic>
         <p:nvPicPr>
-          <p:cNvPr id="20" name="Graphic 19">
-            <a:extLst>
-              <a:ext uri="{FF2B5EF4-FFF2-40B4-BE49-F238E27FC236}">
-                <a16:creationId xmlns:a16="http://schemas.microsoft.com/office/drawing/2014/main" id="{E0E139F0-D120-4C93-8436-CD213A0C5803}"/>
-              </a:ext>
-            </a:extLst>
-          </p:cNvPr>
-          <p:cNvPicPr>
-            <a:picLocks noChangeAspect="1"/>
-          </p:cNvPicPr>
-          <p:nvPr/>
-        </p:nvPicPr>
-        <p:blipFill>
-          <a:blip r:embed="rId2">
-            <a:extLst>
-              <a:ext uri="{28A0092B-C50C-407E-A947-70E740481C1C}">
-                <a14:useLocalDpi xmlns:a14="http://schemas.microsoft.com/office/drawing/2010/main" val="0"/>
-              </a:ext>
-              <a:ext uri="{96DAC541-7B7A-43D3-8B79-37D633B846F1}">
-                <asvg:svgBlip xmlns:asvg="http://schemas.microsoft.com/office/drawing/2016/SVG/main" r:embed="rId3"/>
-              </a:ext>
-            </a:extLst>
-          </a:blip>
-          <a:stretch>
-            <a:fillRect/>
-          </a:stretch>
-        </p:blipFill>
-        <p:spPr>
-          <a:xfrm>
-            <a:off x="8047579" y="4059452"/>
-            <a:ext cx="643500" cy="421200"/>
-          </a:xfrm>
-          <a:prstGeom prst="rect">
-            <a:avLst/>
-          </a:prstGeom>
-        </p:spPr>
-      </p:pic>
-      <p:pic>
-        <p:nvPicPr>
           <p:cNvPr id="26" name="Graphic 25">
             <a:extLst>
               <a:ext uri="{FF2B5EF4-FFF2-40B4-BE49-F238E27FC236}">
@@ -3490,7 +3326,7 @@
         </p:blipFill>
         <p:spPr>
           <a:xfrm>
-            <a:off x="8047579" y="2354102"/>
+            <a:off x="8047579" y="2231557"/>
             <a:ext cx="643500" cy="421200"/>
           </a:xfrm>
           <a:prstGeom prst="rect">
@@ -3512,7 +3348,7 @@
         </p:nvSpPr>
         <p:spPr>
           <a:xfrm>
-            <a:off x="4853307" y="1473680"/>
+            <a:off x="4853307" y="1351135"/>
             <a:ext cx="636024" cy="320777"/>
           </a:xfrm>
           <a:prstGeom prst="ellipse">
@@ -3601,7 +3437,7 @@
         </p:nvSpPr>
         <p:spPr>
           <a:xfrm>
-            <a:off x="6788835" y="1492060"/>
+            <a:off x="6788835" y="1369515"/>
             <a:ext cx="636024" cy="320777"/>
           </a:xfrm>
           <a:prstGeom prst="ellipse">
@@ -3690,7 +3526,7 @@
         </p:nvSpPr>
         <p:spPr>
           <a:xfrm>
-            <a:off x="4538751" y="1170161"/>
+            <a:off x="4538751" y="1047616"/>
             <a:ext cx="1200586" cy="300082"/>
           </a:xfrm>
           <a:prstGeom prst="rect">
@@ -3744,7 +3580,7 @@
         </p:blipFill>
         <p:spPr>
           <a:xfrm>
-            <a:off x="1882953" y="2361767"/>
+            <a:off x="1882953" y="2239222"/>
             <a:ext cx="421200" cy="421200"/>
           </a:xfrm>
           <a:prstGeom prst="rect">
@@ -3768,7 +3604,7 @@
         </p:nvCxnSpPr>
         <p:spPr>
           <a:xfrm flipV="1">
-            <a:off x="3568065" y="1724025"/>
+            <a:off x="3568065" y="1601480"/>
             <a:ext cx="1268730" cy="625470"/>
           </a:xfrm>
           <a:prstGeom prst="straightConnector1">
@@ -3810,7 +3646,7 @@
         </p:nvCxnSpPr>
         <p:spPr>
           <a:xfrm flipV="1">
-            <a:off x="3600000" y="1709018"/>
+            <a:off x="3600000" y="1586473"/>
             <a:ext cx="3145605" cy="738982"/>
           </a:xfrm>
           <a:prstGeom prst="straightConnector1">
@@ -3838,78 +3674,6 @@
       </p:cxnSp>
       <p:sp>
         <p:nvSpPr>
-          <p:cNvPr id="58" name="TextBox 57">
-            <a:extLst>
-              <a:ext uri="{FF2B5EF4-FFF2-40B4-BE49-F238E27FC236}">
-                <a16:creationId xmlns:a16="http://schemas.microsoft.com/office/drawing/2014/main" id="{81292F01-FC68-4B8D-9662-37ABA32DFA38}"/>
-              </a:ext>
-            </a:extLst>
-          </p:cNvPr>
-          <p:cNvSpPr txBox="1"/>
-          <p:nvPr/>
-        </p:nvSpPr>
-        <p:spPr>
-          <a:xfrm>
-            <a:off x="6448319" y="2675990"/>
-            <a:ext cx="1797461" cy="300082"/>
-          </a:xfrm>
-          <a:prstGeom prst="rect">
-            <a:avLst/>
-          </a:prstGeom>
-          <a:noFill/>
-        </p:spPr>
-        <p:txBody>
-          <a:bodyPr wrap="square" rtlCol="0">
-            <a:spAutoFit/>
-          </a:bodyPr>
-          <a:lstStyle/>
-          <a:p>
-            <a:r>
-              <a:rPr lang="sv-SE" sz="1350" dirty="0"/>
-              <a:t>BIN Database</a:t>
-            </a:r>
-            <a:endParaRPr lang="en-US" sz="1350" dirty="0"/>
-          </a:p>
-        </p:txBody>
-      </p:sp>
-      <p:sp>
-        <p:nvSpPr>
-          <p:cNvPr id="59" name="TextBox 58">
-            <a:extLst>
-              <a:ext uri="{FF2B5EF4-FFF2-40B4-BE49-F238E27FC236}">
-                <a16:creationId xmlns:a16="http://schemas.microsoft.com/office/drawing/2014/main" id="{4D380930-5F3D-46B0-A311-A6397D738D24}"/>
-              </a:ext>
-            </a:extLst>
-          </p:cNvPr>
-          <p:cNvSpPr txBox="1"/>
-          <p:nvPr/>
-        </p:nvSpPr>
-        <p:spPr>
-          <a:xfrm>
-            <a:off x="6448319" y="4388716"/>
-            <a:ext cx="1797461" cy="300082"/>
-          </a:xfrm>
-          <a:prstGeom prst="rect">
-            <a:avLst/>
-          </a:prstGeom>
-          <a:noFill/>
-        </p:spPr>
-        <p:txBody>
-          <a:bodyPr wrap="square" rtlCol="0">
-            <a:spAutoFit/>
-          </a:bodyPr>
-          <a:lstStyle/>
-          <a:p>
-            <a:r>
-              <a:rPr lang="sv-SE" sz="1350" dirty="0"/>
-              <a:t>BIN Database</a:t>
-            </a:r>
-            <a:endParaRPr lang="en-US" sz="1350" dirty="0"/>
-          </a:p>
-        </p:txBody>
-      </p:sp>
-      <p:sp>
-        <p:nvSpPr>
           <p:cNvPr id="65" name="TextBox 64">
             <a:extLst>
               <a:ext uri="{FF2B5EF4-FFF2-40B4-BE49-F238E27FC236}">
@@ -4070,52 +3834,7 @@
         </p:nvSpPr>
         <p:spPr>
           <a:xfrm>
-            <a:off x="4257987" y="2463281"/>
-            <a:ext cx="1019831" cy="216110"/>
-          </a:xfrm>
-          <a:prstGeom prst="rect">
-            <a:avLst/>
-          </a:prstGeom>
-          <a:solidFill>
-            <a:schemeClr val="bg1"/>
-          </a:solidFill>
-          <a:ln w="6350">
-            <a:solidFill>
-              <a:schemeClr val="accent1">
-                <a:shade val="50000"/>
-              </a:schemeClr>
-            </a:solidFill>
-          </a:ln>
-        </p:spPr>
-        <p:txBody>
-          <a:bodyPr wrap="none" tIns="27000" bIns="27000" rtlCol="0" anchor="ctr" anchorCtr="1">
-            <a:spAutoFit/>
-          </a:bodyPr>
-          <a:lstStyle/>
-          <a:p>
-            <a:r>
-              <a:rPr lang="sv-SE" sz="1050" dirty="0"/>
-              <a:t>Payment Order</a:t>
-            </a:r>
-            <a:endParaRPr lang="en-US" sz="1050" dirty="0"/>
-          </a:p>
-        </p:txBody>
-      </p:sp>
-      <p:sp>
-        <p:nvSpPr>
-          <p:cNvPr id="73" name="TextBox 72">
-            <a:extLst>
-              <a:ext uri="{FF2B5EF4-FFF2-40B4-BE49-F238E27FC236}">
-                <a16:creationId xmlns:a16="http://schemas.microsoft.com/office/drawing/2014/main" id="{D3F1E7FF-1E0A-42CB-A639-1D61B2BD901A}"/>
-              </a:ext>
-            </a:extLst>
-          </p:cNvPr>
-          <p:cNvSpPr txBox="1"/>
-          <p:nvPr/>
-        </p:nvSpPr>
-        <p:spPr>
-          <a:xfrm>
-            <a:off x="4257987" y="4179045"/>
+            <a:off x="4257987" y="2340736"/>
             <a:ext cx="1019831" cy="216110"/>
           </a:xfrm>
           <a:prstGeom prst="rect">
@@ -4207,7 +3926,7 @@
         </p:nvGrpSpPr>
         <p:grpSpPr>
           <a:xfrm>
-            <a:off x="3009745" y="2349494"/>
+            <a:off x="3009745" y="2226949"/>
             <a:ext cx="523971" cy="421200"/>
             <a:chOff x="1619672" y="3068960"/>
             <a:chExt cx="557162" cy="447881"/>
@@ -5373,1234 +5092,6 @@
                 <a:extLst>
                   <a:ext uri="{FF2B5EF4-FFF2-40B4-BE49-F238E27FC236}">
                     <a16:creationId xmlns:a16="http://schemas.microsoft.com/office/drawing/2014/main" id="{593D78B8-3C2E-43EC-943B-5E0B2F7007F1}"/>
-                  </a:ext>
-                </a:extLst>
-              </p:cNvPr>
-              <p:cNvSpPr/>
-              <p:nvPr/>
-            </p:nvSpPr>
-            <p:spPr>
-              <a:xfrm>
-                <a:off x="6059254" y="1773016"/>
-                <a:ext cx="612000" cy="1800000"/>
-              </a:xfrm>
-              <a:prstGeom prst="rect">
-                <a:avLst/>
-              </a:prstGeom>
-              <a:solidFill>
-                <a:sysClr val="window" lastClr="FFFFFF"/>
-              </a:solidFill>
-              <a:ln w="6350" cap="flat" cmpd="sng" algn="ctr">
-                <a:solidFill>
-                  <a:sysClr val="windowText" lastClr="000000">
-                    <a:lumMod val="50000"/>
-                    <a:lumOff val="50000"/>
-                  </a:sysClr>
-                </a:solidFill>
-                <a:prstDash val="solid"/>
-              </a:ln>
-              <a:effectLst/>
-            </p:spPr>
-            <p:txBody>
-              <a:bodyPr rtlCol="0" anchor="ctr"/>
-              <a:lstStyle/>
-              <a:p>
-                <a:pPr algn="ctr" defTabSz="685800">
-                  <a:defRPr/>
-                </a:pPr>
-                <a:endParaRPr lang="en-US" sz="1350" kern="0">
-                  <a:solidFill>
-                    <a:prstClr val="white"/>
-                  </a:solidFill>
-                  <a:latin typeface="Calibri"/>
-                </a:endParaRPr>
-              </a:p>
-            </p:txBody>
-          </p:sp>
-        </p:grpSp>
-      </p:grpSp>
-      <p:grpSp>
-        <p:nvGrpSpPr>
-          <p:cNvPr id="79" name="Group 78">
-            <a:extLst>
-              <a:ext uri="{FF2B5EF4-FFF2-40B4-BE49-F238E27FC236}">
-                <a16:creationId xmlns:a16="http://schemas.microsoft.com/office/drawing/2014/main" id="{700B540A-3DE9-4337-AB5C-1776A976FCDE}"/>
-              </a:ext>
-            </a:extLst>
-          </p:cNvPr>
-          <p:cNvGrpSpPr>
-            <a:grpSpLocks noChangeAspect="1"/>
-          </p:cNvGrpSpPr>
-          <p:nvPr/>
-        </p:nvGrpSpPr>
-        <p:grpSpPr>
-          <a:xfrm>
-            <a:off x="3009745" y="4062324"/>
-            <a:ext cx="523971" cy="421200"/>
-            <a:chOff x="1619672" y="3068960"/>
-            <a:chExt cx="557162" cy="447881"/>
-          </a:xfrm>
-        </p:grpSpPr>
-        <p:grpSp>
-          <p:nvGrpSpPr>
-            <p:cNvPr id="80" name="Group 79">
-              <a:extLst>
-                <a:ext uri="{FF2B5EF4-FFF2-40B4-BE49-F238E27FC236}">
-                  <a16:creationId xmlns:a16="http://schemas.microsoft.com/office/drawing/2014/main" id="{A5A6F142-DBA1-4796-B984-77B1617D7E98}"/>
-                </a:ext>
-              </a:extLst>
-            </p:cNvPr>
-            <p:cNvGrpSpPr/>
-            <p:nvPr/>
-          </p:nvGrpSpPr>
-          <p:grpSpPr>
-            <a:xfrm>
-              <a:off x="1649134" y="3237672"/>
-              <a:ext cx="510782" cy="279169"/>
-              <a:chOff x="1397693" y="2654334"/>
-              <a:chExt cx="510782" cy="279169"/>
-            </a:xfrm>
-            <a:effectLst/>
-          </p:grpSpPr>
-          <p:sp>
-            <p:nvSpPr>
-              <p:cNvPr id="100" name="Rectangle 99">
-                <a:extLst>
-                  <a:ext uri="{FF2B5EF4-FFF2-40B4-BE49-F238E27FC236}">
-                    <a16:creationId xmlns:a16="http://schemas.microsoft.com/office/drawing/2014/main" id="{9D99559D-9AEF-44DB-889C-57008A3C498B}"/>
-                  </a:ext>
-                </a:extLst>
-              </p:cNvPr>
-              <p:cNvSpPr/>
-              <p:nvPr/>
-            </p:nvSpPr>
-            <p:spPr>
-              <a:xfrm>
-                <a:off x="1441019" y="2654334"/>
-                <a:ext cx="426379" cy="261961"/>
-              </a:xfrm>
-              <a:prstGeom prst="rect">
-                <a:avLst/>
-              </a:prstGeom>
-              <a:gradFill>
-                <a:gsLst>
-                  <a:gs pos="625">
-                    <a:srgbClr val="E6E6E6"/>
-                  </a:gs>
-                  <a:gs pos="49000">
-                    <a:sysClr val="window" lastClr="FFFFFF"/>
-                  </a:gs>
-                  <a:gs pos="100000">
-                    <a:sysClr val="window" lastClr="FFFFFF">
-                      <a:lumMod val="95000"/>
-                    </a:sysClr>
-                  </a:gs>
-                  <a:gs pos="100000">
-                    <a:srgbClr val="E6E6E6"/>
-                  </a:gs>
-                </a:gsLst>
-                <a:lin ang="2700000" scaled="0"/>
-              </a:gradFill>
-              <a:ln w="6350" cap="flat" cmpd="sng" algn="ctr">
-                <a:solidFill>
-                  <a:sysClr val="window" lastClr="FFFFFF">
-                    <a:lumMod val="50000"/>
-                  </a:sysClr>
-                </a:solidFill>
-                <a:prstDash val="solid"/>
-              </a:ln>
-              <a:effectLst/>
-            </p:spPr>
-            <p:txBody>
-              <a:bodyPr rtlCol="0" anchor="ctr"/>
-              <a:lstStyle/>
-              <a:p>
-                <a:pPr algn="ctr" defTabSz="685800">
-                  <a:defRPr/>
-                </a:pPr>
-                <a:endParaRPr lang="en-US" sz="1350" kern="0">
-                  <a:solidFill>
-                    <a:prstClr val="white"/>
-                  </a:solidFill>
-                  <a:latin typeface="Calibri"/>
-                </a:endParaRPr>
-              </a:p>
-            </p:txBody>
-          </p:sp>
-          <p:sp>
-            <p:nvSpPr>
-              <p:cNvPr id="101" name="Rectangle 100">
-                <a:extLst>
-                  <a:ext uri="{FF2B5EF4-FFF2-40B4-BE49-F238E27FC236}">
-                    <a16:creationId xmlns:a16="http://schemas.microsoft.com/office/drawing/2014/main" id="{48333795-CBE4-4910-8D54-385AE5632978}"/>
-                  </a:ext>
-                </a:extLst>
-              </p:cNvPr>
-              <p:cNvSpPr/>
-              <p:nvPr/>
-            </p:nvSpPr>
-            <p:spPr>
-              <a:xfrm>
-                <a:off x="1475921" y="2730705"/>
-                <a:ext cx="92836" cy="195722"/>
-              </a:xfrm>
-              <a:prstGeom prst="rect">
-                <a:avLst/>
-              </a:prstGeom>
-              <a:solidFill>
-                <a:srgbClr val="9BBB59">
-                  <a:lumMod val="20000"/>
-                  <a:lumOff val="80000"/>
-                </a:srgbClr>
-              </a:solidFill>
-              <a:ln w="9525" cap="flat" cmpd="sng" algn="ctr">
-                <a:solidFill>
-                  <a:sysClr val="window" lastClr="FFFFFF">
-                    <a:lumMod val="50000"/>
-                  </a:sysClr>
-                </a:solidFill>
-                <a:prstDash val="solid"/>
-              </a:ln>
-              <a:effectLst/>
-            </p:spPr>
-            <p:txBody>
-              <a:bodyPr rtlCol="0" anchor="ctr"/>
-              <a:lstStyle/>
-              <a:p>
-                <a:pPr algn="ctr" defTabSz="685800">
-                  <a:defRPr/>
-                </a:pPr>
-                <a:endParaRPr lang="en-US" sz="1350" kern="0">
-                  <a:solidFill>
-                    <a:prstClr val="white"/>
-                  </a:solidFill>
-                  <a:latin typeface="Calibri"/>
-                </a:endParaRPr>
-              </a:p>
-            </p:txBody>
-          </p:sp>
-          <p:sp>
-            <p:nvSpPr>
-              <p:cNvPr id="102" name="Rectangle 101">
-                <a:extLst>
-                  <a:ext uri="{FF2B5EF4-FFF2-40B4-BE49-F238E27FC236}">
-                    <a16:creationId xmlns:a16="http://schemas.microsoft.com/office/drawing/2014/main" id="{1A57C79A-C9CF-4B77-9949-C29677570D17}"/>
-                  </a:ext>
-                </a:extLst>
-              </p:cNvPr>
-              <p:cNvSpPr/>
-              <p:nvPr/>
-            </p:nvSpPr>
-            <p:spPr>
-              <a:xfrm rot="5400000" flipH="1">
-                <a:off x="1651193" y="2695673"/>
-                <a:ext cx="136911" cy="206976"/>
-              </a:xfrm>
-              <a:prstGeom prst="rect">
-                <a:avLst/>
-              </a:prstGeom>
-              <a:solidFill>
-                <a:srgbClr val="4F81BD">
-                  <a:lumMod val="20000"/>
-                  <a:lumOff val="80000"/>
-                </a:srgbClr>
-              </a:solidFill>
-              <a:ln w="15875" cap="flat" cmpd="sng" algn="ctr">
-                <a:solidFill>
-                  <a:srgbClr val="1F497D">
-                    <a:lumMod val="40000"/>
-                    <a:lumOff val="60000"/>
-                  </a:srgbClr>
-                </a:solidFill>
-                <a:prstDash val="solid"/>
-              </a:ln>
-              <a:effectLst/>
-            </p:spPr>
-            <p:txBody>
-              <a:bodyPr rtlCol="0" anchor="ctr"/>
-              <a:lstStyle/>
-              <a:p>
-                <a:pPr algn="ctr" defTabSz="685800">
-                  <a:defRPr/>
-                </a:pPr>
-                <a:endParaRPr lang="en-US" sz="1350" kern="0">
-                  <a:solidFill>
-                    <a:prstClr val="white"/>
-                  </a:solidFill>
-                  <a:latin typeface="Calibri"/>
-                </a:endParaRPr>
-              </a:p>
-            </p:txBody>
-          </p:sp>
-          <p:cxnSp>
-            <p:nvCxnSpPr>
-              <p:cNvPr id="103" name="Straight Connector 102">
-                <a:extLst>
-                  <a:ext uri="{FF2B5EF4-FFF2-40B4-BE49-F238E27FC236}">
-                    <a16:creationId xmlns:a16="http://schemas.microsoft.com/office/drawing/2014/main" id="{038A44B0-2448-493F-B0A8-322A97EAF064}"/>
-                  </a:ext>
-                </a:extLst>
-              </p:cNvPr>
-              <p:cNvCxnSpPr>
-                <a:stCxn id="101" idx="3"/>
-                <a:endCxn id="101" idx="3"/>
-              </p:cNvCxnSpPr>
-              <p:nvPr/>
-            </p:nvCxnSpPr>
-            <p:spPr>
-              <a:xfrm>
-                <a:off x="1568757" y="2828566"/>
-                <a:ext cx="0" cy="0"/>
-              </a:xfrm>
-              <a:prstGeom prst="line">
-                <a:avLst/>
-              </a:prstGeom>
-              <a:noFill/>
-              <a:ln w="9525" cap="flat" cmpd="sng" algn="ctr">
-                <a:solidFill>
-                  <a:srgbClr val="4F81BD">
-                    <a:shade val="95000"/>
-                    <a:satMod val="105000"/>
-                  </a:srgbClr>
-                </a:solidFill>
-                <a:prstDash val="solid"/>
-              </a:ln>
-              <a:effectLst/>
-            </p:spPr>
-          </p:cxnSp>
-          <p:sp>
-            <p:nvSpPr>
-              <p:cNvPr id="104" name="Rectangle 103">
-                <a:extLst>
-                  <a:ext uri="{FF2B5EF4-FFF2-40B4-BE49-F238E27FC236}">
-                    <a16:creationId xmlns:a16="http://schemas.microsoft.com/office/drawing/2014/main" id="{5579AC02-63B6-43DC-BCAF-E10A5258C226}"/>
-                  </a:ext>
-                </a:extLst>
-              </p:cNvPr>
-              <p:cNvSpPr/>
-              <p:nvPr/>
-            </p:nvSpPr>
-            <p:spPr>
-              <a:xfrm>
-                <a:off x="1397693" y="2915503"/>
-                <a:ext cx="510782" cy="18000"/>
-              </a:xfrm>
-              <a:prstGeom prst="rect">
-                <a:avLst/>
-              </a:prstGeom>
-              <a:solidFill>
-                <a:srgbClr val="FDFAC7"/>
-              </a:solidFill>
-              <a:ln w="6350" cap="flat" cmpd="sng" algn="ctr">
-                <a:solidFill>
-                  <a:sysClr val="window" lastClr="FFFFFF">
-                    <a:lumMod val="50000"/>
-                  </a:sysClr>
-                </a:solidFill>
-                <a:prstDash val="solid"/>
-              </a:ln>
-              <a:effectLst/>
-            </p:spPr>
-            <p:txBody>
-              <a:bodyPr rtlCol="0" anchor="ctr"/>
-              <a:lstStyle/>
-              <a:p>
-                <a:pPr algn="ctr" defTabSz="685800">
-                  <a:defRPr/>
-                </a:pPr>
-                <a:endParaRPr lang="en-US" sz="1350" kern="0">
-                  <a:solidFill>
-                    <a:prstClr val="white"/>
-                  </a:solidFill>
-                  <a:latin typeface="Calibri"/>
-                </a:endParaRPr>
-              </a:p>
-            </p:txBody>
-          </p:sp>
-        </p:grpSp>
-        <p:grpSp>
-          <p:nvGrpSpPr>
-            <p:cNvPr id="81" name="Group 80">
-              <a:extLst>
-                <a:ext uri="{FF2B5EF4-FFF2-40B4-BE49-F238E27FC236}">
-                  <a16:creationId xmlns:a16="http://schemas.microsoft.com/office/drawing/2014/main" id="{779DEB5F-513A-415D-ABF2-ED8D31C8CC5F}"/>
-                </a:ext>
-              </a:extLst>
-            </p:cNvPr>
-            <p:cNvGrpSpPr/>
-            <p:nvPr/>
-          </p:nvGrpSpPr>
-          <p:grpSpPr>
-            <a:xfrm>
-              <a:off x="1619672" y="3068960"/>
-              <a:ext cx="557162" cy="182081"/>
-              <a:chOff x="1727752" y="1773016"/>
-              <a:chExt cx="5562290" cy="2016024"/>
-            </a:xfrm>
-            <a:effectLst>
-              <a:outerShdw blurRad="50800" dist="38100" dir="2700000" algn="tl" rotWithShape="0">
-                <a:prstClr val="black">
-                  <a:alpha val="40000"/>
-                </a:prstClr>
-              </a:outerShdw>
-            </a:effectLst>
-          </p:grpSpPr>
-          <p:sp>
-            <p:nvSpPr>
-              <p:cNvPr id="82" name="Oval 81">
-                <a:extLst>
-                  <a:ext uri="{FF2B5EF4-FFF2-40B4-BE49-F238E27FC236}">
-                    <a16:creationId xmlns:a16="http://schemas.microsoft.com/office/drawing/2014/main" id="{96B6469E-F3E6-48FB-ACB6-2358E629C25C}"/>
-                  </a:ext>
-                </a:extLst>
-              </p:cNvPr>
-              <p:cNvSpPr/>
-              <p:nvPr/>
-            </p:nvSpPr>
-            <p:spPr>
-              <a:xfrm>
-                <a:off x="1727752" y="3429000"/>
-                <a:ext cx="612000" cy="360040"/>
-              </a:xfrm>
-              <a:prstGeom prst="ellipse">
-                <a:avLst/>
-              </a:prstGeom>
-              <a:solidFill>
-                <a:srgbClr val="FF0000"/>
-              </a:solidFill>
-              <a:ln w="6350" cap="flat" cmpd="sng" algn="ctr">
-                <a:solidFill>
-                  <a:sysClr val="windowText" lastClr="000000">
-                    <a:lumMod val="50000"/>
-                    <a:lumOff val="50000"/>
-                  </a:sysClr>
-                </a:solidFill>
-                <a:prstDash val="solid"/>
-              </a:ln>
-              <a:effectLst/>
-            </p:spPr>
-            <p:txBody>
-              <a:bodyPr rtlCol="0" anchor="ctr"/>
-              <a:lstStyle/>
-              <a:p>
-                <a:pPr algn="ctr" defTabSz="685800">
-                  <a:defRPr/>
-                </a:pPr>
-                <a:endParaRPr lang="en-US" sz="1350" kern="0">
-                  <a:solidFill>
-                    <a:prstClr val="white"/>
-                  </a:solidFill>
-                  <a:latin typeface="Calibri"/>
-                </a:endParaRPr>
-              </a:p>
-            </p:txBody>
-          </p:sp>
-          <p:sp>
-            <p:nvSpPr>
-              <p:cNvPr id="83" name="Oval 82">
-                <a:extLst>
-                  <a:ext uri="{FF2B5EF4-FFF2-40B4-BE49-F238E27FC236}">
-                    <a16:creationId xmlns:a16="http://schemas.microsoft.com/office/drawing/2014/main" id="{3098A061-408C-4DFA-AE4B-33ACADF97C9B}"/>
-                  </a:ext>
-                </a:extLst>
-              </p:cNvPr>
-              <p:cNvSpPr/>
-              <p:nvPr/>
-            </p:nvSpPr>
-            <p:spPr>
-              <a:xfrm>
-                <a:off x="2965324" y="3429000"/>
-                <a:ext cx="612000" cy="360040"/>
-              </a:xfrm>
-              <a:prstGeom prst="ellipse">
-                <a:avLst/>
-              </a:prstGeom>
-              <a:solidFill>
-                <a:srgbClr val="FF0000"/>
-              </a:solidFill>
-              <a:ln w="6350" cap="flat" cmpd="sng" algn="ctr">
-                <a:solidFill>
-                  <a:sysClr val="windowText" lastClr="000000">
-                    <a:lumMod val="50000"/>
-                    <a:lumOff val="50000"/>
-                  </a:sysClr>
-                </a:solidFill>
-                <a:prstDash val="solid"/>
-              </a:ln>
-              <a:effectLst/>
-            </p:spPr>
-            <p:txBody>
-              <a:bodyPr rtlCol="0" anchor="ctr"/>
-              <a:lstStyle/>
-              <a:p>
-                <a:pPr algn="ctr" defTabSz="685800">
-                  <a:defRPr/>
-                </a:pPr>
-                <a:endParaRPr lang="en-US" sz="1350" kern="0">
-                  <a:solidFill>
-                    <a:prstClr val="white"/>
-                  </a:solidFill>
-                  <a:latin typeface="Calibri"/>
-                </a:endParaRPr>
-              </a:p>
-            </p:txBody>
-          </p:sp>
-          <p:sp>
-            <p:nvSpPr>
-              <p:cNvPr id="84" name="Oval 83">
-                <a:extLst>
-                  <a:ext uri="{FF2B5EF4-FFF2-40B4-BE49-F238E27FC236}">
-                    <a16:creationId xmlns:a16="http://schemas.microsoft.com/office/drawing/2014/main" id="{A6AE0BBE-33C9-4EDD-AE47-E056169E2006}"/>
-                  </a:ext>
-                </a:extLst>
-              </p:cNvPr>
-              <p:cNvSpPr/>
-              <p:nvPr/>
-            </p:nvSpPr>
-            <p:spPr>
-              <a:xfrm>
-                <a:off x="4202896" y="3429000"/>
-                <a:ext cx="612000" cy="360040"/>
-              </a:xfrm>
-              <a:prstGeom prst="ellipse">
-                <a:avLst/>
-              </a:prstGeom>
-              <a:solidFill>
-                <a:srgbClr val="FF0000"/>
-              </a:solidFill>
-              <a:ln w="6350" cap="flat" cmpd="sng" algn="ctr">
-                <a:solidFill>
-                  <a:sysClr val="windowText" lastClr="000000">
-                    <a:lumMod val="50000"/>
-                    <a:lumOff val="50000"/>
-                  </a:sysClr>
-                </a:solidFill>
-                <a:prstDash val="solid"/>
-              </a:ln>
-              <a:effectLst/>
-            </p:spPr>
-            <p:txBody>
-              <a:bodyPr rtlCol="0" anchor="ctr"/>
-              <a:lstStyle/>
-              <a:p>
-                <a:pPr algn="ctr" defTabSz="685800">
-                  <a:defRPr/>
-                </a:pPr>
-                <a:endParaRPr lang="en-US" sz="1350" kern="0">
-                  <a:solidFill>
-                    <a:prstClr val="white"/>
-                  </a:solidFill>
-                  <a:latin typeface="Calibri"/>
-                </a:endParaRPr>
-              </a:p>
-            </p:txBody>
-          </p:sp>
-          <p:sp>
-            <p:nvSpPr>
-              <p:cNvPr id="85" name="Oval 84">
-                <a:extLst>
-                  <a:ext uri="{FF2B5EF4-FFF2-40B4-BE49-F238E27FC236}">
-                    <a16:creationId xmlns:a16="http://schemas.microsoft.com/office/drawing/2014/main" id="{1011229C-C0E6-46FA-955B-BA5E46A62D53}"/>
-                  </a:ext>
-                </a:extLst>
-              </p:cNvPr>
-              <p:cNvSpPr/>
-              <p:nvPr/>
-            </p:nvSpPr>
-            <p:spPr>
-              <a:xfrm>
-                <a:off x="5440468" y="3429000"/>
-                <a:ext cx="612000" cy="360040"/>
-              </a:xfrm>
-              <a:prstGeom prst="ellipse">
-                <a:avLst/>
-              </a:prstGeom>
-              <a:solidFill>
-                <a:srgbClr val="FF0000"/>
-              </a:solidFill>
-              <a:ln w="6350" cap="flat" cmpd="sng" algn="ctr">
-                <a:solidFill>
-                  <a:sysClr val="windowText" lastClr="000000">
-                    <a:lumMod val="50000"/>
-                    <a:lumOff val="50000"/>
-                  </a:sysClr>
-                </a:solidFill>
-                <a:prstDash val="solid"/>
-              </a:ln>
-              <a:effectLst/>
-            </p:spPr>
-            <p:txBody>
-              <a:bodyPr rtlCol="0" anchor="ctr"/>
-              <a:lstStyle/>
-              <a:p>
-                <a:pPr algn="ctr" defTabSz="685800">
-                  <a:defRPr/>
-                </a:pPr>
-                <a:endParaRPr lang="en-US" sz="1350" kern="0">
-                  <a:solidFill>
-                    <a:prstClr val="white"/>
-                  </a:solidFill>
-                  <a:latin typeface="Calibri"/>
-                </a:endParaRPr>
-              </a:p>
-            </p:txBody>
-          </p:sp>
-          <p:sp>
-            <p:nvSpPr>
-              <p:cNvPr id="86" name="Oval 85">
-                <a:extLst>
-                  <a:ext uri="{FF2B5EF4-FFF2-40B4-BE49-F238E27FC236}">
-                    <a16:creationId xmlns:a16="http://schemas.microsoft.com/office/drawing/2014/main" id="{109FD3CC-F406-4E13-8B83-A590D11D5638}"/>
-                  </a:ext>
-                </a:extLst>
-              </p:cNvPr>
-              <p:cNvSpPr/>
-              <p:nvPr/>
-            </p:nvSpPr>
-            <p:spPr>
-              <a:xfrm>
-                <a:off x="6678042" y="3429000"/>
-                <a:ext cx="612000" cy="360040"/>
-              </a:xfrm>
-              <a:prstGeom prst="ellipse">
-                <a:avLst/>
-              </a:prstGeom>
-              <a:solidFill>
-                <a:srgbClr val="FF0000"/>
-              </a:solidFill>
-              <a:ln w="6350" cap="flat" cmpd="sng" algn="ctr">
-                <a:solidFill>
-                  <a:sysClr val="windowText" lastClr="000000">
-                    <a:lumMod val="50000"/>
-                    <a:lumOff val="50000"/>
-                  </a:sysClr>
-                </a:solidFill>
-                <a:prstDash val="solid"/>
-              </a:ln>
-              <a:effectLst/>
-            </p:spPr>
-            <p:txBody>
-              <a:bodyPr rtlCol="0" anchor="ctr"/>
-              <a:lstStyle/>
-              <a:p>
-                <a:pPr algn="ctr" defTabSz="685800">
-                  <a:defRPr/>
-                </a:pPr>
-                <a:endParaRPr lang="en-US" sz="1350" kern="0">
-                  <a:solidFill>
-                    <a:prstClr val="white"/>
-                  </a:solidFill>
-                  <a:latin typeface="Calibri"/>
-                </a:endParaRPr>
-              </a:p>
-            </p:txBody>
-          </p:sp>
-          <p:sp>
-            <p:nvSpPr>
-              <p:cNvPr id="87" name="Oval 86">
-                <a:extLst>
-                  <a:ext uri="{FF2B5EF4-FFF2-40B4-BE49-F238E27FC236}">
-                    <a16:creationId xmlns:a16="http://schemas.microsoft.com/office/drawing/2014/main" id="{02D2A757-7CC5-479A-B245-DF9602DF748F}"/>
-                  </a:ext>
-                </a:extLst>
-              </p:cNvPr>
-              <p:cNvSpPr/>
-              <p:nvPr/>
-            </p:nvSpPr>
-            <p:spPr>
-              <a:xfrm>
-                <a:off x="2346538" y="3429000"/>
-                <a:ext cx="612000" cy="360040"/>
-              </a:xfrm>
-              <a:prstGeom prst="ellipse">
-                <a:avLst/>
-              </a:prstGeom>
-              <a:solidFill>
-                <a:sysClr val="window" lastClr="FFFFFF"/>
-              </a:solidFill>
-              <a:ln w="6350" cap="flat" cmpd="sng" algn="ctr">
-                <a:solidFill>
-                  <a:sysClr val="windowText" lastClr="000000">
-                    <a:lumMod val="50000"/>
-                    <a:lumOff val="50000"/>
-                  </a:sysClr>
-                </a:solidFill>
-                <a:prstDash val="solid"/>
-              </a:ln>
-              <a:effectLst/>
-            </p:spPr>
-            <p:txBody>
-              <a:bodyPr rtlCol="0" anchor="ctr"/>
-              <a:lstStyle/>
-              <a:p>
-                <a:pPr algn="ctr" defTabSz="685800">
-                  <a:defRPr/>
-                </a:pPr>
-                <a:endParaRPr lang="en-US" sz="1350" kern="0">
-                  <a:solidFill>
-                    <a:prstClr val="white"/>
-                  </a:solidFill>
-                  <a:latin typeface="Calibri"/>
-                </a:endParaRPr>
-              </a:p>
-            </p:txBody>
-          </p:sp>
-          <p:sp>
-            <p:nvSpPr>
-              <p:cNvPr id="88" name="Oval 87">
-                <a:extLst>
-                  <a:ext uri="{FF2B5EF4-FFF2-40B4-BE49-F238E27FC236}">
-                    <a16:creationId xmlns:a16="http://schemas.microsoft.com/office/drawing/2014/main" id="{CBC61A27-76B0-4895-828C-E9CDBA5C8D35}"/>
-                  </a:ext>
-                </a:extLst>
-              </p:cNvPr>
-              <p:cNvSpPr/>
-              <p:nvPr/>
-            </p:nvSpPr>
-            <p:spPr>
-              <a:xfrm>
-                <a:off x="3584110" y="3429000"/>
-                <a:ext cx="612000" cy="360040"/>
-              </a:xfrm>
-              <a:prstGeom prst="ellipse">
-                <a:avLst/>
-              </a:prstGeom>
-              <a:solidFill>
-                <a:sysClr val="window" lastClr="FFFFFF"/>
-              </a:solidFill>
-              <a:ln w="6350" cap="flat" cmpd="sng" algn="ctr">
-                <a:solidFill>
-                  <a:sysClr val="windowText" lastClr="000000">
-                    <a:lumMod val="50000"/>
-                    <a:lumOff val="50000"/>
-                  </a:sysClr>
-                </a:solidFill>
-                <a:prstDash val="solid"/>
-              </a:ln>
-              <a:effectLst/>
-            </p:spPr>
-            <p:txBody>
-              <a:bodyPr rtlCol="0" anchor="ctr"/>
-              <a:lstStyle/>
-              <a:p>
-                <a:pPr algn="ctr" defTabSz="685800">
-                  <a:defRPr/>
-                </a:pPr>
-                <a:endParaRPr lang="en-US" sz="1350" kern="0">
-                  <a:solidFill>
-                    <a:prstClr val="white"/>
-                  </a:solidFill>
-                  <a:latin typeface="Calibri"/>
-                </a:endParaRPr>
-              </a:p>
-            </p:txBody>
-          </p:sp>
-          <p:sp>
-            <p:nvSpPr>
-              <p:cNvPr id="89" name="Oval 88">
-                <a:extLst>
-                  <a:ext uri="{FF2B5EF4-FFF2-40B4-BE49-F238E27FC236}">
-                    <a16:creationId xmlns:a16="http://schemas.microsoft.com/office/drawing/2014/main" id="{4D65E7AB-2AE6-481E-B753-31682B709FDF}"/>
-                  </a:ext>
-                </a:extLst>
-              </p:cNvPr>
-              <p:cNvSpPr/>
-              <p:nvPr/>
-            </p:nvSpPr>
-            <p:spPr>
-              <a:xfrm>
-                <a:off x="4821682" y="3429000"/>
-                <a:ext cx="612000" cy="360040"/>
-              </a:xfrm>
-              <a:prstGeom prst="ellipse">
-                <a:avLst/>
-              </a:prstGeom>
-              <a:solidFill>
-                <a:sysClr val="window" lastClr="FFFFFF"/>
-              </a:solidFill>
-              <a:ln w="6350" cap="flat" cmpd="sng" algn="ctr">
-                <a:solidFill>
-                  <a:sysClr val="windowText" lastClr="000000">
-                    <a:lumMod val="50000"/>
-                    <a:lumOff val="50000"/>
-                  </a:sysClr>
-                </a:solidFill>
-                <a:prstDash val="solid"/>
-              </a:ln>
-              <a:effectLst/>
-            </p:spPr>
-            <p:txBody>
-              <a:bodyPr rtlCol="0" anchor="ctr"/>
-              <a:lstStyle/>
-              <a:p>
-                <a:pPr algn="ctr" defTabSz="685800">
-                  <a:defRPr/>
-                </a:pPr>
-                <a:endParaRPr lang="en-US" sz="1350" kern="0">
-                  <a:solidFill>
-                    <a:prstClr val="white"/>
-                  </a:solidFill>
-                  <a:latin typeface="Calibri"/>
-                </a:endParaRPr>
-              </a:p>
-            </p:txBody>
-          </p:sp>
-          <p:sp>
-            <p:nvSpPr>
-              <p:cNvPr id="90" name="Oval 89">
-                <a:extLst>
-                  <a:ext uri="{FF2B5EF4-FFF2-40B4-BE49-F238E27FC236}">
-                    <a16:creationId xmlns:a16="http://schemas.microsoft.com/office/drawing/2014/main" id="{DF5E02CC-963C-40E6-BBFD-B5AF4B41F3B2}"/>
-                  </a:ext>
-                </a:extLst>
-              </p:cNvPr>
-              <p:cNvSpPr/>
-              <p:nvPr/>
-            </p:nvSpPr>
-            <p:spPr>
-              <a:xfrm>
-                <a:off x="6059254" y="3429000"/>
-                <a:ext cx="612000" cy="360040"/>
-              </a:xfrm>
-              <a:prstGeom prst="ellipse">
-                <a:avLst/>
-              </a:prstGeom>
-              <a:solidFill>
-                <a:sysClr val="window" lastClr="FFFFFF"/>
-              </a:solidFill>
-              <a:ln w="6350" cap="flat" cmpd="sng" algn="ctr">
-                <a:solidFill>
-                  <a:sysClr val="windowText" lastClr="000000">
-                    <a:lumMod val="50000"/>
-                    <a:lumOff val="50000"/>
-                  </a:sysClr>
-                </a:solidFill>
-                <a:prstDash val="solid"/>
-              </a:ln>
-              <a:effectLst/>
-            </p:spPr>
-            <p:txBody>
-              <a:bodyPr rtlCol="0" anchor="ctr"/>
-              <a:lstStyle/>
-              <a:p>
-                <a:pPr algn="ctr" defTabSz="685800">
-                  <a:defRPr/>
-                </a:pPr>
-                <a:endParaRPr lang="en-US" sz="1350" kern="0">
-                  <a:solidFill>
-                    <a:prstClr val="white"/>
-                  </a:solidFill>
-                  <a:latin typeface="Calibri"/>
-                </a:endParaRPr>
-              </a:p>
-            </p:txBody>
-          </p:sp>
-          <p:sp>
-            <p:nvSpPr>
-              <p:cNvPr id="91" name="Right Triangle 90">
-                <a:extLst>
-                  <a:ext uri="{FF2B5EF4-FFF2-40B4-BE49-F238E27FC236}">
-                    <a16:creationId xmlns:a16="http://schemas.microsoft.com/office/drawing/2014/main" id="{D7F05B4C-96B6-435C-B2FA-2BAB9614C5A3}"/>
-                  </a:ext>
-                </a:extLst>
-              </p:cNvPr>
-              <p:cNvSpPr/>
-              <p:nvPr/>
-            </p:nvSpPr>
-            <p:spPr>
-              <a:xfrm flipH="1">
-                <a:off x="1727752" y="1773016"/>
-                <a:ext cx="612000" cy="1800000"/>
-              </a:xfrm>
-              <a:prstGeom prst="rtTriangle">
-                <a:avLst/>
-              </a:prstGeom>
-              <a:solidFill>
-                <a:srgbClr val="FF0000"/>
-              </a:solidFill>
-              <a:ln w="6350" cap="flat" cmpd="sng" algn="ctr">
-                <a:solidFill>
-                  <a:sysClr val="windowText" lastClr="000000">
-                    <a:lumMod val="50000"/>
-                    <a:lumOff val="50000"/>
-                  </a:sysClr>
-                </a:solidFill>
-                <a:prstDash val="solid"/>
-              </a:ln>
-              <a:effectLst/>
-            </p:spPr>
-            <p:txBody>
-              <a:bodyPr rtlCol="0" anchor="ctr"/>
-              <a:lstStyle/>
-              <a:p>
-                <a:pPr algn="ctr" defTabSz="685800">
-                  <a:defRPr/>
-                </a:pPr>
-                <a:endParaRPr lang="en-US" sz="1350" kern="0">
-                  <a:solidFill>
-                    <a:prstClr val="white"/>
-                  </a:solidFill>
-                  <a:latin typeface="Calibri"/>
-                </a:endParaRPr>
-              </a:p>
-            </p:txBody>
-          </p:sp>
-          <p:sp>
-            <p:nvSpPr>
-              <p:cNvPr id="92" name="Rectangle 91">
-                <a:extLst>
-                  <a:ext uri="{FF2B5EF4-FFF2-40B4-BE49-F238E27FC236}">
-                    <a16:creationId xmlns:a16="http://schemas.microsoft.com/office/drawing/2014/main" id="{B3DD3F2E-40D3-42AD-995A-F0FB3111E73F}"/>
-                  </a:ext>
-                </a:extLst>
-              </p:cNvPr>
-              <p:cNvSpPr/>
-              <p:nvPr/>
-            </p:nvSpPr>
-            <p:spPr>
-              <a:xfrm>
-                <a:off x="2965324" y="1773016"/>
-                <a:ext cx="612000" cy="1800000"/>
-              </a:xfrm>
-              <a:prstGeom prst="rect">
-                <a:avLst/>
-              </a:prstGeom>
-              <a:solidFill>
-                <a:srgbClr val="FF0000"/>
-              </a:solidFill>
-              <a:ln w="6350" cap="flat" cmpd="sng" algn="ctr">
-                <a:solidFill>
-                  <a:sysClr val="windowText" lastClr="000000">
-                    <a:lumMod val="50000"/>
-                    <a:lumOff val="50000"/>
-                  </a:sysClr>
-                </a:solidFill>
-                <a:prstDash val="solid"/>
-              </a:ln>
-              <a:effectLst/>
-            </p:spPr>
-            <p:txBody>
-              <a:bodyPr rtlCol="0" anchor="ctr"/>
-              <a:lstStyle/>
-              <a:p>
-                <a:pPr algn="ctr" defTabSz="685800">
-                  <a:defRPr/>
-                </a:pPr>
-                <a:endParaRPr lang="en-US" sz="1350" kern="0">
-                  <a:solidFill>
-                    <a:prstClr val="white"/>
-                  </a:solidFill>
-                  <a:latin typeface="Calibri"/>
-                </a:endParaRPr>
-              </a:p>
-            </p:txBody>
-          </p:sp>
-          <p:sp>
-            <p:nvSpPr>
-              <p:cNvPr id="93" name="Rectangle 92">
-                <a:extLst>
-                  <a:ext uri="{FF2B5EF4-FFF2-40B4-BE49-F238E27FC236}">
-                    <a16:creationId xmlns:a16="http://schemas.microsoft.com/office/drawing/2014/main" id="{88891182-1086-443A-8C94-8DB0EF5DA716}"/>
-                  </a:ext>
-                </a:extLst>
-              </p:cNvPr>
-              <p:cNvSpPr/>
-              <p:nvPr/>
-            </p:nvSpPr>
-            <p:spPr>
-              <a:xfrm>
-                <a:off x="4202896" y="1773016"/>
-                <a:ext cx="612000" cy="1800000"/>
-              </a:xfrm>
-              <a:prstGeom prst="rect">
-                <a:avLst/>
-              </a:prstGeom>
-              <a:solidFill>
-                <a:srgbClr val="FF0000"/>
-              </a:solidFill>
-              <a:ln w="6350" cap="flat" cmpd="sng" algn="ctr">
-                <a:solidFill>
-                  <a:sysClr val="windowText" lastClr="000000">
-                    <a:lumMod val="50000"/>
-                    <a:lumOff val="50000"/>
-                  </a:sysClr>
-                </a:solidFill>
-                <a:prstDash val="solid"/>
-              </a:ln>
-              <a:effectLst/>
-            </p:spPr>
-            <p:txBody>
-              <a:bodyPr rtlCol="0" anchor="ctr"/>
-              <a:lstStyle/>
-              <a:p>
-                <a:pPr algn="ctr" defTabSz="685800">
-                  <a:defRPr/>
-                </a:pPr>
-                <a:endParaRPr lang="en-US" sz="1350" kern="0">
-                  <a:solidFill>
-                    <a:prstClr val="white"/>
-                  </a:solidFill>
-                  <a:latin typeface="Calibri"/>
-                </a:endParaRPr>
-              </a:p>
-            </p:txBody>
-          </p:sp>
-          <p:sp>
-            <p:nvSpPr>
-              <p:cNvPr id="94" name="Rectangle 93">
-                <a:extLst>
-                  <a:ext uri="{FF2B5EF4-FFF2-40B4-BE49-F238E27FC236}">
-                    <a16:creationId xmlns:a16="http://schemas.microsoft.com/office/drawing/2014/main" id="{0D4BEB3E-1E15-4569-B49C-A5DBCE482E9C}"/>
-                  </a:ext>
-                </a:extLst>
-              </p:cNvPr>
-              <p:cNvSpPr/>
-              <p:nvPr/>
-            </p:nvSpPr>
-            <p:spPr>
-              <a:xfrm>
-                <a:off x="5440468" y="1773016"/>
-                <a:ext cx="612000" cy="1800000"/>
-              </a:xfrm>
-              <a:prstGeom prst="rect">
-                <a:avLst/>
-              </a:prstGeom>
-              <a:solidFill>
-                <a:srgbClr val="FF0000"/>
-              </a:solidFill>
-              <a:ln w="6350" cap="flat" cmpd="sng" algn="ctr">
-                <a:solidFill>
-                  <a:sysClr val="windowText" lastClr="000000">
-                    <a:lumMod val="50000"/>
-                    <a:lumOff val="50000"/>
-                  </a:sysClr>
-                </a:solidFill>
-                <a:prstDash val="solid"/>
-              </a:ln>
-              <a:effectLst/>
-            </p:spPr>
-            <p:txBody>
-              <a:bodyPr rtlCol="0" anchor="ctr"/>
-              <a:lstStyle/>
-              <a:p>
-                <a:pPr algn="ctr" defTabSz="685800">
-                  <a:defRPr/>
-                </a:pPr>
-                <a:endParaRPr lang="en-US" sz="1350" kern="0">
-                  <a:solidFill>
-                    <a:prstClr val="white"/>
-                  </a:solidFill>
-                  <a:latin typeface="Calibri"/>
-                </a:endParaRPr>
-              </a:p>
-            </p:txBody>
-          </p:sp>
-          <p:sp>
-            <p:nvSpPr>
-              <p:cNvPr id="95" name="Right Triangle 94">
-                <a:extLst>
-                  <a:ext uri="{FF2B5EF4-FFF2-40B4-BE49-F238E27FC236}">
-                    <a16:creationId xmlns:a16="http://schemas.microsoft.com/office/drawing/2014/main" id="{02618295-C914-4949-BD36-1A19D424E92C}"/>
-                  </a:ext>
-                </a:extLst>
-              </p:cNvPr>
-              <p:cNvSpPr/>
-              <p:nvPr/>
-            </p:nvSpPr>
-            <p:spPr>
-              <a:xfrm>
-                <a:off x="6678042" y="1773016"/>
-                <a:ext cx="612000" cy="1800000"/>
-              </a:xfrm>
-              <a:prstGeom prst="rtTriangle">
-                <a:avLst/>
-              </a:prstGeom>
-              <a:solidFill>
-                <a:srgbClr val="FF0000"/>
-              </a:solidFill>
-              <a:ln w="6350" cap="flat" cmpd="sng" algn="ctr">
-                <a:solidFill>
-                  <a:sysClr val="windowText" lastClr="000000">
-                    <a:lumMod val="50000"/>
-                    <a:lumOff val="50000"/>
-                  </a:sysClr>
-                </a:solidFill>
-                <a:prstDash val="solid"/>
-              </a:ln>
-              <a:effectLst/>
-            </p:spPr>
-            <p:txBody>
-              <a:bodyPr rtlCol="0" anchor="ctr"/>
-              <a:lstStyle/>
-              <a:p>
-                <a:pPr algn="ctr" defTabSz="685800">
-                  <a:defRPr/>
-                </a:pPr>
-                <a:endParaRPr lang="en-US" sz="1350" kern="0">
-                  <a:solidFill>
-                    <a:prstClr val="white"/>
-                  </a:solidFill>
-                  <a:latin typeface="Calibri"/>
-                </a:endParaRPr>
-              </a:p>
-            </p:txBody>
-          </p:sp>
-          <p:sp>
-            <p:nvSpPr>
-              <p:cNvPr id="96" name="Rectangle 95">
-                <a:extLst>
-                  <a:ext uri="{FF2B5EF4-FFF2-40B4-BE49-F238E27FC236}">
-                    <a16:creationId xmlns:a16="http://schemas.microsoft.com/office/drawing/2014/main" id="{6FE3178F-E1FD-4040-94D7-E067A258BF25}"/>
-                  </a:ext>
-                </a:extLst>
-              </p:cNvPr>
-              <p:cNvSpPr/>
-              <p:nvPr/>
-            </p:nvSpPr>
-            <p:spPr>
-              <a:xfrm>
-                <a:off x="2346538" y="1773016"/>
-                <a:ext cx="612000" cy="1800000"/>
-              </a:xfrm>
-              <a:prstGeom prst="rect">
-                <a:avLst/>
-              </a:prstGeom>
-              <a:solidFill>
-                <a:sysClr val="window" lastClr="FFFFFF"/>
-              </a:solidFill>
-              <a:ln w="6350" cap="flat" cmpd="sng" algn="ctr">
-                <a:solidFill>
-                  <a:sysClr val="windowText" lastClr="000000">
-                    <a:lumMod val="50000"/>
-                    <a:lumOff val="50000"/>
-                  </a:sysClr>
-                </a:solidFill>
-                <a:prstDash val="solid"/>
-              </a:ln>
-              <a:effectLst/>
-            </p:spPr>
-            <p:txBody>
-              <a:bodyPr rtlCol="0" anchor="ctr"/>
-              <a:lstStyle/>
-              <a:p>
-                <a:pPr algn="ctr" defTabSz="685800">
-                  <a:defRPr/>
-                </a:pPr>
-                <a:endParaRPr lang="en-US" sz="1350" kern="0">
-                  <a:solidFill>
-                    <a:prstClr val="white"/>
-                  </a:solidFill>
-                  <a:latin typeface="Calibri"/>
-                </a:endParaRPr>
-              </a:p>
-            </p:txBody>
-          </p:sp>
-          <p:sp>
-            <p:nvSpPr>
-              <p:cNvPr id="97" name="Rectangle 96">
-                <a:extLst>
-                  <a:ext uri="{FF2B5EF4-FFF2-40B4-BE49-F238E27FC236}">
-                    <a16:creationId xmlns:a16="http://schemas.microsoft.com/office/drawing/2014/main" id="{A9D57474-A564-4AF8-9E4F-852293271E34}"/>
-                  </a:ext>
-                </a:extLst>
-              </p:cNvPr>
-              <p:cNvSpPr/>
-              <p:nvPr/>
-            </p:nvSpPr>
-            <p:spPr>
-              <a:xfrm>
-                <a:off x="3584110" y="1773016"/>
-                <a:ext cx="612000" cy="1800000"/>
-              </a:xfrm>
-              <a:prstGeom prst="rect">
-                <a:avLst/>
-              </a:prstGeom>
-              <a:solidFill>
-                <a:sysClr val="window" lastClr="FFFFFF"/>
-              </a:solidFill>
-              <a:ln w="6350" cap="flat" cmpd="sng" algn="ctr">
-                <a:solidFill>
-                  <a:sysClr val="windowText" lastClr="000000">
-                    <a:lumMod val="50000"/>
-                    <a:lumOff val="50000"/>
-                  </a:sysClr>
-                </a:solidFill>
-                <a:prstDash val="solid"/>
-              </a:ln>
-              <a:effectLst/>
-            </p:spPr>
-            <p:txBody>
-              <a:bodyPr rtlCol="0" anchor="ctr"/>
-              <a:lstStyle/>
-              <a:p>
-                <a:pPr algn="ctr" defTabSz="685800">
-                  <a:defRPr/>
-                </a:pPr>
-                <a:endParaRPr lang="en-US" sz="1350" kern="0">
-                  <a:solidFill>
-                    <a:prstClr val="white"/>
-                  </a:solidFill>
-                  <a:latin typeface="Calibri"/>
-                </a:endParaRPr>
-              </a:p>
-            </p:txBody>
-          </p:sp>
-          <p:sp>
-            <p:nvSpPr>
-              <p:cNvPr id="98" name="Rectangle 97">
-                <a:extLst>
-                  <a:ext uri="{FF2B5EF4-FFF2-40B4-BE49-F238E27FC236}">
-                    <a16:creationId xmlns:a16="http://schemas.microsoft.com/office/drawing/2014/main" id="{D36948D0-9944-45E8-BF5D-E74E5CAAAAD7}"/>
-                  </a:ext>
-                </a:extLst>
-              </p:cNvPr>
-              <p:cNvSpPr/>
-              <p:nvPr/>
-            </p:nvSpPr>
-            <p:spPr>
-              <a:xfrm>
-                <a:off x="4821682" y="1773016"/>
-                <a:ext cx="612000" cy="1800000"/>
-              </a:xfrm>
-              <a:prstGeom prst="rect">
-                <a:avLst/>
-              </a:prstGeom>
-              <a:solidFill>
-                <a:sysClr val="window" lastClr="FFFFFF"/>
-              </a:solidFill>
-              <a:ln w="6350" cap="flat" cmpd="sng" algn="ctr">
-                <a:solidFill>
-                  <a:sysClr val="windowText" lastClr="000000">
-                    <a:lumMod val="50000"/>
-                    <a:lumOff val="50000"/>
-                  </a:sysClr>
-                </a:solidFill>
-                <a:prstDash val="solid"/>
-              </a:ln>
-              <a:effectLst/>
-            </p:spPr>
-            <p:txBody>
-              <a:bodyPr rtlCol="0" anchor="ctr"/>
-              <a:lstStyle/>
-              <a:p>
-                <a:pPr algn="ctr" defTabSz="685800">
-                  <a:defRPr/>
-                </a:pPr>
-                <a:endParaRPr lang="en-US" sz="1350" kern="0">
-                  <a:solidFill>
-                    <a:prstClr val="white"/>
-                  </a:solidFill>
-                  <a:latin typeface="Calibri"/>
-                </a:endParaRPr>
-              </a:p>
-            </p:txBody>
-          </p:sp>
-          <p:sp>
-            <p:nvSpPr>
-              <p:cNvPr id="99" name="Rectangle 98">
-                <a:extLst>
-                  <a:ext uri="{FF2B5EF4-FFF2-40B4-BE49-F238E27FC236}">
-                    <a16:creationId xmlns:a16="http://schemas.microsoft.com/office/drawing/2014/main" id="{98430AE3-460F-4BBC-877B-6E8835CF612A}"/>
                   </a:ext>
                 </a:extLst>
               </p:cNvPr>
@@ -7904,7 +6395,7 @@
         </p:blipFill>
         <p:spPr>
           <a:xfrm>
-            <a:off x="5798693" y="2367949"/>
+            <a:off x="5798693" y="2245404"/>
             <a:ext cx="421234" cy="421200"/>
           </a:xfrm>
           <a:prstGeom prst="rect">
@@ -7926,8 +6417,8 @@
         </p:nvSpPr>
         <p:spPr>
           <a:xfrm>
-            <a:off x="3067396" y="6536709"/>
-            <a:ext cx="3516242" cy="253916"/>
+            <a:off x="2744659" y="6536709"/>
+            <a:ext cx="4161717" cy="253916"/>
           </a:xfrm>
           <a:prstGeom prst="rect">
             <a:avLst/>
@@ -7951,49 +6442,12 @@
             </a:r>
             <a:r>
               <a:rPr lang="sv-SE" sz="1050" dirty="0"/>
-              <a:t> tokenized user authorization</a:t>
+              <a:t> tokenized/encrypted user authorization</a:t>
             </a:r>
             <a:endParaRPr lang="en-US" sz="1050" dirty="0"/>
           </a:p>
         </p:txBody>
       </p:sp>
-      <p:pic>
-        <p:nvPicPr>
-          <p:cNvPr id="138" name="Picture 137">
-            <a:extLst>
-              <a:ext uri="{FF2B5EF4-FFF2-40B4-BE49-F238E27FC236}">
-                <a16:creationId xmlns:a16="http://schemas.microsoft.com/office/drawing/2014/main" id="{EE06A15E-DFF3-4411-817E-E9CAC86E8CD9}"/>
-              </a:ext>
-            </a:extLst>
-          </p:cNvPr>
-          <p:cNvPicPr>
-            <a:picLocks noChangeAspect="1"/>
-          </p:cNvPicPr>
-          <p:nvPr/>
-        </p:nvPicPr>
-        <p:blipFill>
-          <a:blip r:embed="rId6">
-            <a:lum bright="-25000" contrast="48000"/>
-            <a:extLst>
-              <a:ext uri="{28A0092B-C50C-407E-A947-70E740481C1C}">
-                <a14:useLocalDpi xmlns:a14="http://schemas.microsoft.com/office/drawing/2010/main" val="0"/>
-              </a:ext>
-            </a:extLst>
-          </a:blip>
-          <a:stretch>
-            <a:fillRect/>
-          </a:stretch>
-        </p:blipFill>
-        <p:spPr>
-          <a:xfrm>
-            <a:off x="5798693" y="4075672"/>
-            <a:ext cx="421234" cy="421200"/>
-          </a:xfrm>
-          <a:prstGeom prst="rect">
-            <a:avLst/>
-          </a:prstGeom>
-        </p:spPr>
-      </p:pic>
       <p:pic>
         <p:nvPicPr>
           <p:cNvPr id="139" name="Picture 138">
@@ -8033,10 +6487,10 @@
       </p:pic>
       <p:sp>
         <p:nvSpPr>
-          <p:cNvPr id="9" name="Cylinder 8">
+          <p:cNvPr id="27" name="Cylinder 26">
             <a:extLst>
               <a:ext uri="{FF2B5EF4-FFF2-40B4-BE49-F238E27FC236}">
-                <a16:creationId xmlns:a16="http://schemas.microsoft.com/office/drawing/2014/main" id="{A7D5C0B6-5017-4813-A050-24AD8865DFE9}"/>
+                <a16:creationId xmlns:a16="http://schemas.microsoft.com/office/drawing/2014/main" id="{089074F6-B1FE-467C-9A04-11367975772D}"/>
               </a:ext>
             </a:extLst>
           </p:cNvPr>
@@ -8047,7 +6501,7 @@
         </p:nvSpPr>
         <p:spPr>
           <a:xfrm>
-            <a:off x="6078113" y="4408089"/>
+            <a:off x="6078113" y="2580194"/>
             <a:ext cx="382846" cy="252000"/>
           </a:xfrm>
           <a:prstGeom prst="can">
@@ -8112,85 +6566,6 @@
       </p:sp>
       <p:sp>
         <p:nvSpPr>
-          <p:cNvPr id="27" name="Cylinder 26">
-            <a:extLst>
-              <a:ext uri="{FF2B5EF4-FFF2-40B4-BE49-F238E27FC236}">
-                <a16:creationId xmlns:a16="http://schemas.microsoft.com/office/drawing/2014/main" id="{089074F6-B1FE-467C-9A04-11367975772D}"/>
-              </a:ext>
-            </a:extLst>
-          </p:cNvPr>
-          <p:cNvSpPr>
-            <a:spLocks noChangeAspect="1"/>
-          </p:cNvSpPr>
-          <p:nvPr/>
-        </p:nvSpPr>
-        <p:spPr>
-          <a:xfrm>
-            <a:off x="6078113" y="2702739"/>
-            <a:ext cx="382846" cy="252000"/>
-          </a:xfrm>
-          <a:prstGeom prst="can">
-            <a:avLst/>
-          </a:prstGeom>
-          <a:gradFill flip="none" rotWithShape="1">
-            <a:gsLst>
-              <a:gs pos="0">
-                <a:schemeClr val="accent1">
-                  <a:lumMod val="5000"/>
-                  <a:lumOff val="95000"/>
-                </a:schemeClr>
-              </a:gs>
-              <a:gs pos="74000">
-                <a:schemeClr val="accent1">
-                  <a:lumMod val="45000"/>
-                  <a:lumOff val="55000"/>
-                </a:schemeClr>
-              </a:gs>
-              <a:gs pos="83000">
-                <a:schemeClr val="accent1">
-                  <a:lumMod val="45000"/>
-                  <a:lumOff val="55000"/>
-                </a:schemeClr>
-              </a:gs>
-              <a:gs pos="100000">
-                <a:schemeClr val="accent1">
-                  <a:lumMod val="30000"/>
-                  <a:lumOff val="70000"/>
-                </a:schemeClr>
-              </a:gs>
-            </a:gsLst>
-            <a:lin ang="2700000" scaled="1"/>
-            <a:tileRect/>
-          </a:gradFill>
-          <a:ln w="6350"/>
-        </p:spPr>
-        <p:style>
-          <a:lnRef idx="2">
-            <a:schemeClr val="accent1">
-              <a:shade val="50000"/>
-            </a:schemeClr>
-          </a:lnRef>
-          <a:fillRef idx="1">
-            <a:schemeClr val="accent1"/>
-          </a:fillRef>
-          <a:effectRef idx="0">
-            <a:schemeClr val="accent1"/>
-          </a:effectRef>
-          <a:fontRef idx="minor">
-            <a:schemeClr val="lt1"/>
-          </a:fontRef>
-        </p:style>
-        <p:txBody>
-          <a:bodyPr rtlCol="0" anchor="ctr"/>
-          <a:lstStyle/>
-          <a:p>
-            <a:pPr algn="ctr"/>
-            <a:endParaRPr lang="en-US" sz="1350"/>
-          </a:p>
-        </p:txBody>
-      </p:sp>
-      <p:sp>
-        <p:nvSpPr>
           <p:cNvPr id="140" name="TextBox 139">
             <a:extLst>
               <a:ext uri="{FF2B5EF4-FFF2-40B4-BE49-F238E27FC236}">
@@ -8220,7 +6595,7 @@
             <a:pPr algn="r"/>
             <a:r>
               <a:rPr lang="sv-SE" sz="750" dirty="0"/>
-              <a:t>A.R. 2021-08-09</a:t>
+              <a:t>A.R. 2021-08-12</a:t>
             </a:r>
             <a:endParaRPr lang="en-US" sz="750" dirty="0"/>
           </a:p>
@@ -8279,7 +6654,7 @@
         </p:nvCxnSpPr>
         <p:spPr>
           <a:xfrm>
-            <a:off x="2358000" y="2576085"/>
+            <a:off x="2358000" y="2453540"/>
             <a:ext cx="612000" cy="0"/>
           </a:xfrm>
           <a:prstGeom prst="straightConnector1">
@@ -8304,96 +6679,6 @@
           </a:fontRef>
         </p:style>
       </p:cxnSp>
-      <p:sp>
-        <p:nvSpPr>
-          <p:cNvPr id="133" name="TextBox 132">
-            <a:extLst>
-              <a:ext uri="{FF2B5EF4-FFF2-40B4-BE49-F238E27FC236}">
-                <a16:creationId xmlns:a16="http://schemas.microsoft.com/office/drawing/2014/main" id="{B7F9C56D-290A-4342-8E62-C94FB06188FD}"/>
-              </a:ext>
-            </a:extLst>
-          </p:cNvPr>
-          <p:cNvSpPr txBox="1"/>
-          <p:nvPr/>
-        </p:nvSpPr>
-        <p:spPr>
-          <a:xfrm>
-            <a:off x="1446316" y="4501108"/>
-            <a:ext cx="1313757" cy="715581"/>
-          </a:xfrm>
-          <a:prstGeom prst="rect">
-            <a:avLst/>
-          </a:prstGeom>
-          <a:noFill/>
-        </p:spPr>
-        <p:txBody>
-          <a:bodyPr wrap="none" rtlCol="0">
-            <a:spAutoFit/>
-          </a:bodyPr>
-          <a:lstStyle/>
-          <a:p>
-            <a:pPr algn="ctr"/>
-            <a:r>
-              <a:rPr lang="sv-SE" sz="1350" i="1" dirty="0"/>
-              <a:t>Selects card</a:t>
-            </a:r>
-            <a:br>
-              <a:rPr lang="sv-SE" sz="1350" dirty="0"/>
-            </a:br>
-            <a:r>
-              <a:rPr lang="sv-SE" sz="1350" dirty="0"/>
-              <a:t>from physical or</a:t>
-            </a:r>
-            <a:br>
-              <a:rPr lang="sv-SE" sz="1350" dirty="0"/>
-            </a:br>
-            <a:r>
-              <a:rPr lang="sv-SE" sz="1350" dirty="0"/>
-              <a:t>virtual wallet</a:t>
-            </a:r>
-            <a:endParaRPr lang="en-US" sz="1350" dirty="0"/>
-          </a:p>
-        </p:txBody>
-      </p:sp>
-      <p:pic>
-        <p:nvPicPr>
-          <p:cNvPr id="134" name="Graphic 133">
-            <a:extLst>
-              <a:ext uri="{FF2B5EF4-FFF2-40B4-BE49-F238E27FC236}">
-                <a16:creationId xmlns:a16="http://schemas.microsoft.com/office/drawing/2014/main" id="{2E65035B-DD29-4A16-B312-B153E7C0779D}"/>
-              </a:ext>
-            </a:extLst>
-          </p:cNvPr>
-          <p:cNvPicPr>
-            <a:picLocks noChangeAspect="1"/>
-          </p:cNvPicPr>
-          <p:nvPr/>
-        </p:nvPicPr>
-        <p:blipFill>
-          <a:blip r:embed="rId4">
-            <a:extLst>
-              <a:ext uri="{28A0092B-C50C-407E-A947-70E740481C1C}">
-                <a14:useLocalDpi xmlns:a14="http://schemas.microsoft.com/office/drawing/2010/main" val="0"/>
-              </a:ext>
-              <a:ext uri="{96DAC541-7B7A-43D3-8B79-37D633B846F1}">
-                <asvg:svgBlip xmlns:asvg="http://schemas.microsoft.com/office/drawing/2016/SVG/main" r:embed="rId5"/>
-              </a:ext>
-            </a:extLst>
-          </a:blip>
-          <a:stretch>
-            <a:fillRect/>
-          </a:stretch>
-        </p:blipFill>
-        <p:spPr>
-          <a:xfrm>
-            <a:off x="1882953" y="4077287"/>
-            <a:ext cx="421200" cy="421200"/>
-          </a:xfrm>
-          <a:prstGeom prst="rect">
-            <a:avLst/>
-          </a:prstGeom>
-        </p:spPr>
-      </p:pic>
       <p:sp>
         <p:nvSpPr>
           <p:cNvPr id="135" name="TextBox 134">
@@ -8519,84 +6804,6 @@
           </a:fontRef>
         </p:style>
       </p:cxnSp>
-      <p:cxnSp>
-        <p:nvCxnSpPr>
-          <p:cNvPr id="142" name="Straight Arrow Connector 141">
-            <a:extLst>
-              <a:ext uri="{FF2B5EF4-FFF2-40B4-BE49-F238E27FC236}">
-                <a16:creationId xmlns:a16="http://schemas.microsoft.com/office/drawing/2014/main" id="{0CA6A98C-D98A-4354-A611-A76B954404CF}"/>
-              </a:ext>
-            </a:extLst>
-          </p:cNvPr>
-          <p:cNvCxnSpPr>
-            <a:cxnSpLocks/>
-          </p:cNvCxnSpPr>
-          <p:nvPr/>
-        </p:nvCxnSpPr>
-        <p:spPr>
-          <a:xfrm>
-            <a:off x="2358000" y="4288997"/>
-            <a:ext cx="612000" cy="0"/>
-          </a:xfrm>
-          <a:prstGeom prst="straightConnector1">
-            <a:avLst/>
-          </a:prstGeom>
-          <a:ln w="12700">
-            <a:prstDash val="dash"/>
-            <a:tailEnd type="triangle"/>
-          </a:ln>
-        </p:spPr>
-        <p:style>
-          <a:lnRef idx="1">
-            <a:schemeClr val="accent1"/>
-          </a:lnRef>
-          <a:fillRef idx="0">
-            <a:schemeClr val="accent1"/>
-          </a:fillRef>
-          <a:effectRef idx="0">
-            <a:schemeClr val="accent1"/>
-          </a:effectRef>
-          <a:fontRef idx="minor">
-            <a:schemeClr val="tx1"/>
-          </a:fontRef>
-        </p:style>
-      </p:cxnSp>
-      <p:sp>
-        <p:nvSpPr>
-          <p:cNvPr id="143" name="TextBox 142">
-            <a:extLst>
-              <a:ext uri="{FF2B5EF4-FFF2-40B4-BE49-F238E27FC236}">
-                <a16:creationId xmlns:a16="http://schemas.microsoft.com/office/drawing/2014/main" id="{9A5CAB60-6C76-4DA8-B80E-7824E516EC8F}"/>
-              </a:ext>
-            </a:extLst>
-          </p:cNvPr>
-          <p:cNvSpPr txBox="1"/>
-          <p:nvPr/>
-        </p:nvSpPr>
-        <p:spPr>
-          <a:xfrm>
-            <a:off x="6671127" y="4027465"/>
-            <a:ext cx="941283" cy="253916"/>
-          </a:xfrm>
-          <a:prstGeom prst="rect">
-            <a:avLst/>
-          </a:prstGeom>
-          <a:noFill/>
-        </p:spPr>
-        <p:txBody>
-          <a:bodyPr wrap="none" rtlCol="0">
-            <a:spAutoFit/>
-          </a:bodyPr>
-          <a:lstStyle/>
-          <a:p>
-            <a:r>
-              <a:rPr lang="sv-SE" sz="1050" dirty="0"/>
-              <a:t>Card Network</a:t>
-            </a:r>
-            <a:endParaRPr lang="en-US" sz="1050" dirty="0"/>
-          </a:p>
-        </p:txBody>
-      </p:sp>
       <p:sp>
         <p:nvSpPr>
           <p:cNvPr id="144" name="TextBox 143">
@@ -8647,7 +6854,7 @@
         </p:nvSpPr>
         <p:spPr>
           <a:xfrm>
-            <a:off x="6671127" y="2315813"/>
+            <a:off x="6671127" y="2193268"/>
             <a:ext cx="941283" cy="253916"/>
           </a:xfrm>
           <a:prstGeom prst="rect">
@@ -8685,48 +6892,7 @@
         </p:nvCxnSpPr>
         <p:spPr>
           <a:xfrm>
-            <a:off x="6306125" y="2577722"/>
-            <a:ext cx="1764000" cy="0"/>
-          </a:xfrm>
-          <a:prstGeom prst="straightConnector1">
-            <a:avLst/>
-          </a:prstGeom>
-          <a:ln w="12700">
-            <a:tailEnd type="triangle"/>
-          </a:ln>
-        </p:spPr>
-        <p:style>
-          <a:lnRef idx="1">
-            <a:schemeClr val="accent1"/>
-          </a:lnRef>
-          <a:fillRef idx="0">
-            <a:schemeClr val="accent1"/>
-          </a:fillRef>
-          <a:effectRef idx="0">
-            <a:schemeClr val="accent1"/>
-          </a:effectRef>
-          <a:fontRef idx="minor">
-            <a:schemeClr val="tx1"/>
-          </a:fontRef>
-        </p:style>
-      </p:cxnSp>
-      <p:cxnSp>
-        <p:nvCxnSpPr>
-          <p:cNvPr id="148" name="Straight Arrow Connector 147">
-            <a:extLst>
-              <a:ext uri="{FF2B5EF4-FFF2-40B4-BE49-F238E27FC236}">
-                <a16:creationId xmlns:a16="http://schemas.microsoft.com/office/drawing/2014/main" id="{656B1EB6-7808-43D3-89E1-37F5AA8F3E76}"/>
-              </a:ext>
-            </a:extLst>
-          </p:cNvPr>
-          <p:cNvCxnSpPr>
-            <a:cxnSpLocks/>
-          </p:cNvCxnSpPr>
-          <p:nvPr/>
-        </p:nvCxnSpPr>
-        <p:spPr>
-          <a:xfrm>
-            <a:off x="6306125" y="4291994"/>
+            <a:off x="6306125" y="2455177"/>
             <a:ext cx="1764000" cy="0"/>
           </a:xfrm>
           <a:prstGeom prst="straightConnector1">
@@ -8806,7 +6972,7 @@
         </p:nvSpPr>
         <p:spPr>
           <a:xfrm rot="19917555">
-            <a:off x="3977228" y="1954897"/>
+            <a:off x="3977228" y="1832352"/>
             <a:ext cx="204775" cy="499216"/>
           </a:xfrm>
           <a:prstGeom prst="ellipse">
@@ -8859,7 +7025,7 @@
         </p:nvSpPr>
         <p:spPr>
           <a:xfrm>
-            <a:off x="2071167" y="1983671"/>
+            <a:off x="2071167" y="1861126"/>
             <a:ext cx="1633717" cy="300082"/>
           </a:xfrm>
           <a:prstGeom prst="rect">
@@ -8877,266 +7043,6 @@
             <a:r>
               <a:rPr lang="sv-SE" sz="1350" dirty="0"/>
               <a:t>TLS Client Certificate</a:t>
-            </a:r>
-            <a:endParaRPr lang="en-US" sz="1350" dirty="0"/>
-          </a:p>
-        </p:txBody>
-      </p:sp>
-      <p:sp>
-        <p:nvSpPr>
-          <p:cNvPr id="152" name="Oval 151">
-            <a:extLst>
-              <a:ext uri="{FF2B5EF4-FFF2-40B4-BE49-F238E27FC236}">
-                <a16:creationId xmlns:a16="http://schemas.microsoft.com/office/drawing/2014/main" id="{C6658E9C-C32D-4BA3-ADF2-12C26496A18A}"/>
-              </a:ext>
-            </a:extLst>
-          </p:cNvPr>
-          <p:cNvSpPr/>
-          <p:nvPr/>
-        </p:nvSpPr>
-        <p:spPr>
-          <a:xfrm>
-            <a:off x="4437856" y="3672087"/>
-            <a:ext cx="636024" cy="320777"/>
-          </a:xfrm>
-          <a:prstGeom prst="ellipse">
-            <a:avLst/>
-          </a:prstGeom>
-          <a:gradFill flip="none" rotWithShape="1">
-            <a:gsLst>
-              <a:gs pos="0">
-                <a:schemeClr val="accent5">
-                  <a:lumMod val="5000"/>
-                  <a:lumOff val="95000"/>
-                </a:schemeClr>
-              </a:gs>
-              <a:gs pos="74000">
-                <a:schemeClr val="accent5">
-                  <a:lumMod val="45000"/>
-                  <a:lumOff val="55000"/>
-                </a:schemeClr>
-              </a:gs>
-              <a:gs pos="83000">
-                <a:schemeClr val="accent5">
-                  <a:lumMod val="45000"/>
-                  <a:lumOff val="55000"/>
-                </a:schemeClr>
-              </a:gs>
-              <a:gs pos="100000">
-                <a:schemeClr val="accent5">
-                  <a:lumMod val="30000"/>
-                  <a:lumOff val="70000"/>
-                </a:schemeClr>
-              </a:gs>
-            </a:gsLst>
-            <a:lin ang="3000000" scaled="0"/>
-            <a:tileRect/>
-          </a:gradFill>
-          <a:ln w="6350"/>
-        </p:spPr>
-        <p:style>
-          <a:lnRef idx="2">
-            <a:schemeClr val="accent1">
-              <a:shade val="50000"/>
-            </a:schemeClr>
-          </a:lnRef>
-          <a:fillRef idx="1">
-            <a:schemeClr val="accent1"/>
-          </a:fillRef>
-          <a:effectRef idx="0">
-            <a:schemeClr val="accent1"/>
-          </a:effectRef>
-          <a:fontRef idx="minor">
-            <a:schemeClr val="lt1"/>
-          </a:fontRef>
-        </p:style>
-        <p:txBody>
-          <a:bodyPr rtlCol="0" anchor="ctr"/>
-          <a:lstStyle/>
-          <a:p>
-            <a:pPr algn="ctr"/>
-            <a:r>
-              <a:rPr lang="sv-SE" sz="1350" dirty="0">
-                <a:solidFill>
-                  <a:schemeClr val="tx1"/>
-                </a:solidFill>
-              </a:rPr>
-              <a:t>TS</a:t>
-            </a:r>
-            <a:endParaRPr lang="en-US" sz="1350" dirty="0">
-              <a:solidFill>
-                <a:schemeClr val="tx1"/>
-              </a:solidFill>
-            </a:endParaRPr>
-          </a:p>
-        </p:txBody>
-      </p:sp>
-      <p:sp>
-        <p:nvSpPr>
-          <p:cNvPr id="153" name="TextBox 152">
-            <a:extLst>
-              <a:ext uri="{FF2B5EF4-FFF2-40B4-BE49-F238E27FC236}">
-                <a16:creationId xmlns:a16="http://schemas.microsoft.com/office/drawing/2014/main" id="{794F6CC6-8A39-4548-A42E-ADACF0F6572D}"/>
-              </a:ext>
-            </a:extLst>
-          </p:cNvPr>
-          <p:cNvSpPr txBox="1"/>
-          <p:nvPr/>
-        </p:nvSpPr>
-        <p:spPr>
-          <a:xfrm>
-            <a:off x="3630528" y="3368568"/>
-            <a:ext cx="2245551" cy="300082"/>
-          </a:xfrm>
-          <a:prstGeom prst="rect">
-            <a:avLst/>
-          </a:prstGeom>
-          <a:noFill/>
-        </p:spPr>
-        <p:txBody>
-          <a:bodyPr wrap="none" rtlCol="0">
-            <a:spAutoFit/>
-          </a:bodyPr>
-          <a:lstStyle/>
-          <a:p>
-            <a:pPr algn="ctr"/>
-            <a:r>
-              <a:rPr lang="sv-SE" sz="1350" i="1" dirty="0"/>
-              <a:t>Optional</a:t>
-            </a:r>
-            <a:r>
-              <a:rPr lang="sv-SE" sz="1350" dirty="0"/>
-              <a:t> Tokenization Service</a:t>
-            </a:r>
-            <a:endParaRPr lang="en-US" sz="1350" dirty="0"/>
-          </a:p>
-        </p:txBody>
-      </p:sp>
-      <p:cxnSp>
-        <p:nvCxnSpPr>
-          <p:cNvPr id="154" name="Straight Arrow Connector 153">
-            <a:extLst>
-              <a:ext uri="{FF2B5EF4-FFF2-40B4-BE49-F238E27FC236}">
-                <a16:creationId xmlns:a16="http://schemas.microsoft.com/office/drawing/2014/main" id="{E17B49ED-4CEE-41F2-B2DE-0CD85D89BAAE}"/>
-              </a:ext>
-            </a:extLst>
-          </p:cNvPr>
-          <p:cNvCxnSpPr>
-            <a:cxnSpLocks/>
-          </p:cNvCxnSpPr>
-          <p:nvPr/>
-        </p:nvCxnSpPr>
-        <p:spPr>
-          <a:xfrm flipV="1">
-            <a:off x="3582000" y="3885864"/>
-            <a:ext cx="810000" cy="288000"/>
-          </a:xfrm>
-          <a:prstGeom prst="straightConnector1">
-            <a:avLst/>
-          </a:prstGeom>
-          <a:ln w="12700">
-            <a:prstDash val="sysDash"/>
-            <a:headEnd type="triangle"/>
-            <a:tailEnd type="triangle"/>
-          </a:ln>
-        </p:spPr>
-        <p:style>
-          <a:lnRef idx="1">
-            <a:schemeClr val="accent1"/>
-          </a:lnRef>
-          <a:fillRef idx="0">
-            <a:schemeClr val="accent1"/>
-          </a:fillRef>
-          <a:effectRef idx="0">
-            <a:schemeClr val="accent1"/>
-          </a:effectRef>
-          <a:fontRef idx="minor">
-            <a:schemeClr val="tx1"/>
-          </a:fontRef>
-        </p:style>
-      </p:cxnSp>
-      <p:cxnSp>
-        <p:nvCxnSpPr>
-          <p:cNvPr id="155" name="Straight Arrow Connector 154">
-            <a:extLst>
-              <a:ext uri="{FF2B5EF4-FFF2-40B4-BE49-F238E27FC236}">
-                <a16:creationId xmlns:a16="http://schemas.microsoft.com/office/drawing/2014/main" id="{FDEE7CAD-6163-4A6B-A166-C1A216A1250A}"/>
-              </a:ext>
-            </a:extLst>
-          </p:cNvPr>
-          <p:cNvCxnSpPr>
-            <a:cxnSpLocks/>
-          </p:cNvCxnSpPr>
-          <p:nvPr/>
-        </p:nvCxnSpPr>
-        <p:spPr>
-          <a:xfrm>
-            <a:off x="5076000" y="3921864"/>
-            <a:ext cx="630000" cy="252000"/>
-          </a:xfrm>
-          <a:prstGeom prst="straightConnector1">
-            <a:avLst/>
-          </a:prstGeom>
-          <a:ln w="12700">
-            <a:prstDash val="sysDash"/>
-            <a:headEnd type="triangle"/>
-            <a:tailEnd type="triangle"/>
-          </a:ln>
-        </p:spPr>
-        <p:style>
-          <a:lnRef idx="1">
-            <a:schemeClr val="accent1"/>
-          </a:lnRef>
-          <a:fillRef idx="0">
-            <a:schemeClr val="accent1"/>
-          </a:fillRef>
-          <a:effectRef idx="0">
-            <a:schemeClr val="accent1"/>
-          </a:effectRef>
-          <a:fontRef idx="minor">
-            <a:schemeClr val="tx1"/>
-          </a:fontRef>
-        </p:style>
-      </p:cxnSp>
-      <p:sp>
-        <p:nvSpPr>
-          <p:cNvPr id="156" name="TextBox 155">
-            <a:extLst>
-              <a:ext uri="{FF2B5EF4-FFF2-40B4-BE49-F238E27FC236}">
-                <a16:creationId xmlns:a16="http://schemas.microsoft.com/office/drawing/2014/main" id="{42F0B7FD-F2CA-4DE7-92A9-AA3912D54AB1}"/>
-              </a:ext>
-            </a:extLst>
-          </p:cNvPr>
-          <p:cNvSpPr txBox="1"/>
-          <p:nvPr/>
-        </p:nvSpPr>
-        <p:spPr>
-          <a:xfrm>
-            <a:off x="2179068" y="3575168"/>
-            <a:ext cx="2188101" cy="507831"/>
-          </a:xfrm>
-          <a:prstGeom prst="rect">
-            <a:avLst/>
-          </a:prstGeom>
-          <a:noFill/>
-        </p:spPr>
-        <p:txBody>
-          <a:bodyPr wrap="square" rtlCol="0">
-            <a:spAutoFit/>
-          </a:bodyPr>
-          <a:lstStyle/>
-          <a:p>
-            <a:pPr algn="ctr"/>
-            <a:r>
-              <a:rPr lang="sv-SE" sz="1350" dirty="0"/>
-              <a:t>PCI Compliant</a:t>
-            </a:r>
-            <a:br>
-              <a:rPr lang="sv-SE" sz="1350" dirty="0"/>
-            </a:br>
-            <a:r>
-              <a:rPr lang="sv-SE" sz="1350" dirty="0"/>
-              <a:t>Terminal</a:t>
             </a:r>
             <a:endParaRPr lang="en-US" sz="1350" dirty="0"/>
           </a:p>
@@ -9193,7 +7099,7 @@
         </p:nvGrpSpPr>
         <p:grpSpPr>
           <a:xfrm>
-            <a:off x="3689610" y="2138266"/>
+            <a:off x="3689610" y="2015721"/>
             <a:ext cx="330919" cy="364551"/>
             <a:chOff x="7439528" y="2941466"/>
             <a:chExt cx="216024" cy="262996"/>
@@ -9315,7 +7221,7 @@
         </p:nvSpPr>
         <p:spPr>
           <a:xfrm>
-            <a:off x="2426154" y="1762141"/>
+            <a:off x="2426154" y="1639596"/>
             <a:ext cx="1553630" cy="300082"/>
           </a:xfrm>
           <a:prstGeom prst="rect">
@@ -9335,6 +7241,164 @@
               <a:t>Certified Client SDK</a:t>
             </a:r>
             <a:endParaRPr lang="en-US" sz="1350" dirty="0"/>
+          </a:p>
+        </p:txBody>
+      </p:sp>
+      <p:sp>
+        <p:nvSpPr>
+          <p:cNvPr id="13" name="Rectangle: Rounded Corners 12">
+            <a:extLst>
+              <a:ext uri="{FF2B5EF4-FFF2-40B4-BE49-F238E27FC236}">
+                <a16:creationId xmlns:a16="http://schemas.microsoft.com/office/drawing/2014/main" id="{F53BC3BB-D1CC-45E5-8ECA-EEC98234BCF2}"/>
+              </a:ext>
+            </a:extLst>
+          </p:cNvPr>
+          <p:cNvSpPr/>
+          <p:nvPr/>
+        </p:nvSpPr>
+        <p:spPr>
+          <a:xfrm>
+            <a:off x="377942" y="3231726"/>
+            <a:ext cx="8388115" cy="644651"/>
+          </a:xfrm>
+          <a:prstGeom prst="roundRect">
+            <a:avLst/>
+          </a:prstGeom>
+          <a:solidFill>
+            <a:schemeClr val="bg1">
+              <a:lumMod val="95000"/>
+            </a:schemeClr>
+          </a:solidFill>
+          <a:ln w="6350">
+            <a:solidFill>
+              <a:schemeClr val="bg1">
+                <a:lumMod val="75000"/>
+              </a:schemeClr>
+            </a:solidFill>
+          </a:ln>
+          <a:effectLst>
+            <a:outerShdw blurRad="50800" dist="38100" dir="2700000" algn="tl" rotWithShape="0">
+              <a:prstClr val="black">
+                <a:alpha val="40000"/>
+              </a:prstClr>
+            </a:outerShdw>
+          </a:effectLst>
+        </p:spPr>
+        <p:style>
+          <a:lnRef idx="2">
+            <a:schemeClr val="accent1">
+              <a:shade val="50000"/>
+            </a:schemeClr>
+          </a:lnRef>
+          <a:fillRef idx="1">
+            <a:schemeClr val="accent1"/>
+          </a:fillRef>
+          <a:effectRef idx="0">
+            <a:schemeClr val="accent1"/>
+          </a:effectRef>
+          <a:fontRef idx="minor">
+            <a:schemeClr val="lt1"/>
+          </a:fontRef>
+        </p:style>
+        <p:txBody>
+          <a:bodyPr rtlCol="0" anchor="ctr"/>
+          <a:lstStyle/>
+          <a:p>
+            <a:r>
+              <a:rPr lang="sv-SE" sz="1350" dirty="0">
+                <a:solidFill>
+                  <a:schemeClr val="tx1"/>
+                </a:solidFill>
+              </a:rPr>
+              <a:t>Due to the complexity of the software as well as to need for merchants interacting with bank security servers (ACS), and accessing sensitive card data (DS), </a:t>
+            </a:r>
+            <a:r>
+              <a:rPr lang="sv-SE" sz="1350" i="1" dirty="0">
+                <a:solidFill>
+                  <a:schemeClr val="tx1"/>
+                </a:solidFill>
+              </a:rPr>
+              <a:t>the majority of merchants must use a hosted 3DS solution</a:t>
+            </a:r>
+            <a:r>
+              <a:rPr lang="sv-SE" sz="1350" dirty="0">
+                <a:solidFill>
+                  <a:schemeClr val="tx1"/>
+                </a:solidFill>
+              </a:rPr>
+              <a:t>.</a:t>
+            </a:r>
+          </a:p>
+        </p:txBody>
+      </p:sp>
+      <p:sp>
+        <p:nvSpPr>
+          <p:cNvPr id="212" name="Rectangle: Rounded Corners 211">
+            <a:extLst>
+              <a:ext uri="{FF2B5EF4-FFF2-40B4-BE49-F238E27FC236}">
+                <a16:creationId xmlns:a16="http://schemas.microsoft.com/office/drawing/2014/main" id="{57459540-5EA3-4550-9933-D7EB45368881}"/>
+              </a:ext>
+            </a:extLst>
+          </p:cNvPr>
+          <p:cNvSpPr/>
+          <p:nvPr/>
+        </p:nvSpPr>
+        <p:spPr>
+          <a:xfrm>
+            <a:off x="341808" y="4609312"/>
+            <a:ext cx="8388115" cy="644400"/>
+          </a:xfrm>
+          <a:prstGeom prst="roundRect">
+            <a:avLst/>
+          </a:prstGeom>
+          <a:solidFill>
+            <a:schemeClr val="bg1">
+              <a:lumMod val="95000"/>
+            </a:schemeClr>
+          </a:solidFill>
+          <a:ln w="6350">
+            <a:solidFill>
+              <a:schemeClr val="bg1">
+                <a:lumMod val="75000"/>
+              </a:schemeClr>
+            </a:solidFill>
+          </a:ln>
+          <a:effectLst>
+            <a:outerShdw blurRad="50800" dist="38100" dir="2700000" algn="tl" rotWithShape="0">
+              <a:prstClr val="black">
+                <a:alpha val="40000"/>
+              </a:prstClr>
+            </a:outerShdw>
+          </a:effectLst>
+        </p:spPr>
+        <p:style>
+          <a:lnRef idx="2">
+            <a:schemeClr val="accent1">
+              <a:shade val="50000"/>
+            </a:schemeClr>
+          </a:lnRef>
+          <a:fillRef idx="1">
+            <a:schemeClr val="accent1"/>
+          </a:fillRef>
+          <a:effectRef idx="0">
+            <a:schemeClr val="accent1"/>
+          </a:effectRef>
+          <a:fontRef idx="minor">
+            <a:schemeClr val="lt1"/>
+          </a:fontRef>
+        </p:style>
+        <p:txBody>
+          <a:bodyPr rtlCol="0" anchor="ctr"/>
+          <a:lstStyle/>
+          <a:p>
+            <a:r>
+              <a:rPr lang="sv-SE" sz="1350" dirty="0">
+                <a:solidFill>
+                  <a:schemeClr val="tx1"/>
+                </a:solidFill>
+              </a:rPr>
+              <a:t>FIDO Web Pay was the designed from the ground up to put very modest requirements on merchants. Users remain in the merchant environment during payments as well.</a:t>
+            </a:r>
           </a:p>
         </p:txBody>
       </p:sp>

--- a/backend-infrastructure-requirements.pptx
+++ b/backend-infrastructure-requirements.pptx
@@ -7397,7 +7397,23 @@
                   <a:schemeClr val="tx1"/>
                 </a:solidFill>
               </a:rPr>
-              <a:t>FIDO Web Pay was the designed from the ground up to put very modest requirements on merchants. Users remain in the merchant environment during payments as well.</a:t>
+              <a:t>FIDO Web Pay was the designed from the ground up to put very modest requirements on merchants. </a:t>
+            </a:r>
+            <a:r>
+              <a:rPr lang="sv-SE" sz="1350">
+                <a:solidFill>
+                  <a:schemeClr val="tx1"/>
+                </a:solidFill>
+              </a:rPr>
+              <a:t>Users stay </a:t>
+            </a:r>
+            <a:r>
+              <a:rPr lang="sv-SE" sz="1350" dirty="0">
+                <a:solidFill>
+                  <a:schemeClr val="tx1"/>
+                </a:solidFill>
+              </a:rPr>
+              <a:t>in the merchant environment during payments as well.</a:t>
             </a:r>
           </a:p>
         </p:txBody>

--- a/backend-infrastructure-requirements.pptx
+++ b/backend-infrastructure-requirements.pptx
@@ -7310,7 +7310,23 @@
                   <a:schemeClr val="tx1"/>
                 </a:solidFill>
               </a:rPr>
-              <a:t>Due to the complexity of the software as well as to need for merchants interacting with bank security servers (ACS), and accessing sensitive card data (DS), </a:t>
+              <a:t>Due to the complexity of the software as well as </a:t>
+            </a:r>
+            <a:r>
+              <a:rPr lang="sv-SE" sz="1350">
+                <a:solidFill>
+                  <a:schemeClr val="tx1"/>
+                </a:solidFill>
+              </a:rPr>
+              <a:t>to the need </a:t>
+            </a:r>
+            <a:r>
+              <a:rPr lang="sv-SE" sz="1350" dirty="0">
+                <a:solidFill>
+                  <a:schemeClr val="tx1"/>
+                </a:solidFill>
+              </a:rPr>
+              <a:t>for merchants interacting with bank security servers (ACS), and accessing sensitive card data (DS), </a:t>
             </a:r>
             <a:r>
               <a:rPr lang="sv-SE" sz="1350" i="1" dirty="0">
@@ -7397,23 +7413,7 @@
                   <a:schemeClr val="tx1"/>
                 </a:solidFill>
               </a:rPr>
-              <a:t>FIDO Web Pay was the designed from the ground up to put very modest requirements on merchants. </a:t>
-            </a:r>
-            <a:r>
-              <a:rPr lang="sv-SE" sz="1350">
-                <a:solidFill>
-                  <a:schemeClr val="tx1"/>
-                </a:solidFill>
-              </a:rPr>
-              <a:t>Users stay </a:t>
-            </a:r>
-            <a:r>
-              <a:rPr lang="sv-SE" sz="1350" dirty="0">
-                <a:solidFill>
-                  <a:schemeClr val="tx1"/>
-                </a:solidFill>
-              </a:rPr>
-              <a:t>in the merchant environment during payments as well.</a:t>
+              <a:t>FIDO Web Pay was the designed from the ground up to put very modest requirements on merchants. Users stay in the merchant environment during payments as well.</a:t>
             </a:r>
           </a:p>
         </p:txBody>

--- a/backend-infrastructure-requirements.pptx
+++ b/backend-infrastructure-requirements.pptx
@@ -7310,23 +7310,7 @@
                   <a:schemeClr val="tx1"/>
                 </a:solidFill>
               </a:rPr>
-              <a:t>Due to the complexity of the software as well as </a:t>
-            </a:r>
-            <a:r>
-              <a:rPr lang="sv-SE" sz="1350">
-                <a:solidFill>
-                  <a:schemeClr val="tx1"/>
-                </a:solidFill>
-              </a:rPr>
-              <a:t>to the need </a:t>
-            </a:r>
-            <a:r>
-              <a:rPr lang="sv-SE" sz="1350" dirty="0">
-                <a:solidFill>
-                  <a:schemeClr val="tx1"/>
-                </a:solidFill>
-              </a:rPr>
-              <a:t>for merchants interacting with bank security servers (ACS), and accessing sensitive card data (DS), </a:t>
+              <a:t>Due to the complexity of the software as well as to the need for merchants interacting with bank security servers (ACS), and accessing sensitive card data (DS), </a:t>
             </a:r>
             <a:r>
               <a:rPr lang="sv-SE" sz="1350" i="1" dirty="0">
@@ -7415,6 +7399,42 @@
               </a:rPr>
               <a:t>FIDO Web Pay was the designed from the ground up to put very modest requirements on merchants. Users stay in the merchant environment during payments as well.</a:t>
             </a:r>
+          </a:p>
+        </p:txBody>
+      </p:sp>
+      <p:sp>
+        <p:nvSpPr>
+          <p:cNvPr id="213" name="TextBox 212">
+            <a:extLst>
+              <a:ext uri="{FF2B5EF4-FFF2-40B4-BE49-F238E27FC236}">
+                <a16:creationId xmlns:a16="http://schemas.microsoft.com/office/drawing/2014/main" id="{0F9B8FE2-758F-4731-A933-499F89BA1F02}"/>
+              </a:ext>
+            </a:extLst>
+          </p:cNvPr>
+          <p:cNvSpPr txBox="1"/>
+          <p:nvPr/>
+        </p:nvSpPr>
+        <p:spPr>
+          <a:xfrm>
+            <a:off x="6460490" y="2558093"/>
+            <a:ext cx="1128322" cy="300082"/>
+          </a:xfrm>
+          <a:prstGeom prst="rect">
+            <a:avLst/>
+          </a:prstGeom>
+          <a:noFill/>
+        </p:spPr>
+        <p:txBody>
+          <a:bodyPr wrap="none" rtlCol="0">
+            <a:spAutoFit/>
+          </a:bodyPr>
+          <a:lstStyle/>
+          <a:p>
+            <a:r>
+              <a:rPr lang="sv-SE" sz="1350" dirty="0"/>
+              <a:t>BIN Database</a:t>
+            </a:r>
+            <a:endParaRPr lang="en-US" sz="1350" dirty="0"/>
           </a:p>
         </p:txBody>
       </p:sp>

--- a/backend-infrastructure-requirements.pptx
+++ b/backend-infrastructure-requirements.pptx
@@ -243,7 +243,7 @@
           <a:p>
             <a:fld id="{882805C7-747B-4752-9F69-9BC597374324}" type="datetimeFigureOut">
               <a:rPr lang="en-US" smtClean="0"/>
-              <a:t>2021-08-12</a:t>
+              <a:t>2021-08-13</a:t>
             </a:fld>
             <a:endParaRPr lang="en-US"/>
           </a:p>
@@ -413,7 +413,7 @@
           <a:p>
             <a:fld id="{882805C7-747B-4752-9F69-9BC597374324}" type="datetimeFigureOut">
               <a:rPr lang="en-US" smtClean="0"/>
-              <a:t>2021-08-12</a:t>
+              <a:t>2021-08-13</a:t>
             </a:fld>
             <a:endParaRPr lang="en-US"/>
           </a:p>
@@ -593,7 +593,7 @@
           <a:p>
             <a:fld id="{882805C7-747B-4752-9F69-9BC597374324}" type="datetimeFigureOut">
               <a:rPr lang="en-US" smtClean="0"/>
-              <a:t>2021-08-12</a:t>
+              <a:t>2021-08-13</a:t>
             </a:fld>
             <a:endParaRPr lang="en-US"/>
           </a:p>
@@ -763,7 +763,7 @@
           <a:p>
             <a:fld id="{882805C7-747B-4752-9F69-9BC597374324}" type="datetimeFigureOut">
               <a:rPr lang="en-US" smtClean="0"/>
-              <a:t>2021-08-12</a:t>
+              <a:t>2021-08-13</a:t>
             </a:fld>
             <a:endParaRPr lang="en-US"/>
           </a:p>
@@ -1007,7 +1007,7 @@
           <a:p>
             <a:fld id="{882805C7-747B-4752-9F69-9BC597374324}" type="datetimeFigureOut">
               <a:rPr lang="en-US" smtClean="0"/>
-              <a:t>2021-08-12</a:t>
+              <a:t>2021-08-13</a:t>
             </a:fld>
             <a:endParaRPr lang="en-US"/>
           </a:p>
@@ -1239,7 +1239,7 @@
           <a:p>
             <a:fld id="{882805C7-747B-4752-9F69-9BC597374324}" type="datetimeFigureOut">
               <a:rPr lang="en-US" smtClean="0"/>
-              <a:t>2021-08-12</a:t>
+              <a:t>2021-08-13</a:t>
             </a:fld>
             <a:endParaRPr lang="en-US"/>
           </a:p>
@@ -1606,7 +1606,7 @@
           <a:p>
             <a:fld id="{882805C7-747B-4752-9F69-9BC597374324}" type="datetimeFigureOut">
               <a:rPr lang="en-US" smtClean="0"/>
-              <a:t>2021-08-12</a:t>
+              <a:t>2021-08-13</a:t>
             </a:fld>
             <a:endParaRPr lang="en-US"/>
           </a:p>
@@ -1724,7 +1724,7 @@
           <a:p>
             <a:fld id="{882805C7-747B-4752-9F69-9BC597374324}" type="datetimeFigureOut">
               <a:rPr lang="en-US" smtClean="0"/>
-              <a:t>2021-08-12</a:t>
+              <a:t>2021-08-13</a:t>
             </a:fld>
             <a:endParaRPr lang="en-US"/>
           </a:p>
@@ -1819,7 +1819,7 @@
           <a:p>
             <a:fld id="{882805C7-747B-4752-9F69-9BC597374324}" type="datetimeFigureOut">
               <a:rPr lang="en-US" smtClean="0"/>
-              <a:t>2021-08-12</a:t>
+              <a:t>2021-08-13</a:t>
             </a:fld>
             <a:endParaRPr lang="en-US"/>
           </a:p>
@@ -2096,7 +2096,7 @@
           <a:p>
             <a:fld id="{882805C7-747B-4752-9F69-9BC597374324}" type="datetimeFigureOut">
               <a:rPr lang="en-US" smtClean="0"/>
-              <a:t>2021-08-12</a:t>
+              <a:t>2021-08-13</a:t>
             </a:fld>
             <a:endParaRPr lang="en-US"/>
           </a:p>
@@ -2353,7 +2353,7 @@
           <a:p>
             <a:fld id="{882805C7-747B-4752-9F69-9BC597374324}" type="datetimeFigureOut">
               <a:rPr lang="en-US" smtClean="0"/>
-              <a:t>2021-08-12</a:t>
+              <a:t>2021-08-13</a:t>
             </a:fld>
             <a:endParaRPr lang="en-US"/>
           </a:p>
@@ -2566,7 +2566,7 @@
           <a:p>
             <a:fld id="{882805C7-747B-4752-9F69-9BC597374324}" type="datetimeFigureOut">
               <a:rPr lang="en-US" smtClean="0"/>
-              <a:t>2021-08-12</a:t>
+              <a:t>2021-08-13</a:t>
             </a:fld>
             <a:endParaRPr lang="en-US"/>
           </a:p>
@@ -3780,43 +3780,6 @@
               <a:t>Issuer</a:t>
             </a:r>
             <a:endParaRPr lang="en-US" dirty="0"/>
-          </a:p>
-        </p:txBody>
-      </p:sp>
-      <p:sp>
-        <p:nvSpPr>
-          <p:cNvPr id="71" name="TextBox 70">
-            <a:extLst>
-              <a:ext uri="{FF2B5EF4-FFF2-40B4-BE49-F238E27FC236}">
-                <a16:creationId xmlns:a16="http://schemas.microsoft.com/office/drawing/2014/main" id="{D032EB5C-0D66-4AF5-95DA-3E71225FAB28}"/>
-              </a:ext>
-            </a:extLst>
-          </p:cNvPr>
-          <p:cNvSpPr txBox="1"/>
-          <p:nvPr/>
-        </p:nvSpPr>
-        <p:spPr>
-          <a:xfrm>
-            <a:off x="2089697" y="201912"/>
-            <a:ext cx="4958094" cy="415498"/>
-          </a:xfrm>
-          <a:prstGeom prst="rect">
-            <a:avLst/>
-          </a:prstGeom>
-          <a:noFill/>
-        </p:spPr>
-        <p:txBody>
-          <a:bodyPr wrap="square" rtlCol="0">
-            <a:spAutoFit/>
-          </a:bodyPr>
-          <a:lstStyle/>
-          <a:p>
-            <a:pPr algn="ctr"/>
-            <a:r>
-              <a:rPr lang="sv-SE" sz="2100" dirty="0"/>
-              <a:t>”Backend” Infrastructure Requirements </a:t>
-            </a:r>
-            <a:endParaRPr lang="en-US" sz="2100" dirty="0"/>
           </a:p>
         </p:txBody>
       </p:sp>
@@ -6595,7 +6558,7 @@
             <a:pPr algn="r"/>
             <a:r>
               <a:rPr lang="sv-SE" sz="750" dirty="0"/>
-              <a:t>A.R. 2021-08-12</a:t>
+              <a:t>A.R. 2021-08-13</a:t>
             </a:r>
             <a:endParaRPr lang="en-US" sz="750" dirty="0"/>
           </a:p>
@@ -7246,10 +7209,46 @@
       </p:sp>
       <p:sp>
         <p:nvSpPr>
-          <p:cNvPr id="13" name="Rectangle: Rounded Corners 12">
+          <p:cNvPr id="213" name="TextBox 212">
             <a:extLst>
               <a:ext uri="{FF2B5EF4-FFF2-40B4-BE49-F238E27FC236}">
-                <a16:creationId xmlns:a16="http://schemas.microsoft.com/office/drawing/2014/main" id="{F53BC3BB-D1CC-45E5-8ECA-EEC98234BCF2}"/>
+                <a16:creationId xmlns:a16="http://schemas.microsoft.com/office/drawing/2014/main" id="{0F9B8FE2-758F-4731-A933-499F89BA1F02}"/>
+              </a:ext>
+            </a:extLst>
+          </p:cNvPr>
+          <p:cNvSpPr txBox="1"/>
+          <p:nvPr/>
+        </p:nvSpPr>
+        <p:spPr>
+          <a:xfrm>
+            <a:off x="6460490" y="2558093"/>
+            <a:ext cx="1128322" cy="300082"/>
+          </a:xfrm>
+          <a:prstGeom prst="rect">
+            <a:avLst/>
+          </a:prstGeom>
+          <a:noFill/>
+        </p:spPr>
+        <p:txBody>
+          <a:bodyPr wrap="none" rtlCol="0">
+            <a:spAutoFit/>
+          </a:bodyPr>
+          <a:lstStyle/>
+          <a:p>
+            <a:r>
+              <a:rPr lang="sv-SE" sz="1350" dirty="0"/>
+              <a:t>BIN Database</a:t>
+            </a:r>
+            <a:endParaRPr lang="en-US" sz="1350" dirty="0"/>
+          </a:p>
+        </p:txBody>
+      </p:sp>
+      <p:sp>
+        <p:nvSpPr>
+          <p:cNvPr id="99" name="Rectangle: Rounded Corners 98">
+            <a:extLst>
+              <a:ext uri="{FF2B5EF4-FFF2-40B4-BE49-F238E27FC236}">
+                <a16:creationId xmlns:a16="http://schemas.microsoft.com/office/drawing/2014/main" id="{BE7765EB-BA35-4B99-AA26-730EDC2225A0}"/>
               </a:ext>
             </a:extLst>
           </p:cNvPr>
@@ -7258,8 +7257,8 @@
         </p:nvSpPr>
         <p:spPr>
           <a:xfrm>
-            <a:off x="377942" y="3231726"/>
-            <a:ext cx="8388115" cy="644651"/>
+            <a:off x="324000" y="3231726"/>
+            <a:ext cx="8532000" cy="644651"/>
           </a:xfrm>
           <a:prstGeom prst="roundRect">
             <a:avLst/>
@@ -7301,7 +7300,7 @@
           </a:fontRef>
         </p:style>
         <p:txBody>
-          <a:bodyPr rtlCol="0" anchor="ctr"/>
+          <a:bodyPr rIns="36000" rtlCol="0" anchor="ctr"/>
           <a:lstStyle/>
           <a:p>
             <a:r>
@@ -7333,10 +7332,10 @@
       </p:sp>
       <p:sp>
         <p:nvSpPr>
-          <p:cNvPr id="212" name="Rectangle: Rounded Corners 211">
+          <p:cNvPr id="100" name="Rectangle: Rounded Corners 99">
             <a:extLst>
               <a:ext uri="{FF2B5EF4-FFF2-40B4-BE49-F238E27FC236}">
-                <a16:creationId xmlns:a16="http://schemas.microsoft.com/office/drawing/2014/main" id="{57459540-5EA3-4550-9933-D7EB45368881}"/>
+                <a16:creationId xmlns:a16="http://schemas.microsoft.com/office/drawing/2014/main" id="{491525AE-1597-4435-A84B-4E013F6C3B8F}"/>
               </a:ext>
             </a:extLst>
           </p:cNvPr>
@@ -7345,8 +7344,8 @@
         </p:nvSpPr>
         <p:spPr>
           <a:xfrm>
-            <a:off x="341808" y="4609312"/>
-            <a:ext cx="8388115" cy="644400"/>
+            <a:off x="324000" y="4609312"/>
+            <a:ext cx="8532000" cy="644400"/>
           </a:xfrm>
           <a:prstGeom prst="roundRect">
             <a:avLst/>
@@ -7388,7 +7387,7 @@
           </a:fontRef>
         </p:style>
         <p:txBody>
-          <a:bodyPr rtlCol="0" anchor="ctr"/>
+          <a:bodyPr rIns="36000" rtlCol="0" anchor="ctr"/>
           <a:lstStyle/>
           <a:p>
             <a:r>
@@ -7397,17 +7396,25 @@
                   <a:schemeClr val="tx1"/>
                 </a:solidFill>
               </a:rPr>
-              <a:t>FIDO Web Pay was the designed from the ground up to put very modest requirements on merchants. Users stay in the merchant environment during payments as well.</a:t>
-            </a:r>
-          </a:p>
-        </p:txBody>
-      </p:sp>
-      <p:sp>
-        <p:nvSpPr>
-          <p:cNvPr id="213" name="TextBox 212">
+              <a:t>FIDO Web Pay was the designed from the ground up to put very modest requirements on merchants. Users stay in the merchant environment during payments as well.  </a:t>
+            </a:r>
+            <a:r>
+              <a:rPr lang="sv-SE" sz="1350" i="1" dirty="0">
+                <a:solidFill>
+                  <a:schemeClr val="tx1"/>
+                </a:solidFill>
+              </a:rPr>
+              <a:t>Using QR the same backend can also work at the PoS terminal.</a:t>
+            </a:r>
+          </a:p>
+        </p:txBody>
+      </p:sp>
+      <p:sp>
+        <p:nvSpPr>
+          <p:cNvPr id="101" name="TextBox 100">
             <a:extLst>
               <a:ext uri="{FF2B5EF4-FFF2-40B4-BE49-F238E27FC236}">
-                <a16:creationId xmlns:a16="http://schemas.microsoft.com/office/drawing/2014/main" id="{0F9B8FE2-758F-4731-A933-499F89BA1F02}"/>
+                <a16:creationId xmlns:a16="http://schemas.microsoft.com/office/drawing/2014/main" id="{74D8DDF9-6E32-46C1-8064-CDA78799B524}"/>
               </a:ext>
             </a:extLst>
           </p:cNvPr>
@@ -7416,8 +7423,8 @@
         </p:nvSpPr>
         <p:spPr>
           <a:xfrm>
-            <a:off x="6460490" y="2558093"/>
-            <a:ext cx="1128322" cy="300082"/>
+            <a:off x="559724" y="172485"/>
+            <a:ext cx="7891549" cy="461665"/>
           </a:xfrm>
           <a:prstGeom prst="rect">
             <a:avLst/>
@@ -7425,16 +7432,25 @@
           <a:noFill/>
         </p:spPr>
         <p:txBody>
-          <a:bodyPr wrap="none" rtlCol="0">
+          <a:bodyPr wrap="square" rtlCol="0">
             <a:spAutoFit/>
           </a:bodyPr>
           <a:lstStyle/>
           <a:p>
-            <a:r>
-              <a:rPr lang="sv-SE" sz="1350" dirty="0"/>
-              <a:t>BIN Database</a:t>
-            </a:r>
-            <a:endParaRPr lang="en-US" sz="1350" dirty="0"/>
+            <a:pPr algn="ctr"/>
+            <a:r>
+              <a:rPr lang="sv-SE" sz="2400" dirty="0">
+                <a:latin typeface="Times New Roman" panose="02020603050405020304" pitchFamily="18" charset="0"/>
+                <a:ea typeface="DejaVu Serif" panose="02060603050605020204" pitchFamily="18" charset="0"/>
+                <a:cs typeface="Times New Roman" panose="02020603050405020304" pitchFamily="18" charset="0"/>
+              </a:rPr>
+              <a:t>”Backend” Infrastructure Requirements</a:t>
+            </a:r>
+            <a:endParaRPr lang="en-US" sz="2400" dirty="0">
+              <a:latin typeface="Times New Roman" panose="02020603050405020304" pitchFamily="18" charset="0"/>
+              <a:ea typeface="DejaVu Serif" panose="02060603050605020204" pitchFamily="18" charset="0"/>
+              <a:cs typeface="Times New Roman" panose="02020603050405020304" pitchFamily="18" charset="0"/>
+            </a:endParaRPr>
           </a:p>
         </p:txBody>
       </p:sp>

--- a/backend-infrastructure-requirements.pptx
+++ b/backend-infrastructure-requirements.pptx
@@ -7317,7 +7317,7 @@
                   <a:schemeClr val="tx1"/>
                 </a:solidFill>
               </a:rPr>
-              <a:t>the majority of merchants must use a hosted 3DS solution</a:t>
+              <a:t>the majority of merchants are effectively forced using a hosted 3DS solution</a:t>
             </a:r>
             <a:r>
               <a:rPr lang="sv-SE" sz="1350" dirty="0">

--- a/backend-infrastructure-requirements.pptx
+++ b/backend-infrastructure-requirements.pptx
@@ -7317,7 +7317,23 @@
                   <a:schemeClr val="tx1"/>
                 </a:solidFill>
               </a:rPr>
-              <a:t>the majority of merchants are effectively forced using a hosted 3DS solution</a:t>
+              <a:t>the majority of merchants are effectively </a:t>
+            </a:r>
+            <a:r>
+              <a:rPr lang="sv-SE" sz="1350" i="1" u="sng" dirty="0">
+                <a:solidFill>
+                  <a:schemeClr val="tx1"/>
+                </a:solidFill>
+              </a:rPr>
+              <a:t>forced</a:t>
+            </a:r>
+            <a:r>
+              <a:rPr lang="sv-SE" sz="1350" i="1" dirty="0">
+                <a:solidFill>
+                  <a:schemeClr val="tx1"/>
+                </a:solidFill>
+              </a:rPr>
+              <a:t> using hosted 3DS solutions</a:t>
             </a:r>
             <a:r>
               <a:rPr lang="sv-SE" sz="1350" dirty="0">

--- a/backend-infrastructure-requirements.pptx
+++ b/backend-infrastructure-requirements.pptx
@@ -7420,7 +7420,7 @@
                   <a:schemeClr val="tx1"/>
                 </a:solidFill>
               </a:rPr>
-              <a:t>Using QR the same backend can also work at the PoS terminal.</a:t>
+              <a:t>Using QR code the same backend can also work at the PoS terminal.</a:t>
             </a:r>
           </a:p>
         </p:txBody>

--- a/backend-infrastructure-requirements.pptx
+++ b/backend-infrastructure-requirements.pptx
@@ -243,7 +243,7 @@
           <a:p>
             <a:fld id="{882805C7-747B-4752-9F69-9BC597374324}" type="datetimeFigureOut">
               <a:rPr lang="en-US" smtClean="0"/>
-              <a:t>2021-08-13</a:t>
+              <a:t>2021-08-16</a:t>
             </a:fld>
             <a:endParaRPr lang="en-US"/>
           </a:p>
@@ -413,7 +413,7 @@
           <a:p>
             <a:fld id="{882805C7-747B-4752-9F69-9BC597374324}" type="datetimeFigureOut">
               <a:rPr lang="en-US" smtClean="0"/>
-              <a:t>2021-08-13</a:t>
+              <a:t>2021-08-16</a:t>
             </a:fld>
             <a:endParaRPr lang="en-US"/>
           </a:p>
@@ -593,7 +593,7 @@
           <a:p>
             <a:fld id="{882805C7-747B-4752-9F69-9BC597374324}" type="datetimeFigureOut">
               <a:rPr lang="en-US" smtClean="0"/>
-              <a:t>2021-08-13</a:t>
+              <a:t>2021-08-16</a:t>
             </a:fld>
             <a:endParaRPr lang="en-US"/>
           </a:p>
@@ -763,7 +763,7 @@
           <a:p>
             <a:fld id="{882805C7-747B-4752-9F69-9BC597374324}" type="datetimeFigureOut">
               <a:rPr lang="en-US" smtClean="0"/>
-              <a:t>2021-08-13</a:t>
+              <a:t>2021-08-16</a:t>
             </a:fld>
             <a:endParaRPr lang="en-US"/>
           </a:p>
@@ -1007,7 +1007,7 @@
           <a:p>
             <a:fld id="{882805C7-747B-4752-9F69-9BC597374324}" type="datetimeFigureOut">
               <a:rPr lang="en-US" smtClean="0"/>
-              <a:t>2021-08-13</a:t>
+              <a:t>2021-08-16</a:t>
             </a:fld>
             <a:endParaRPr lang="en-US"/>
           </a:p>
@@ -1239,7 +1239,7 @@
           <a:p>
             <a:fld id="{882805C7-747B-4752-9F69-9BC597374324}" type="datetimeFigureOut">
               <a:rPr lang="en-US" smtClean="0"/>
-              <a:t>2021-08-13</a:t>
+              <a:t>2021-08-16</a:t>
             </a:fld>
             <a:endParaRPr lang="en-US"/>
           </a:p>
@@ -1606,7 +1606,7 @@
           <a:p>
             <a:fld id="{882805C7-747B-4752-9F69-9BC597374324}" type="datetimeFigureOut">
               <a:rPr lang="en-US" smtClean="0"/>
-              <a:t>2021-08-13</a:t>
+              <a:t>2021-08-16</a:t>
             </a:fld>
             <a:endParaRPr lang="en-US"/>
           </a:p>
@@ -1724,7 +1724,7 @@
           <a:p>
             <a:fld id="{882805C7-747B-4752-9F69-9BC597374324}" type="datetimeFigureOut">
               <a:rPr lang="en-US" smtClean="0"/>
-              <a:t>2021-08-13</a:t>
+              <a:t>2021-08-16</a:t>
             </a:fld>
             <a:endParaRPr lang="en-US"/>
           </a:p>
@@ -1819,7 +1819,7 @@
           <a:p>
             <a:fld id="{882805C7-747B-4752-9F69-9BC597374324}" type="datetimeFigureOut">
               <a:rPr lang="en-US" smtClean="0"/>
-              <a:t>2021-08-13</a:t>
+              <a:t>2021-08-16</a:t>
             </a:fld>
             <a:endParaRPr lang="en-US"/>
           </a:p>
@@ -2096,7 +2096,7 @@
           <a:p>
             <a:fld id="{882805C7-747B-4752-9F69-9BC597374324}" type="datetimeFigureOut">
               <a:rPr lang="en-US" smtClean="0"/>
-              <a:t>2021-08-13</a:t>
+              <a:t>2021-08-16</a:t>
             </a:fld>
             <a:endParaRPr lang="en-US"/>
           </a:p>
@@ -2353,7 +2353,7 @@
           <a:p>
             <a:fld id="{882805C7-747B-4752-9F69-9BC597374324}" type="datetimeFigureOut">
               <a:rPr lang="en-US" smtClean="0"/>
-              <a:t>2021-08-13</a:t>
+              <a:t>2021-08-16</a:t>
             </a:fld>
             <a:endParaRPr lang="en-US"/>
           </a:p>
@@ -2566,7 +2566,7 @@
           <a:p>
             <a:fld id="{882805C7-747B-4752-9F69-9BC597374324}" type="datetimeFigureOut">
               <a:rPr lang="en-US" smtClean="0"/>
-              <a:t>2021-08-13</a:t>
+              <a:t>2021-08-16</a:t>
             </a:fld>
             <a:endParaRPr lang="en-US"/>
           </a:p>
@@ -6656,8 +6656,8 @@
         </p:nvSpPr>
         <p:spPr>
           <a:xfrm>
-            <a:off x="1362093" y="6105855"/>
-            <a:ext cx="1482201" cy="507831"/>
+            <a:off x="1349365" y="6105855"/>
+            <a:ext cx="1507657" cy="507831"/>
           </a:xfrm>
           <a:prstGeom prst="rect">
             <a:avLst/>
@@ -6673,14 +6673,14 @@
             <a:pPr algn="ctr"/>
             <a:r>
               <a:rPr lang="sv-SE" sz="1350" i="1" dirty="0"/>
-              <a:t>Selects card</a:t>
+              <a:t>Selects virtual card</a:t>
             </a:r>
             <a:br>
               <a:rPr lang="sv-SE" sz="1350" dirty="0"/>
             </a:br>
             <a:r>
               <a:rPr lang="sv-SE" sz="1350" dirty="0"/>
-              <a:t>from virtual wallet</a:t>
+              <a:t>from wallet</a:t>
             </a:r>
             <a:endParaRPr lang="en-US" sz="1350" dirty="0"/>
           </a:p>

--- a/backend-infrastructure-requirements.pptx
+++ b/backend-infrastructure-requirements.pptx
@@ -243,7 +243,7 @@
           <a:p>
             <a:fld id="{882805C7-747B-4752-9F69-9BC597374324}" type="datetimeFigureOut">
               <a:rPr lang="en-US" smtClean="0"/>
-              <a:t>2021-08-16</a:t>
+              <a:t>2021-08-17</a:t>
             </a:fld>
             <a:endParaRPr lang="en-US"/>
           </a:p>
@@ -413,7 +413,7 @@
           <a:p>
             <a:fld id="{882805C7-747B-4752-9F69-9BC597374324}" type="datetimeFigureOut">
               <a:rPr lang="en-US" smtClean="0"/>
-              <a:t>2021-08-16</a:t>
+              <a:t>2021-08-17</a:t>
             </a:fld>
             <a:endParaRPr lang="en-US"/>
           </a:p>
@@ -593,7 +593,7 @@
           <a:p>
             <a:fld id="{882805C7-747B-4752-9F69-9BC597374324}" type="datetimeFigureOut">
               <a:rPr lang="en-US" smtClean="0"/>
-              <a:t>2021-08-16</a:t>
+              <a:t>2021-08-17</a:t>
             </a:fld>
             <a:endParaRPr lang="en-US"/>
           </a:p>
@@ -763,7 +763,7 @@
           <a:p>
             <a:fld id="{882805C7-747B-4752-9F69-9BC597374324}" type="datetimeFigureOut">
               <a:rPr lang="en-US" smtClean="0"/>
-              <a:t>2021-08-16</a:t>
+              <a:t>2021-08-17</a:t>
             </a:fld>
             <a:endParaRPr lang="en-US"/>
           </a:p>
@@ -1007,7 +1007,7 @@
           <a:p>
             <a:fld id="{882805C7-747B-4752-9F69-9BC597374324}" type="datetimeFigureOut">
               <a:rPr lang="en-US" smtClean="0"/>
-              <a:t>2021-08-16</a:t>
+              <a:t>2021-08-17</a:t>
             </a:fld>
             <a:endParaRPr lang="en-US"/>
           </a:p>
@@ -1239,7 +1239,7 @@
           <a:p>
             <a:fld id="{882805C7-747B-4752-9F69-9BC597374324}" type="datetimeFigureOut">
               <a:rPr lang="en-US" smtClean="0"/>
-              <a:t>2021-08-16</a:t>
+              <a:t>2021-08-17</a:t>
             </a:fld>
             <a:endParaRPr lang="en-US"/>
           </a:p>
@@ -1606,7 +1606,7 @@
           <a:p>
             <a:fld id="{882805C7-747B-4752-9F69-9BC597374324}" type="datetimeFigureOut">
               <a:rPr lang="en-US" smtClean="0"/>
-              <a:t>2021-08-16</a:t>
+              <a:t>2021-08-17</a:t>
             </a:fld>
             <a:endParaRPr lang="en-US"/>
           </a:p>
@@ -1724,7 +1724,7 @@
           <a:p>
             <a:fld id="{882805C7-747B-4752-9F69-9BC597374324}" type="datetimeFigureOut">
               <a:rPr lang="en-US" smtClean="0"/>
-              <a:t>2021-08-16</a:t>
+              <a:t>2021-08-17</a:t>
             </a:fld>
             <a:endParaRPr lang="en-US"/>
           </a:p>
@@ -1819,7 +1819,7 @@
           <a:p>
             <a:fld id="{882805C7-747B-4752-9F69-9BC597374324}" type="datetimeFigureOut">
               <a:rPr lang="en-US" smtClean="0"/>
-              <a:t>2021-08-16</a:t>
+              <a:t>2021-08-17</a:t>
             </a:fld>
             <a:endParaRPr lang="en-US"/>
           </a:p>
@@ -2096,7 +2096,7 @@
           <a:p>
             <a:fld id="{882805C7-747B-4752-9F69-9BC597374324}" type="datetimeFigureOut">
               <a:rPr lang="en-US" smtClean="0"/>
-              <a:t>2021-08-16</a:t>
+              <a:t>2021-08-17</a:t>
             </a:fld>
             <a:endParaRPr lang="en-US"/>
           </a:p>
@@ -2353,7 +2353,7 @@
           <a:p>
             <a:fld id="{882805C7-747B-4752-9F69-9BC597374324}" type="datetimeFigureOut">
               <a:rPr lang="en-US" smtClean="0"/>
-              <a:t>2021-08-16</a:t>
+              <a:t>2021-08-17</a:t>
             </a:fld>
             <a:endParaRPr lang="en-US"/>
           </a:p>
@@ -2566,7 +2566,7 @@
           <a:p>
             <a:fld id="{882805C7-747B-4752-9F69-9BC597374324}" type="datetimeFigureOut">
               <a:rPr lang="en-US" smtClean="0"/>
-              <a:t>2021-08-16</a:t>
+              <a:t>2021-08-17</a:t>
             </a:fld>
             <a:endParaRPr lang="en-US"/>
           </a:p>
@@ -6558,7 +6558,7 @@
             <a:pPr algn="r"/>
             <a:r>
               <a:rPr lang="sv-SE" sz="750" dirty="0"/>
-              <a:t>A.R. 2021-08-13</a:t>
+              <a:t>A.R. 2021-08-17</a:t>
             </a:r>
             <a:endParaRPr lang="en-US" sz="750" dirty="0"/>
           </a:p>
@@ -7412,7 +7412,7 @@
                   <a:schemeClr val="tx1"/>
                 </a:solidFill>
               </a:rPr>
-              <a:t>FIDO Web Pay was the designed from the ground up to put very modest requirements on merchants. Users stay in the merchant environment during payments as well.  </a:t>
+              <a:t>FIDO Web Pay was the designed from the ground up to put very modest requirements on merchants. Users stay in the merchant environment during payments as well. </a:t>
             </a:r>
             <a:r>
               <a:rPr lang="sv-SE" sz="1350" i="1" dirty="0">
@@ -7420,7 +7420,7 @@
                   <a:schemeClr val="tx1"/>
                 </a:solidFill>
               </a:rPr>
-              <a:t>Using QR code the same backend can also work at the PoS terminal.</a:t>
+              <a:t>QR code can be used for enabling payments at PoS terminals.</a:t>
             </a:r>
           </a:p>
         </p:txBody>

--- a/backend-infrastructure-requirements.pptx
+++ b/backend-infrastructure-requirements.pptx
@@ -3348,7 +3348,7 @@
         </p:nvSpPr>
         <p:spPr>
           <a:xfrm>
-            <a:off x="4853307" y="1351135"/>
+            <a:off x="4853307" y="1360325"/>
             <a:ext cx="636024" cy="320777"/>
           </a:xfrm>
           <a:prstGeom prst="ellipse">
@@ -3437,7 +3437,7 @@
         </p:nvSpPr>
         <p:spPr>
           <a:xfrm>
-            <a:off x="6788835" y="1369515"/>
+            <a:off x="6788835" y="1360325"/>
             <a:ext cx="636024" cy="320777"/>
           </a:xfrm>
           <a:prstGeom prst="ellipse">
@@ -3604,8 +3604,8 @@
         </p:nvCxnSpPr>
         <p:spPr>
           <a:xfrm flipV="1">
-            <a:off x="3568065" y="1601480"/>
-            <a:ext cx="1268730" cy="625470"/>
+            <a:off x="3568065" y="1604288"/>
+            <a:ext cx="1255395" cy="622662"/>
           </a:xfrm>
           <a:prstGeom prst="straightConnector1">
             <a:avLst/>
